--- a/04. Юнит тесты/Юнит тесты.pptx
+++ b/04. Юнит тесты/Юнит тесты.pptx
@@ -708,7 +708,7 @@
           <a:noFill/>
           <a:extLst>
             <a:ext uri="{909E8E84-426E-40dd-AFC4-6F175D3DCCD1}">
-              <a14:hiddenFill xmlns:a14="http://schemas.microsoft.com/office/drawing/2010/main" xmlns="">
+              <a14:hiddenFill xmlns="" xmlns:a14="http://schemas.microsoft.com/office/drawing/2010/main">
                 <a:solidFill>
                   <a:srgbClr val="FFFFFF"/>
                 </a:solidFill>
@@ -767,7 +767,7 @@
             </a:ln>
             <a:extLst>
               <a:ext uri="{91240B29-F687-4f45-9708-019B960494DF}">
-                <a14:hiddenLine xmlns:a14="http://schemas.microsoft.com/office/drawing/2010/main" xmlns="" w="9525">
+                <a14:hiddenLine xmlns="" xmlns:a14="http://schemas.microsoft.com/office/drawing/2010/main" w="9525">
                   <a:solidFill>
                     <a:srgbClr val="000000"/>
                   </a:solidFill>
@@ -857,7 +857,7 @@
             </a:ln>
             <a:extLst>
               <a:ext uri="{91240B29-F687-4f45-9708-019B960494DF}">
-                <a14:hiddenLine xmlns:a14="http://schemas.microsoft.com/office/drawing/2010/main" xmlns="" w="9525">
+                <a14:hiddenLine xmlns="" xmlns:a14="http://schemas.microsoft.com/office/drawing/2010/main" w="9525">
                   <a:solidFill>
                     <a:srgbClr val="000000"/>
                   </a:solidFill>
@@ -947,7 +947,7 @@
             </a:ln>
             <a:extLst>
               <a:ext uri="{91240B29-F687-4f45-9708-019B960494DF}">
-                <a14:hiddenLine xmlns:a14="http://schemas.microsoft.com/office/drawing/2010/main" xmlns="" w="9525">
+                <a14:hiddenLine xmlns="" xmlns:a14="http://schemas.microsoft.com/office/drawing/2010/main" w="9525">
                   <a:solidFill>
                     <a:srgbClr val="000000"/>
                   </a:solidFill>
@@ -981,7 +981,7 @@
             </a:ln>
             <a:extLst>
               <a:ext uri="{91240B29-F687-4f45-9708-019B960494DF}">
-                <a14:hiddenLine xmlns:a14="http://schemas.microsoft.com/office/drawing/2010/main" xmlns="" w="9525">
+                <a14:hiddenLine xmlns="" xmlns:a14="http://schemas.microsoft.com/office/drawing/2010/main" w="9525">
                   <a:solidFill>
                     <a:srgbClr val="000000"/>
                   </a:solidFill>
@@ -1071,7 +1071,7 @@
             </a:ln>
             <a:extLst>
               <a:ext uri="{91240B29-F687-4f45-9708-019B960494DF}">
-                <a14:hiddenLine xmlns:a14="http://schemas.microsoft.com/office/drawing/2010/main" xmlns="" w="9525">
+                <a14:hiddenLine xmlns="" xmlns:a14="http://schemas.microsoft.com/office/drawing/2010/main" w="9525">
                   <a:solidFill>
                     <a:srgbClr val="000000"/>
                   </a:solidFill>
@@ -1133,7 +1133,7 @@
             </a:ln>
             <a:extLst>
               <a:ext uri="{91240B29-F687-4f45-9708-019B960494DF}">
-                <a14:hiddenLine xmlns:a14="http://schemas.microsoft.com/office/drawing/2010/main" xmlns="" w="9525">
+                <a14:hiddenLine xmlns="" xmlns:a14="http://schemas.microsoft.com/office/drawing/2010/main" w="9525">
                   <a:solidFill>
                     <a:srgbClr val="000000"/>
                   </a:solidFill>
@@ -1195,7 +1195,7 @@
             </a:ln>
             <a:extLst>
               <a:ext uri="{91240B29-F687-4f45-9708-019B960494DF}">
-                <a14:hiddenLine xmlns:a14="http://schemas.microsoft.com/office/drawing/2010/main" xmlns="" w="9525">
+                <a14:hiddenLine xmlns="" xmlns:a14="http://schemas.microsoft.com/office/drawing/2010/main" w="9525">
                   <a:solidFill>
                     <a:srgbClr val="000000"/>
                   </a:solidFill>
@@ -1285,7 +1285,7 @@
             </a:ln>
             <a:extLst>
               <a:ext uri="{91240B29-F687-4f45-9708-019B960494DF}">
-                <a14:hiddenLine xmlns:a14="http://schemas.microsoft.com/office/drawing/2010/main" xmlns="" w="9525">
+                <a14:hiddenLine xmlns="" xmlns:a14="http://schemas.microsoft.com/office/drawing/2010/main" w="9525">
                   <a:solidFill>
                     <a:srgbClr val="000000"/>
                   </a:solidFill>
@@ -1347,7 +1347,7 @@
             </a:ln>
             <a:extLst>
               <a:ext uri="{91240B29-F687-4f45-9708-019B960494DF}">
-                <a14:hiddenLine xmlns:a14="http://schemas.microsoft.com/office/drawing/2010/main" xmlns="" w="9525">
+                <a14:hiddenLine xmlns="" xmlns:a14="http://schemas.microsoft.com/office/drawing/2010/main" w="9525">
                   <a:solidFill>
                     <a:srgbClr val="000000"/>
                   </a:solidFill>
@@ -1409,7 +1409,7 @@
             </a:ln>
             <a:extLst>
               <a:ext uri="{91240B29-F687-4f45-9708-019B960494DF}">
-                <a14:hiddenLine xmlns:a14="http://schemas.microsoft.com/office/drawing/2010/main" xmlns="" w="9525">
+                <a14:hiddenLine xmlns="" xmlns:a14="http://schemas.microsoft.com/office/drawing/2010/main" w="9525">
                   <a:solidFill>
                     <a:srgbClr val="000000"/>
                   </a:solidFill>
@@ -1499,7 +1499,7 @@
             </a:ln>
             <a:extLst>
               <a:ext uri="{91240B29-F687-4f45-9708-019B960494DF}">
-                <a14:hiddenLine xmlns:a14="http://schemas.microsoft.com/office/drawing/2010/main" xmlns="" w="9525">
+                <a14:hiddenLine xmlns="" xmlns:a14="http://schemas.microsoft.com/office/drawing/2010/main" w="9525">
                   <a:solidFill>
                     <a:srgbClr val="000000"/>
                   </a:solidFill>
@@ -1589,7 +1589,7 @@
             </a:ln>
             <a:extLst>
               <a:ext uri="{91240B29-F687-4f45-9708-019B960494DF}">
-                <a14:hiddenLine xmlns:a14="http://schemas.microsoft.com/office/drawing/2010/main" xmlns="" w="9525">
+                <a14:hiddenLine xmlns="" xmlns:a14="http://schemas.microsoft.com/office/drawing/2010/main" w="9525">
                   <a:solidFill>
                     <a:srgbClr val="000000"/>
                   </a:solidFill>
@@ -1651,7 +1651,7 @@
             </a:ln>
             <a:extLst>
               <a:ext uri="{91240B29-F687-4f45-9708-019B960494DF}">
-                <a14:hiddenLine xmlns:a14="http://schemas.microsoft.com/office/drawing/2010/main" xmlns="" w="9525">
+                <a14:hiddenLine xmlns="" xmlns:a14="http://schemas.microsoft.com/office/drawing/2010/main" w="9525">
                   <a:solidFill>
                     <a:srgbClr val="000000"/>
                   </a:solidFill>
@@ -1761,7 +1761,7 @@
             </a:ln>
             <a:extLst>
               <a:ext uri="{91240B29-F687-4f45-9708-019B960494DF}">
-                <a14:hiddenLine xmlns:a14="http://schemas.microsoft.com/office/drawing/2010/main" xmlns="" w="9525">
+                <a14:hiddenLine xmlns="" xmlns:a14="http://schemas.microsoft.com/office/drawing/2010/main" w="9525">
                   <a:solidFill>
                     <a:srgbClr val="000000"/>
                   </a:solidFill>
@@ -1823,7 +1823,7 @@
             </a:ln>
             <a:extLst>
               <a:ext uri="{91240B29-F687-4f45-9708-019B960494DF}">
-                <a14:hiddenLine xmlns:a14="http://schemas.microsoft.com/office/drawing/2010/main" xmlns="" w="9525">
+                <a14:hiddenLine xmlns="" xmlns:a14="http://schemas.microsoft.com/office/drawing/2010/main" w="9525">
                   <a:solidFill>
                     <a:srgbClr val="000000"/>
                   </a:solidFill>
@@ -1913,7 +1913,7 @@
             </a:ln>
             <a:extLst>
               <a:ext uri="{91240B29-F687-4f45-9708-019B960494DF}">
-                <a14:hiddenLine xmlns:a14="http://schemas.microsoft.com/office/drawing/2010/main" xmlns="" w="9525">
+                <a14:hiddenLine xmlns="" xmlns:a14="http://schemas.microsoft.com/office/drawing/2010/main" w="9525">
                   <a:solidFill>
                     <a:srgbClr val="000000"/>
                   </a:solidFill>
@@ -2003,7 +2003,7 @@
             </a:ln>
             <a:extLst>
               <a:ext uri="{91240B29-F687-4f45-9708-019B960494DF}">
-                <a14:hiddenLine xmlns:a14="http://schemas.microsoft.com/office/drawing/2010/main" xmlns="" w="9525">
+                <a14:hiddenLine xmlns="" xmlns:a14="http://schemas.microsoft.com/office/drawing/2010/main" w="9525">
                   <a:solidFill>
                     <a:srgbClr val="000000"/>
                   </a:solidFill>
@@ -2065,7 +2065,7 @@
             </a:ln>
             <a:extLst>
               <a:ext uri="{91240B29-F687-4f45-9708-019B960494DF}">
-                <a14:hiddenLine xmlns:a14="http://schemas.microsoft.com/office/drawing/2010/main" xmlns="" w="9525">
+                <a14:hiddenLine xmlns="" xmlns:a14="http://schemas.microsoft.com/office/drawing/2010/main" w="9525">
                   <a:solidFill>
                     <a:srgbClr val="000000"/>
                   </a:solidFill>
@@ -2155,7 +2155,7 @@
             </a:ln>
             <a:extLst>
               <a:ext uri="{91240B29-F687-4f45-9708-019B960494DF}">
-                <a14:hiddenLine xmlns:a14="http://schemas.microsoft.com/office/drawing/2010/main" xmlns="" w="9525">
+                <a14:hiddenLine xmlns="" xmlns:a14="http://schemas.microsoft.com/office/drawing/2010/main" w="9525">
                   <a:solidFill>
                     <a:srgbClr val="000000"/>
                   </a:solidFill>
@@ -2245,7 +2245,7 @@
             </a:ln>
             <a:extLst>
               <a:ext uri="{91240B29-F687-4f45-9708-019B960494DF}">
-                <a14:hiddenLine xmlns:a14="http://schemas.microsoft.com/office/drawing/2010/main" xmlns="" w="9525">
+                <a14:hiddenLine xmlns="" xmlns:a14="http://schemas.microsoft.com/office/drawing/2010/main" w="9525">
                   <a:solidFill>
                     <a:srgbClr val="000000"/>
                   </a:solidFill>
@@ -2301,7 +2301,7 @@
             </a:ln>
             <a:extLst>
               <a:ext uri="{91240B29-F687-4f45-9708-019B960494DF}">
-                <a14:hiddenLine xmlns:a14="http://schemas.microsoft.com/office/drawing/2010/main" xmlns="" w="9525">
+                <a14:hiddenLine xmlns="" xmlns:a14="http://schemas.microsoft.com/office/drawing/2010/main" w="9525">
                   <a:solidFill>
                     <a:srgbClr val="000000"/>
                   </a:solidFill>
@@ -2391,7 +2391,7 @@
             </a:ln>
             <a:extLst>
               <a:ext uri="{91240B29-F687-4f45-9708-019B960494DF}">
-                <a14:hiddenLine xmlns:a14="http://schemas.microsoft.com/office/drawing/2010/main" xmlns="" w="9525">
+                <a14:hiddenLine xmlns="" xmlns:a14="http://schemas.microsoft.com/office/drawing/2010/main" w="9525">
                   <a:solidFill>
                     <a:srgbClr val="000000"/>
                   </a:solidFill>
@@ -2447,7 +2447,7 @@
             </a:ln>
             <a:extLst>
               <a:ext uri="{91240B29-F687-4f45-9708-019B960494DF}">
-                <a14:hiddenLine xmlns:a14="http://schemas.microsoft.com/office/drawing/2010/main" xmlns="" w="9525">
+                <a14:hiddenLine xmlns="" xmlns:a14="http://schemas.microsoft.com/office/drawing/2010/main" w="9525">
                   <a:solidFill>
                     <a:srgbClr val="000000"/>
                   </a:solidFill>
@@ -2537,7 +2537,7 @@
             </a:ln>
             <a:extLst>
               <a:ext uri="{91240B29-F687-4f45-9708-019B960494DF}">
-                <a14:hiddenLine xmlns:a14="http://schemas.microsoft.com/office/drawing/2010/main" xmlns="" w="9525">
+                <a14:hiddenLine xmlns="" xmlns:a14="http://schemas.microsoft.com/office/drawing/2010/main" w="9525">
                   <a:solidFill>
                     <a:srgbClr val="000000"/>
                   </a:solidFill>
@@ -2605,7 +2605,7 @@
             </a:ln>
             <a:extLst>
               <a:ext uri="{91240B29-F687-4f45-9708-019B960494DF}">
-                <a14:hiddenLine xmlns:a14="http://schemas.microsoft.com/office/drawing/2010/main" xmlns="" w="9525">
+                <a14:hiddenLine xmlns="" xmlns:a14="http://schemas.microsoft.com/office/drawing/2010/main" w="9525">
                   <a:solidFill>
                     <a:srgbClr val="000000"/>
                   </a:solidFill>
@@ -2695,7 +2695,7 @@
             </a:ln>
             <a:extLst>
               <a:ext uri="{91240B29-F687-4f45-9708-019B960494DF}">
-                <a14:hiddenLine xmlns:a14="http://schemas.microsoft.com/office/drawing/2010/main" xmlns="" w="9525">
+                <a14:hiddenLine xmlns="" xmlns:a14="http://schemas.microsoft.com/office/drawing/2010/main" w="9525">
                   <a:solidFill>
                     <a:srgbClr val="000000"/>
                   </a:solidFill>
@@ -2763,7 +2763,7 @@
             </a:ln>
             <a:extLst>
               <a:ext uri="{91240B29-F687-4f45-9708-019B960494DF}">
-                <a14:hiddenLine xmlns:a14="http://schemas.microsoft.com/office/drawing/2010/main" xmlns="" w="9525">
+                <a14:hiddenLine xmlns="" xmlns:a14="http://schemas.microsoft.com/office/drawing/2010/main" w="9525">
                   <a:solidFill>
                     <a:srgbClr val="000000"/>
                   </a:solidFill>
@@ -2853,7 +2853,7 @@
             </a:ln>
             <a:extLst>
               <a:ext uri="{91240B29-F687-4f45-9708-019B960494DF}">
-                <a14:hiddenLine xmlns:a14="http://schemas.microsoft.com/office/drawing/2010/main" xmlns="" w="9525">
+                <a14:hiddenLine xmlns="" xmlns:a14="http://schemas.microsoft.com/office/drawing/2010/main" w="9525">
                   <a:solidFill>
                     <a:srgbClr val="000000"/>
                   </a:solidFill>
@@ -2887,7 +2887,7 @@
             </a:ln>
             <a:extLst>
               <a:ext uri="{91240B29-F687-4f45-9708-019B960494DF}">
-                <a14:hiddenLine xmlns:a14="http://schemas.microsoft.com/office/drawing/2010/main" xmlns="" w="9525">
+                <a14:hiddenLine xmlns="" xmlns:a14="http://schemas.microsoft.com/office/drawing/2010/main" w="9525">
                   <a:solidFill>
                     <a:srgbClr val="000000"/>
                   </a:solidFill>
@@ -2977,7 +2977,7 @@
             </a:ln>
             <a:extLst>
               <a:ext uri="{91240B29-F687-4f45-9708-019B960494DF}">
-                <a14:hiddenLine xmlns:a14="http://schemas.microsoft.com/office/drawing/2010/main" xmlns="" w="9525">
+                <a14:hiddenLine xmlns="" xmlns:a14="http://schemas.microsoft.com/office/drawing/2010/main" w="9525">
                   <a:solidFill>
                     <a:srgbClr val="000000"/>
                   </a:solidFill>
@@ -3039,7 +3039,7 @@
             </a:ln>
             <a:extLst>
               <a:ext uri="{91240B29-F687-4f45-9708-019B960494DF}">
-                <a14:hiddenLine xmlns:a14="http://schemas.microsoft.com/office/drawing/2010/main" xmlns="" w="9525">
+                <a14:hiddenLine xmlns="" xmlns:a14="http://schemas.microsoft.com/office/drawing/2010/main" w="9525">
                   <a:solidFill>
                     <a:srgbClr val="000000"/>
                   </a:solidFill>
@@ -3101,7 +3101,7 @@
             </a:ln>
             <a:extLst>
               <a:ext uri="{91240B29-F687-4f45-9708-019B960494DF}">
-                <a14:hiddenLine xmlns:a14="http://schemas.microsoft.com/office/drawing/2010/main" xmlns="" w="9525">
+                <a14:hiddenLine xmlns="" xmlns:a14="http://schemas.microsoft.com/office/drawing/2010/main" w="9525">
                   <a:solidFill>
                     <a:srgbClr val="000000"/>
                   </a:solidFill>
@@ -3191,7 +3191,7 @@
             </a:ln>
             <a:extLst>
               <a:ext uri="{91240B29-F687-4f45-9708-019B960494DF}">
-                <a14:hiddenLine xmlns:a14="http://schemas.microsoft.com/office/drawing/2010/main" xmlns="" w="9525">
+                <a14:hiddenLine xmlns="" xmlns:a14="http://schemas.microsoft.com/office/drawing/2010/main" w="9525">
                   <a:solidFill>
                     <a:srgbClr val="000000"/>
                   </a:solidFill>
@@ -3259,7 +3259,7 @@
             </a:ln>
             <a:extLst>
               <a:ext uri="{91240B29-F687-4f45-9708-019B960494DF}">
-                <a14:hiddenLine xmlns:a14="http://schemas.microsoft.com/office/drawing/2010/main" xmlns="" w="9525">
+                <a14:hiddenLine xmlns="" xmlns:a14="http://schemas.microsoft.com/office/drawing/2010/main" w="9525">
                   <a:solidFill>
                     <a:srgbClr val="000000"/>
                   </a:solidFill>
@@ -3321,7 +3321,7 @@
             </a:ln>
             <a:extLst>
               <a:ext uri="{91240B29-F687-4f45-9708-019B960494DF}">
-                <a14:hiddenLine xmlns:a14="http://schemas.microsoft.com/office/drawing/2010/main" xmlns="" w="9525">
+                <a14:hiddenLine xmlns="" xmlns:a14="http://schemas.microsoft.com/office/drawing/2010/main" w="9525">
                   <a:solidFill>
                     <a:srgbClr val="000000"/>
                   </a:solidFill>
@@ -3411,7 +3411,7 @@
             </a:ln>
             <a:extLst>
               <a:ext uri="{91240B29-F687-4f45-9708-019B960494DF}">
-                <a14:hiddenLine xmlns:a14="http://schemas.microsoft.com/office/drawing/2010/main" xmlns="" w="9525">
+                <a14:hiddenLine xmlns="" xmlns:a14="http://schemas.microsoft.com/office/drawing/2010/main" w="9525">
                   <a:solidFill>
                     <a:srgbClr val="000000"/>
                   </a:solidFill>
@@ -3473,7 +3473,7 @@
             </a:ln>
             <a:extLst>
               <a:ext uri="{91240B29-F687-4f45-9708-019B960494DF}">
-                <a14:hiddenLine xmlns:a14="http://schemas.microsoft.com/office/drawing/2010/main" xmlns="" w="9525">
+                <a14:hiddenLine xmlns="" xmlns:a14="http://schemas.microsoft.com/office/drawing/2010/main" w="9525">
                   <a:solidFill>
                     <a:srgbClr val="000000"/>
                   </a:solidFill>
@@ -3563,7 +3563,7 @@
             </a:ln>
             <a:extLst>
               <a:ext uri="{91240B29-F687-4f45-9708-019B960494DF}">
-                <a14:hiddenLine xmlns:a14="http://schemas.microsoft.com/office/drawing/2010/main" xmlns="" w="9525">
+                <a14:hiddenLine xmlns="" xmlns:a14="http://schemas.microsoft.com/office/drawing/2010/main" w="9525">
                   <a:solidFill>
                     <a:srgbClr val="000000"/>
                   </a:solidFill>
@@ -3625,7 +3625,7 @@
             </a:ln>
             <a:extLst>
               <a:ext uri="{91240B29-F687-4f45-9708-019B960494DF}">
-                <a14:hiddenLine xmlns:a14="http://schemas.microsoft.com/office/drawing/2010/main" xmlns="" w="9525">
+                <a14:hiddenLine xmlns="" xmlns:a14="http://schemas.microsoft.com/office/drawing/2010/main" w="9525">
                   <a:solidFill>
                     <a:srgbClr val="000000"/>
                   </a:solidFill>
@@ -3715,7 +3715,7 @@
             </a:ln>
             <a:extLst>
               <a:ext uri="{91240B29-F687-4f45-9708-019B960494DF}">
-                <a14:hiddenLine xmlns:a14="http://schemas.microsoft.com/office/drawing/2010/main" xmlns="" w="9525">
+                <a14:hiddenLine xmlns="" xmlns:a14="http://schemas.microsoft.com/office/drawing/2010/main" w="9525">
                   <a:solidFill>
                     <a:srgbClr val="000000"/>
                   </a:solidFill>
@@ -3749,7 +3749,7 @@
             </a:ln>
             <a:extLst>
               <a:ext uri="{91240B29-F687-4f45-9708-019B960494DF}">
-                <a14:hiddenLine xmlns:a14="http://schemas.microsoft.com/office/drawing/2010/main" xmlns="" w="9525">
+                <a14:hiddenLine xmlns="" xmlns:a14="http://schemas.microsoft.com/office/drawing/2010/main" w="9525">
                   <a:solidFill>
                     <a:srgbClr val="000000"/>
                   </a:solidFill>
@@ -3814,7 +3814,7 @@
             </a:ln>
             <a:extLst>
               <a:ext uri="{91240B29-F687-4f45-9708-019B960494DF}">
-                <a14:hiddenLine xmlns:a14="http://schemas.microsoft.com/office/drawing/2010/main" xmlns="" w="9525">
+                <a14:hiddenLine xmlns="" xmlns:a14="http://schemas.microsoft.com/office/drawing/2010/main" w="9525">
                   <a:solidFill>
                     <a:srgbClr val="000000"/>
                   </a:solidFill>
@@ -3904,7 +3904,7 @@
             </a:ln>
             <a:extLst>
               <a:ext uri="{91240B29-F687-4f45-9708-019B960494DF}">
-                <a14:hiddenLine xmlns:a14="http://schemas.microsoft.com/office/drawing/2010/main" xmlns="" w="9525">
+                <a14:hiddenLine xmlns="" xmlns:a14="http://schemas.microsoft.com/office/drawing/2010/main" w="9525">
                   <a:solidFill>
                     <a:srgbClr val="000000"/>
                   </a:solidFill>
@@ -3966,7 +3966,7 @@
             </a:ln>
             <a:extLst>
               <a:ext uri="{91240B29-F687-4f45-9708-019B960494DF}">
-                <a14:hiddenLine xmlns:a14="http://schemas.microsoft.com/office/drawing/2010/main" xmlns="" w="9525">
+                <a14:hiddenLine xmlns="" xmlns:a14="http://schemas.microsoft.com/office/drawing/2010/main" w="9525">
                   <a:solidFill>
                     <a:srgbClr val="000000"/>
                   </a:solidFill>
@@ -4056,7 +4056,7 @@
             </a:ln>
             <a:extLst>
               <a:ext uri="{91240B29-F687-4f45-9708-019B960494DF}">
-                <a14:hiddenLine xmlns:a14="http://schemas.microsoft.com/office/drawing/2010/main" xmlns="" w="9525">
+                <a14:hiddenLine xmlns="" xmlns:a14="http://schemas.microsoft.com/office/drawing/2010/main" w="9525">
                   <a:solidFill>
                     <a:srgbClr val="000000"/>
                   </a:solidFill>
@@ -4146,7 +4146,7 @@
             </a:ln>
             <a:extLst>
               <a:ext uri="{91240B29-F687-4f45-9708-019B960494DF}">
-                <a14:hiddenLine xmlns:a14="http://schemas.microsoft.com/office/drawing/2010/main" xmlns="" w="9525">
+                <a14:hiddenLine xmlns="" xmlns:a14="http://schemas.microsoft.com/office/drawing/2010/main" w="9525">
                   <a:solidFill>
                     <a:srgbClr val="000000"/>
                   </a:solidFill>
@@ -4211,7 +4211,7 @@
             </a:ln>
             <a:extLst>
               <a:ext uri="{91240B29-F687-4f45-9708-019B960494DF}">
-                <a14:hiddenLine xmlns:a14="http://schemas.microsoft.com/office/drawing/2010/main" xmlns="" w="9525">
+                <a14:hiddenLine xmlns="" xmlns:a14="http://schemas.microsoft.com/office/drawing/2010/main" w="9525">
                   <a:solidFill>
                     <a:srgbClr val="000000"/>
                   </a:solidFill>
@@ -4273,7 +4273,7 @@
             </a:ln>
             <a:extLst>
               <a:ext uri="{91240B29-F687-4f45-9708-019B960494DF}">
-                <a14:hiddenLine xmlns:a14="http://schemas.microsoft.com/office/drawing/2010/main" xmlns="" w="9525">
+                <a14:hiddenLine xmlns="" xmlns:a14="http://schemas.microsoft.com/office/drawing/2010/main" w="9525">
                   <a:solidFill>
                     <a:srgbClr val="000000"/>
                   </a:solidFill>
@@ -4363,7 +4363,7 @@
             </a:ln>
             <a:extLst>
               <a:ext uri="{91240B29-F687-4f45-9708-019B960494DF}">
-                <a14:hiddenLine xmlns:a14="http://schemas.microsoft.com/office/drawing/2010/main" xmlns="" w="9525">
+                <a14:hiddenLine xmlns="" xmlns:a14="http://schemas.microsoft.com/office/drawing/2010/main" w="9525">
                   <a:solidFill>
                     <a:srgbClr val="000000"/>
                   </a:solidFill>
@@ -4453,7 +4453,7 @@
             </a:ln>
             <a:extLst>
               <a:ext uri="{91240B29-F687-4f45-9708-019B960494DF}">
-                <a14:hiddenLine xmlns:a14="http://schemas.microsoft.com/office/drawing/2010/main" xmlns="" w="9525">
+                <a14:hiddenLine xmlns="" xmlns:a14="http://schemas.microsoft.com/office/drawing/2010/main" w="9525">
                   <a:solidFill>
                     <a:srgbClr val="000000"/>
                   </a:solidFill>
@@ -4515,7 +4515,7 @@
             </a:ln>
             <a:extLst>
               <a:ext uri="{91240B29-F687-4f45-9708-019B960494DF}">
-                <a14:hiddenLine xmlns:a14="http://schemas.microsoft.com/office/drawing/2010/main" xmlns="" w="9525">
+                <a14:hiddenLine xmlns="" xmlns:a14="http://schemas.microsoft.com/office/drawing/2010/main" w="9525">
                   <a:solidFill>
                     <a:srgbClr val="000000"/>
                   </a:solidFill>
@@ -4635,7 +4635,7 @@
             </a:ln>
             <a:extLst>
               <a:ext uri="{91240B29-F687-4f45-9708-019B960494DF}">
-                <a14:hiddenLine xmlns:a14="http://schemas.microsoft.com/office/drawing/2010/main" xmlns="" w="9525">
+                <a14:hiddenLine xmlns="" xmlns:a14="http://schemas.microsoft.com/office/drawing/2010/main" w="9525">
                   <a:solidFill>
                     <a:srgbClr val="000000"/>
                   </a:solidFill>
@@ -4703,7 +4703,7 @@
             </a:ln>
             <a:extLst>
               <a:ext uri="{91240B29-F687-4f45-9708-019B960494DF}">
-                <a14:hiddenLine xmlns:a14="http://schemas.microsoft.com/office/drawing/2010/main" xmlns="" w="9525">
+                <a14:hiddenLine xmlns="" xmlns:a14="http://schemas.microsoft.com/office/drawing/2010/main" w="9525">
                   <a:solidFill>
                     <a:srgbClr val="000000"/>
                   </a:solidFill>
@@ -4793,7 +4793,7 @@
             </a:ln>
             <a:extLst>
               <a:ext uri="{91240B29-F687-4f45-9708-019B960494DF}">
-                <a14:hiddenLine xmlns:a14="http://schemas.microsoft.com/office/drawing/2010/main" xmlns="" w="9525">
+                <a14:hiddenLine xmlns="" xmlns:a14="http://schemas.microsoft.com/office/drawing/2010/main" w="9525">
                   <a:solidFill>
                     <a:srgbClr val="000000"/>
                   </a:solidFill>
@@ -9607,7 +9607,7 @@
           <a:noFill/>
           <a:extLst>
             <a:ext uri="{909E8E84-426E-40dd-AFC4-6F175D3DCCD1}">
-              <a14:hiddenFill xmlns:a14="http://schemas.microsoft.com/office/drawing/2010/main" xmlns="">
+              <a14:hiddenFill xmlns="" xmlns:a14="http://schemas.microsoft.com/office/drawing/2010/main">
                 <a:solidFill>
                   <a:srgbClr val="FFFFFF"/>
                 </a:solidFill>
@@ -9681,7 +9681,7 @@
               </a:ln>
               <a:extLst>
                 <a:ext uri="{91240B29-F687-4f45-9708-019B960494DF}">
-                  <a14:hiddenLine xmlns:a14="http://schemas.microsoft.com/office/drawing/2010/main" xmlns="" w="9525">
+                  <a14:hiddenLine xmlns="" xmlns:a14="http://schemas.microsoft.com/office/drawing/2010/main" w="9525">
                     <a:solidFill>
                       <a:srgbClr val="000000"/>
                     </a:solidFill>
@@ -9771,7 +9771,7 @@
               </a:ln>
               <a:extLst>
                 <a:ext uri="{91240B29-F687-4f45-9708-019B960494DF}">
-                  <a14:hiddenLine xmlns:a14="http://schemas.microsoft.com/office/drawing/2010/main" xmlns="" w="9525">
+                  <a14:hiddenLine xmlns="" xmlns:a14="http://schemas.microsoft.com/office/drawing/2010/main" w="9525">
                     <a:solidFill>
                       <a:srgbClr val="000000"/>
                     </a:solidFill>
@@ -9861,7 +9861,7 @@
               </a:ln>
               <a:extLst>
                 <a:ext uri="{91240B29-F687-4f45-9708-019B960494DF}">
-                  <a14:hiddenLine xmlns:a14="http://schemas.microsoft.com/office/drawing/2010/main" xmlns="" w="9525">
+                  <a14:hiddenLine xmlns="" xmlns:a14="http://schemas.microsoft.com/office/drawing/2010/main" w="9525">
                     <a:solidFill>
                       <a:srgbClr val="000000"/>
                     </a:solidFill>
@@ -9923,7 +9923,7 @@
               </a:ln>
               <a:extLst>
                 <a:ext uri="{91240B29-F687-4f45-9708-019B960494DF}">
-                  <a14:hiddenLine xmlns:a14="http://schemas.microsoft.com/office/drawing/2010/main" xmlns="" w="9525">
+                  <a14:hiddenLine xmlns="" xmlns:a14="http://schemas.microsoft.com/office/drawing/2010/main" w="9525">
                     <a:solidFill>
                       <a:srgbClr val="000000"/>
                     </a:solidFill>
@@ -10013,7 +10013,7 @@
               </a:ln>
               <a:extLst>
                 <a:ext uri="{91240B29-F687-4f45-9708-019B960494DF}">
-                  <a14:hiddenLine xmlns:a14="http://schemas.microsoft.com/office/drawing/2010/main" xmlns="" w="9525">
+                  <a14:hiddenLine xmlns="" xmlns:a14="http://schemas.microsoft.com/office/drawing/2010/main" w="9525">
                     <a:solidFill>
                       <a:srgbClr val="000000"/>
                     </a:solidFill>
@@ -10075,7 +10075,7 @@
               </a:ln>
               <a:extLst>
                 <a:ext uri="{91240B29-F687-4f45-9708-019B960494DF}">
-                  <a14:hiddenLine xmlns:a14="http://schemas.microsoft.com/office/drawing/2010/main" xmlns="" w="9525">
+                  <a14:hiddenLine xmlns="" xmlns:a14="http://schemas.microsoft.com/office/drawing/2010/main" w="9525">
                     <a:solidFill>
                       <a:srgbClr val="000000"/>
                     </a:solidFill>
@@ -10137,7 +10137,7 @@
               </a:ln>
               <a:extLst>
                 <a:ext uri="{91240B29-F687-4f45-9708-019B960494DF}">
-                  <a14:hiddenLine xmlns:a14="http://schemas.microsoft.com/office/drawing/2010/main" xmlns="" w="9525">
+                  <a14:hiddenLine xmlns="" xmlns:a14="http://schemas.microsoft.com/office/drawing/2010/main" w="9525">
                     <a:solidFill>
                       <a:srgbClr val="000000"/>
                     </a:solidFill>
@@ -10227,7 +10227,7 @@
               </a:ln>
               <a:extLst>
                 <a:ext uri="{91240B29-F687-4f45-9708-019B960494DF}">
-                  <a14:hiddenLine xmlns:a14="http://schemas.microsoft.com/office/drawing/2010/main" xmlns="" w="9525">
+                  <a14:hiddenLine xmlns="" xmlns:a14="http://schemas.microsoft.com/office/drawing/2010/main" w="9525">
                     <a:solidFill>
                       <a:srgbClr val="000000"/>
                     </a:solidFill>
@@ -10317,7 +10317,7 @@
               </a:ln>
               <a:extLst>
                 <a:ext uri="{91240B29-F687-4f45-9708-019B960494DF}">
-                  <a14:hiddenLine xmlns:a14="http://schemas.microsoft.com/office/drawing/2010/main" xmlns="" w="9525">
+                  <a14:hiddenLine xmlns="" xmlns:a14="http://schemas.microsoft.com/office/drawing/2010/main" w="9525">
                     <a:solidFill>
                       <a:srgbClr val="000000"/>
                     </a:solidFill>
@@ -10379,7 +10379,7 @@
               </a:ln>
               <a:extLst>
                 <a:ext uri="{91240B29-F687-4f45-9708-019B960494DF}">
-                  <a14:hiddenLine xmlns:a14="http://schemas.microsoft.com/office/drawing/2010/main" xmlns="" w="9525">
+                  <a14:hiddenLine xmlns="" xmlns:a14="http://schemas.microsoft.com/office/drawing/2010/main" w="9525">
                     <a:solidFill>
                       <a:srgbClr val="000000"/>
                     </a:solidFill>
@@ -10489,7 +10489,7 @@
               </a:ln>
               <a:extLst>
                 <a:ext uri="{91240B29-F687-4f45-9708-019B960494DF}">
-                  <a14:hiddenLine xmlns:a14="http://schemas.microsoft.com/office/drawing/2010/main" xmlns="" w="9525">
+                  <a14:hiddenLine xmlns="" xmlns:a14="http://schemas.microsoft.com/office/drawing/2010/main" w="9525">
                     <a:solidFill>
                       <a:srgbClr val="000000"/>
                     </a:solidFill>
@@ -10573,7 +10573,7 @@
               </a:ln>
               <a:extLst>
                 <a:ext uri="{91240B29-F687-4f45-9708-019B960494DF}">
-                  <a14:hiddenLine xmlns:a14="http://schemas.microsoft.com/office/drawing/2010/main" xmlns="" w="9525">
+                  <a14:hiddenLine xmlns="" xmlns:a14="http://schemas.microsoft.com/office/drawing/2010/main" w="9525">
                     <a:solidFill>
                       <a:srgbClr val="000000"/>
                     </a:solidFill>
@@ -10635,7 +10635,7 @@
               </a:ln>
               <a:extLst>
                 <a:ext uri="{91240B29-F687-4f45-9708-019B960494DF}">
-                  <a14:hiddenLine xmlns:a14="http://schemas.microsoft.com/office/drawing/2010/main" xmlns="" w="9525">
+                  <a14:hiddenLine xmlns="" xmlns:a14="http://schemas.microsoft.com/office/drawing/2010/main" w="9525">
                     <a:solidFill>
                       <a:srgbClr val="000000"/>
                     </a:solidFill>
@@ -10697,7 +10697,7 @@
               </a:ln>
               <a:extLst>
                 <a:ext uri="{91240B29-F687-4f45-9708-019B960494DF}">
-                  <a14:hiddenLine xmlns:a14="http://schemas.microsoft.com/office/drawing/2010/main" xmlns="" w="9525">
+                  <a14:hiddenLine xmlns="" xmlns:a14="http://schemas.microsoft.com/office/drawing/2010/main" w="9525">
                     <a:solidFill>
                       <a:srgbClr val="000000"/>
                     </a:solidFill>
@@ -10787,7 +10787,7 @@
               </a:ln>
               <a:extLst>
                 <a:ext uri="{91240B29-F687-4f45-9708-019B960494DF}">
-                  <a14:hiddenLine xmlns:a14="http://schemas.microsoft.com/office/drawing/2010/main" xmlns="" w="9525">
+                  <a14:hiddenLine xmlns="" xmlns:a14="http://schemas.microsoft.com/office/drawing/2010/main" w="9525">
                     <a:solidFill>
                       <a:srgbClr val="000000"/>
                     </a:solidFill>
@@ -10821,7 +10821,7 @@
               </a:ln>
               <a:extLst>
                 <a:ext uri="{91240B29-F687-4f45-9708-019B960494DF}">
-                  <a14:hiddenLine xmlns:a14="http://schemas.microsoft.com/office/drawing/2010/main" xmlns="" w="9525">
+                  <a14:hiddenLine xmlns="" xmlns:a14="http://schemas.microsoft.com/office/drawing/2010/main" w="9525">
                     <a:solidFill>
                       <a:srgbClr val="000000"/>
                     </a:solidFill>
@@ -10886,7 +10886,7 @@
               </a:ln>
               <a:extLst>
                 <a:ext uri="{91240B29-F687-4f45-9708-019B960494DF}">
-                  <a14:hiddenLine xmlns:a14="http://schemas.microsoft.com/office/drawing/2010/main" xmlns="" w="9525">
+                  <a14:hiddenLine xmlns="" xmlns:a14="http://schemas.microsoft.com/office/drawing/2010/main" w="9525">
                     <a:solidFill>
                       <a:srgbClr val="000000"/>
                     </a:solidFill>
@@ -10976,7 +10976,7 @@
               </a:ln>
               <a:extLst>
                 <a:ext uri="{91240B29-F687-4f45-9708-019B960494DF}">
-                  <a14:hiddenLine xmlns:a14="http://schemas.microsoft.com/office/drawing/2010/main" xmlns="" w="9525">
+                  <a14:hiddenLine xmlns="" xmlns:a14="http://schemas.microsoft.com/office/drawing/2010/main" w="9525">
                     <a:solidFill>
                       <a:srgbClr val="000000"/>
                     </a:solidFill>
@@ -11038,7 +11038,7 @@
               </a:ln>
               <a:extLst>
                 <a:ext uri="{91240B29-F687-4f45-9708-019B960494DF}">
-                  <a14:hiddenLine xmlns:a14="http://schemas.microsoft.com/office/drawing/2010/main" xmlns="" w="9525">
+                  <a14:hiddenLine xmlns="" xmlns:a14="http://schemas.microsoft.com/office/drawing/2010/main" w="9525">
                     <a:solidFill>
                       <a:srgbClr val="000000"/>
                     </a:solidFill>
@@ -11128,7 +11128,7 @@
               </a:ln>
               <a:extLst>
                 <a:ext uri="{91240B29-F687-4f45-9708-019B960494DF}">
-                  <a14:hiddenLine xmlns:a14="http://schemas.microsoft.com/office/drawing/2010/main" xmlns="" w="9525">
+                  <a14:hiddenLine xmlns="" xmlns:a14="http://schemas.microsoft.com/office/drawing/2010/main" w="9525">
                     <a:solidFill>
                       <a:srgbClr val="000000"/>
                     </a:solidFill>
@@ -11193,7 +11193,7 @@
               </a:ln>
               <a:extLst>
                 <a:ext uri="{91240B29-F687-4f45-9708-019B960494DF}">
-                  <a14:hiddenLine xmlns:a14="http://schemas.microsoft.com/office/drawing/2010/main" xmlns="" w="9525">
+                  <a14:hiddenLine xmlns="" xmlns:a14="http://schemas.microsoft.com/office/drawing/2010/main" w="9525">
                     <a:solidFill>
                       <a:srgbClr val="000000"/>
                     </a:solidFill>
@@ -11255,7 +11255,7 @@
               </a:ln>
               <a:extLst>
                 <a:ext uri="{91240B29-F687-4f45-9708-019B960494DF}">
-                  <a14:hiddenLine xmlns:a14="http://schemas.microsoft.com/office/drawing/2010/main" xmlns="" w="9525">
+                  <a14:hiddenLine xmlns="" xmlns:a14="http://schemas.microsoft.com/office/drawing/2010/main" w="9525">
                     <a:solidFill>
                       <a:srgbClr val="000000"/>
                     </a:solidFill>
@@ -11345,7 +11345,7 @@
               </a:ln>
               <a:extLst>
                 <a:ext uri="{91240B29-F687-4f45-9708-019B960494DF}">
-                  <a14:hiddenLine xmlns:a14="http://schemas.microsoft.com/office/drawing/2010/main" xmlns="" w="9525">
+                  <a14:hiddenLine xmlns="" xmlns:a14="http://schemas.microsoft.com/office/drawing/2010/main" w="9525">
                     <a:solidFill>
                       <a:srgbClr val="000000"/>
                     </a:solidFill>
@@ -11435,7 +11435,7 @@
               </a:ln>
               <a:extLst>
                 <a:ext uri="{91240B29-F687-4f45-9708-019B960494DF}">
-                  <a14:hiddenLine xmlns:a14="http://schemas.microsoft.com/office/drawing/2010/main" xmlns="" w="9525">
+                  <a14:hiddenLine xmlns="" xmlns:a14="http://schemas.microsoft.com/office/drawing/2010/main" w="9525">
                     <a:solidFill>
                       <a:srgbClr val="000000"/>
                     </a:solidFill>
@@ -11500,7 +11500,7 @@
               </a:ln>
               <a:extLst>
                 <a:ext uri="{91240B29-F687-4f45-9708-019B960494DF}">
-                  <a14:hiddenLine xmlns:a14="http://schemas.microsoft.com/office/drawing/2010/main" xmlns="" w="9525">
+                  <a14:hiddenLine xmlns="" xmlns:a14="http://schemas.microsoft.com/office/drawing/2010/main" w="9525">
                     <a:solidFill>
                       <a:srgbClr val="000000"/>
                     </a:solidFill>
@@ -11620,7 +11620,7 @@
               </a:ln>
               <a:extLst>
                 <a:ext uri="{91240B29-F687-4f45-9708-019B960494DF}">
-                  <a14:hiddenLine xmlns:a14="http://schemas.microsoft.com/office/drawing/2010/main" xmlns="" w="9525">
+                  <a14:hiddenLine xmlns="" xmlns:a14="http://schemas.microsoft.com/office/drawing/2010/main" w="9525">
                     <a:solidFill>
                       <a:srgbClr val="000000"/>
                     </a:solidFill>
@@ -11701,7 +11701,7 @@
               </a:ln>
               <a:extLst>
                 <a:ext uri="{91240B29-F687-4f45-9708-019B960494DF}">
-                  <a14:hiddenLine xmlns:a14="http://schemas.microsoft.com/office/drawing/2010/main" xmlns="" w="9525">
+                  <a14:hiddenLine xmlns="" xmlns:a14="http://schemas.microsoft.com/office/drawing/2010/main" w="9525">
                     <a:solidFill>
                       <a:srgbClr val="000000"/>
                     </a:solidFill>
@@ -11816,7 +11816,7 @@
               </a:ln>
               <a:extLst>
                 <a:ext uri="{91240B29-F687-4f45-9708-019B960494DF}">
-                  <a14:hiddenLine xmlns:a14="http://schemas.microsoft.com/office/drawing/2010/main" xmlns="" w="9525">
+                  <a14:hiddenLine xmlns="" xmlns:a14="http://schemas.microsoft.com/office/drawing/2010/main" w="9525">
                     <a:solidFill>
                       <a:srgbClr val="000000"/>
                     </a:solidFill>
@@ -11906,7 +11906,7 @@
               </a:ln>
               <a:extLst>
                 <a:ext uri="{91240B29-F687-4f45-9708-019B960494DF}">
-                  <a14:hiddenLine xmlns:a14="http://schemas.microsoft.com/office/drawing/2010/main" xmlns="" w="9525">
+                  <a14:hiddenLine xmlns="" xmlns:a14="http://schemas.microsoft.com/office/drawing/2010/main" w="9525">
                     <a:solidFill>
                       <a:srgbClr val="000000"/>
                     </a:solidFill>
@@ -11971,7 +11971,7 @@
               </a:ln>
               <a:extLst>
                 <a:ext uri="{91240B29-F687-4f45-9708-019B960494DF}">
-                  <a14:hiddenLine xmlns:a14="http://schemas.microsoft.com/office/drawing/2010/main" xmlns="" w="9525">
+                  <a14:hiddenLine xmlns="" xmlns:a14="http://schemas.microsoft.com/office/drawing/2010/main" w="9525">
                     <a:solidFill>
                       <a:srgbClr val="000000"/>
                     </a:solidFill>
@@ -12061,7 +12061,7 @@
               </a:ln>
               <a:extLst>
                 <a:ext uri="{91240B29-F687-4f45-9708-019B960494DF}">
-                  <a14:hiddenLine xmlns:a14="http://schemas.microsoft.com/office/drawing/2010/main" xmlns="" w="9525">
+                  <a14:hiddenLine xmlns="" xmlns:a14="http://schemas.microsoft.com/office/drawing/2010/main" w="9525">
                     <a:solidFill>
                       <a:srgbClr val="000000"/>
                     </a:solidFill>
@@ -12129,7 +12129,7 @@
               </a:ln>
               <a:extLst>
                 <a:ext uri="{91240B29-F687-4f45-9708-019B960494DF}">
-                  <a14:hiddenLine xmlns:a14="http://schemas.microsoft.com/office/drawing/2010/main" xmlns="" w="9525">
+                  <a14:hiddenLine xmlns="" xmlns:a14="http://schemas.microsoft.com/office/drawing/2010/main" w="9525">
                     <a:solidFill>
                       <a:srgbClr val="000000"/>
                     </a:solidFill>
@@ -12219,7 +12219,7 @@
               </a:ln>
               <a:extLst>
                 <a:ext uri="{91240B29-F687-4f45-9708-019B960494DF}">
-                  <a14:hiddenLine xmlns:a14="http://schemas.microsoft.com/office/drawing/2010/main" xmlns="" w="9525">
+                  <a14:hiddenLine xmlns="" xmlns:a14="http://schemas.microsoft.com/office/drawing/2010/main" w="9525">
                     <a:solidFill>
                       <a:srgbClr val="000000"/>
                     </a:solidFill>
@@ -12287,7 +12287,7 @@
               </a:ln>
               <a:extLst>
                 <a:ext uri="{91240B29-F687-4f45-9708-019B960494DF}">
-                  <a14:hiddenLine xmlns:a14="http://schemas.microsoft.com/office/drawing/2010/main" xmlns="" w="9525">
+                  <a14:hiddenLine xmlns="" xmlns:a14="http://schemas.microsoft.com/office/drawing/2010/main" w="9525">
                     <a:solidFill>
                       <a:srgbClr val="000000"/>
                     </a:solidFill>
@@ -12377,7 +12377,7 @@
               </a:ln>
               <a:extLst>
                 <a:ext uri="{91240B29-F687-4f45-9708-019B960494DF}">
-                  <a14:hiddenLine xmlns:a14="http://schemas.microsoft.com/office/drawing/2010/main" xmlns="" w="9525">
+                  <a14:hiddenLine xmlns="" xmlns:a14="http://schemas.microsoft.com/office/drawing/2010/main" w="9525">
                     <a:solidFill>
                       <a:srgbClr val="000000"/>
                     </a:solidFill>
@@ -12411,7 +12411,7 @@
               </a:ln>
               <a:extLst>
                 <a:ext uri="{91240B29-F687-4f45-9708-019B960494DF}">
-                  <a14:hiddenLine xmlns:a14="http://schemas.microsoft.com/office/drawing/2010/main" xmlns="" w="9525">
+                  <a14:hiddenLine xmlns="" xmlns:a14="http://schemas.microsoft.com/office/drawing/2010/main" w="9525">
                     <a:solidFill>
                       <a:srgbClr val="000000"/>
                     </a:solidFill>
@@ -14130,11 +14130,7 @@
           <a:p>
             <a:r>
               <a:rPr lang="ru-RU" dirty="0" smtClean="0"/>
-              <a:t>как подменить  </a:t>
-            </a:r>
-            <a:r>
-              <a:rPr lang="ru-RU" dirty="0" smtClean="0"/>
-              <a:t>данные</a:t>
+              <a:t>как подменить  данные</a:t>
             </a:r>
             <a:endParaRPr lang="ru-RU" dirty="0"/>
           </a:p>
@@ -14722,48 +14718,40 @@
           <a:p>
             <a:r>
               <a:rPr lang="ru-RU" dirty="0" smtClean="0"/>
-              <a:t>Могут </a:t>
+              <a:t>Могут запоминать, какие методы </a:t>
             </a:r>
             <a:r>
               <a:rPr lang="ru-RU" dirty="0" smtClean="0"/>
-              <a:t>запоминать, </a:t>
+              <a:t>вызывались, и </a:t>
             </a:r>
             <a:r>
               <a:rPr lang="ru-RU" dirty="0" smtClean="0"/>
-              <a:t>какие методы вызывались с какими параметрами</a:t>
+              <a:t>с какими параметрами</a:t>
             </a:r>
           </a:p>
           <a:p>
             <a:r>
               <a:rPr lang="ru-RU" dirty="0" smtClean="0"/>
-              <a:t>Можно навесить </a:t>
+              <a:t>Можно навесить «обработчик событий» на вызов </a:t>
             </a:r>
             <a:r>
               <a:rPr lang="ru-RU" dirty="0" smtClean="0"/>
-              <a:t>«обработчик </a:t>
+              <a:t>метода, </a:t>
             </a:r>
             <a:r>
               <a:rPr lang="ru-RU" dirty="0" smtClean="0"/>
-              <a:t>событий» на вызов метода и сохранить его параметр в локальную переменную</a:t>
+              <a:t>и сохранить его параметр в локальную переменную</a:t>
             </a:r>
             <a:endParaRPr lang="en-US" dirty="0" smtClean="0"/>
           </a:p>
           <a:p>
             <a:r>
               <a:rPr lang="ru-RU" dirty="0" smtClean="0"/>
-              <a:t>Можно </a:t>
+              <a:t>Можно указать, какие значения нужно </a:t>
             </a:r>
             <a:r>
               <a:rPr lang="ru-RU" dirty="0" smtClean="0"/>
-              <a:t>указать, </a:t>
-            </a:r>
-            <a:r>
-              <a:rPr lang="ru-RU" dirty="0" smtClean="0"/>
-              <a:t>какие значения </a:t>
-            </a:r>
-            <a:r>
-              <a:rPr lang="ru-RU" dirty="0" smtClean="0"/>
-              <a:t>нужно возвращать </a:t>
+              <a:t>возвращать </a:t>
             </a:r>
             <a:r>
               <a:rPr lang="ru-RU" dirty="0" smtClean="0"/>
@@ -14990,15 +14978,7 @@
           <a:p>
             <a:r>
               <a:rPr lang="ru-RU" dirty="0" smtClean="0"/>
-              <a:t>При разделении </a:t>
-            </a:r>
-            <a:r>
-              <a:rPr lang="ru-RU" dirty="0" smtClean="0"/>
-              <a:t>классов на модули </a:t>
-            </a:r>
-            <a:r>
-              <a:rPr lang="ru-RU" dirty="0" smtClean="0"/>
-              <a:t>следует выделить слой </a:t>
+              <a:t>При разделении классов на модули следует выделить слой </a:t>
             </a:r>
             <a:r>
               <a:rPr lang="en-US" dirty="0" smtClean="0"/>
@@ -15006,19 +14986,7 @@
             </a:r>
             <a:r>
               <a:rPr lang="ru-RU" dirty="0" smtClean="0"/>
-              <a:t>, а </a:t>
-            </a:r>
-            <a:r>
-              <a:rPr lang="ru-RU" dirty="0" smtClean="0"/>
-              <a:t>в сложных ситуациях – </a:t>
-            </a:r>
-            <a:r>
-              <a:rPr lang="ru-RU" dirty="0" smtClean="0"/>
-              <a:t>использовать паттерны </a:t>
-            </a:r>
-            <a:r>
-              <a:rPr lang="ru-RU" dirty="0" smtClean="0"/>
-              <a:t>ООП</a:t>
+              <a:t>, а в сложных ситуациях – использовать паттерны ООП</a:t>
             </a:r>
           </a:p>
         </p:txBody>
@@ -15138,11 +15106,7 @@
           <a:p>
             <a:r>
               <a:rPr lang="ru-RU" dirty="0" smtClean="0"/>
-              <a:t>О </a:t>
-            </a:r>
-            <a:r>
-              <a:rPr lang="ru-RU" dirty="0" smtClean="0"/>
-              <a:t>себе</a:t>
+              <a:t>О себе</a:t>
             </a:r>
             <a:endParaRPr lang="ru-RU" dirty="0"/>
           </a:p>
@@ -15189,19 +15153,7 @@
           <a:p>
             <a:r>
               <a:rPr lang="ru-RU" dirty="0" smtClean="0"/>
-              <a:t>Автор </a:t>
-            </a:r>
-            <a:r>
-              <a:rPr lang="ru-RU" dirty="0" smtClean="0"/>
-              <a:t>к</a:t>
-            </a:r>
-            <a:r>
-              <a:rPr lang="ru-RU" dirty="0" smtClean="0"/>
-              <a:t>анала </a:t>
-            </a:r>
-            <a:r>
-              <a:rPr lang="ru-RU" dirty="0" smtClean="0"/>
-              <a:t>«Советы программисту» </a:t>
+              <a:t>Автор канала «Советы программисту» </a:t>
             </a:r>
             <a:r>
               <a:rPr lang="en-US" dirty="0">
@@ -15215,18 +15167,7 @@
               </a:rPr>
               <a:t>serega_r</a:t>
             </a:r>
-            <a:r>
-              <a:rPr lang="ru-RU" dirty="0" smtClean="0"/>
-              <a:t> (для </a:t>
-            </a:r>
-            <a:r>
-              <a:rPr lang="ru-RU" dirty="0" err="1" smtClean="0"/>
-              <a:t>джунов</a:t>
-            </a:r>
-            <a:r>
-              <a:rPr lang="ru-RU" dirty="0" smtClean="0"/>
-              <a:t>)</a:t>
-            </a:r>
+            <a:endParaRPr lang="ru-RU" dirty="0" smtClean="0"/>
           </a:p>
         </p:txBody>
       </p:sp>
@@ -16591,7 +16532,11 @@
           <a:p>
             <a:r>
               <a:rPr lang="ru-RU" dirty="0" smtClean="0"/>
-              <a:t>Юнит тесты создают окружение</a:t>
+              <a:t>Юнит тесты создают </a:t>
+            </a:r>
+            <a:r>
+              <a:rPr lang="ru-RU" dirty="0" smtClean="0"/>
+              <a:t>окружение</a:t>
             </a:r>
             <a:endParaRPr lang="ru-RU" dirty="0"/>
           </a:p>
@@ -16663,8 +16608,12 @@
               <a:t> </a:t>
             </a:r>
             <a:r>
-              <a:rPr lang="ru-RU" dirty="0" err="1" smtClean="0"/>
-              <a:t>обеспечИВАЮТ</a:t>
+              <a:rPr lang="ru-RU" dirty="0" smtClean="0"/>
+              <a:t>обеспе</a:t>
+            </a:r>
+            <a:r>
+              <a:rPr lang="ru-RU" dirty="0" smtClean="0"/>
+              <a:t>чивают</a:t>
             </a:r>
             <a:r>
               <a:rPr lang="ru-RU" dirty="0" smtClean="0"/>
@@ -16694,8 +16643,8 @@
         </p:blipFill>
         <p:spPr>
           <a:xfrm>
-            <a:off x="2403835" y="2189000"/>
-            <a:ext cx="5250731" cy="3938048"/>
+            <a:off x="2403835" y="2054669"/>
+            <a:ext cx="5429839" cy="4072379"/>
           </a:xfrm>
           <a:prstGeom prst="rect">
             <a:avLst/>

--- a/04. Юнит тесты/Юнит тесты.pptx
+++ b/04. Юнит тесты/Юнит тесты.pptx
@@ -5,24 +5,21 @@
     <p:sldMasterId id="2147483678" r:id="rId1"/>
   </p:sldMasterIdLst>
   <p:notesMasterIdLst>
-    <p:notesMasterId r:id="rId17"/>
+    <p:notesMasterId r:id="rId14"/>
   </p:notesMasterIdLst>
   <p:sldIdLst>
     <p:sldId id="256" r:id="rId2"/>
-    <p:sldId id="280" r:id="rId3"/>
-    <p:sldId id="278" r:id="rId4"/>
-    <p:sldId id="281" r:id="rId5"/>
-    <p:sldId id="258" r:id="rId6"/>
-    <p:sldId id="261" r:id="rId7"/>
-    <p:sldId id="270" r:id="rId8"/>
-    <p:sldId id="274" r:id="rId9"/>
+    <p:sldId id="258" r:id="rId3"/>
+    <p:sldId id="261" r:id="rId4"/>
+    <p:sldId id="270" r:id="rId5"/>
+    <p:sldId id="274" r:id="rId6"/>
+    <p:sldId id="262" r:id="rId7"/>
+    <p:sldId id="276" r:id="rId8"/>
+    <p:sldId id="268" r:id="rId9"/>
     <p:sldId id="273" r:id="rId10"/>
-    <p:sldId id="262" r:id="rId11"/>
-    <p:sldId id="276" r:id="rId12"/>
-    <p:sldId id="268" r:id="rId13"/>
-    <p:sldId id="277" r:id="rId14"/>
-    <p:sldId id="279" r:id="rId15"/>
-    <p:sldId id="275" r:id="rId16"/>
+    <p:sldId id="277" r:id="rId11"/>
+    <p:sldId id="279" r:id="rId12"/>
+    <p:sldId id="275" r:id="rId13"/>
   </p:sldIdLst>
   <p:sldSz cx="12192000" cy="6858000"/>
   <p:notesSz cx="6797675" cy="9926638"/>
@@ -211,7 +208,7 @@
           <a:p>
             <a:fld id="{67473D11-8B1B-453F-8AA9-6E6B30AAD56C}" type="datetimeFigureOut">
               <a:rPr lang="ru-RU" smtClean="0"/>
-              <a:t>10-09-2023</a:t>
+              <a:t>23-09-2023</a:t>
             </a:fld>
             <a:endParaRPr lang="ru-RU"/>
           </a:p>
@@ -544,7 +541,7 @@
           <a:p>
             <a:fld id="{33A29C2B-7244-48E9-B4CA-AFADEFF5E9D4}" type="slidenum">
               <a:rPr lang="ru-RU" smtClean="0"/>
-              <a:t>5</a:t>
+              <a:t>2</a:t>
             </a:fld>
             <a:endParaRPr lang="ru-RU"/>
           </a:p>
@@ -632,7 +629,7 @@
           <a:p>
             <a:fld id="{33A29C2B-7244-48E9-B4CA-AFADEFF5E9D4}" type="slidenum">
               <a:rPr lang="ru-RU" smtClean="0"/>
-              <a:t>7</a:t>
+              <a:t>4</a:t>
             </a:fld>
             <a:endParaRPr lang="ru-RU"/>
           </a:p>
@@ -4933,7 +4930,7 @@
           <a:p>
             <a:fld id="{B3A20725-917D-4215-AA15-F6E5C8C47B2C}" type="datetimeFigureOut">
               <a:rPr lang="ru-RU" smtClean="0"/>
-              <a:t>10-09-2023</a:t>
+              <a:t>23-09-2023</a:t>
             </a:fld>
             <a:endParaRPr lang="ru-RU"/>
           </a:p>
@@ -5200,7 +5197,7 @@
           <a:p>
             <a:fld id="{B3A20725-917D-4215-AA15-F6E5C8C47B2C}" type="datetimeFigureOut">
               <a:rPr lang="ru-RU" smtClean="0"/>
-              <a:t>10-09-2023</a:t>
+              <a:t>23-09-2023</a:t>
             </a:fld>
             <a:endParaRPr lang="ru-RU"/>
           </a:p>
@@ -5396,7 +5393,7 @@
           <a:p>
             <a:fld id="{B3A20725-917D-4215-AA15-F6E5C8C47B2C}" type="datetimeFigureOut">
               <a:rPr lang="ru-RU" smtClean="0"/>
-              <a:t>10-09-2023</a:t>
+              <a:t>23-09-2023</a:t>
             </a:fld>
             <a:endParaRPr lang="ru-RU"/>
           </a:p>
@@ -5659,7 +5656,7 @@
           <a:p>
             <a:fld id="{B3A20725-917D-4215-AA15-F6E5C8C47B2C}" type="datetimeFigureOut">
               <a:rPr lang="ru-RU" smtClean="0"/>
-              <a:t>10-09-2023</a:t>
+              <a:t>23-09-2023</a:t>
             </a:fld>
             <a:endParaRPr lang="ru-RU"/>
           </a:p>
@@ -6093,7 +6090,7 @@
           <a:p>
             <a:fld id="{B3A20725-917D-4215-AA15-F6E5C8C47B2C}" type="datetimeFigureOut">
               <a:rPr lang="ru-RU" smtClean="0"/>
-              <a:t>10-09-2023</a:t>
+              <a:t>23-09-2023</a:t>
             </a:fld>
             <a:endParaRPr lang="ru-RU"/>
           </a:p>
@@ -6639,7 +6636,7 @@
           <a:p>
             <a:fld id="{B3A20725-917D-4215-AA15-F6E5C8C47B2C}" type="datetimeFigureOut">
               <a:rPr lang="ru-RU" smtClean="0"/>
-              <a:t>10-09-2023</a:t>
+              <a:t>23-09-2023</a:t>
             </a:fld>
             <a:endParaRPr lang="ru-RU"/>
           </a:p>
@@ -7359,7 +7356,7 @@
           <a:p>
             <a:fld id="{B3A20725-917D-4215-AA15-F6E5C8C47B2C}" type="datetimeFigureOut">
               <a:rPr lang="ru-RU" smtClean="0"/>
-              <a:t>10-09-2023</a:t>
+              <a:t>23-09-2023</a:t>
             </a:fld>
             <a:endParaRPr lang="ru-RU"/>
           </a:p>
@@ -7529,7 +7526,7 @@
           <a:p>
             <a:fld id="{B3A20725-917D-4215-AA15-F6E5C8C47B2C}" type="datetimeFigureOut">
               <a:rPr lang="ru-RU" smtClean="0"/>
-              <a:t>10-09-2023</a:t>
+              <a:t>23-09-2023</a:t>
             </a:fld>
             <a:endParaRPr lang="ru-RU"/>
           </a:p>
@@ -7709,7 +7706,7 @@
           <a:p>
             <a:fld id="{B3A20725-917D-4215-AA15-F6E5C8C47B2C}" type="datetimeFigureOut">
               <a:rPr lang="ru-RU" smtClean="0"/>
-              <a:t>10-09-2023</a:t>
+              <a:t>23-09-2023</a:t>
             </a:fld>
             <a:endParaRPr lang="ru-RU"/>
           </a:p>
@@ -7879,7 +7876,7 @@
           <a:p>
             <a:fld id="{B3A20725-917D-4215-AA15-F6E5C8C47B2C}" type="datetimeFigureOut">
               <a:rPr lang="ru-RU" smtClean="0"/>
-              <a:t>10-09-2023</a:t>
+              <a:t>23-09-2023</a:t>
             </a:fld>
             <a:endParaRPr lang="ru-RU"/>
           </a:p>
@@ -8129,7 +8126,7 @@
           <a:p>
             <a:fld id="{B3A20725-917D-4215-AA15-F6E5C8C47B2C}" type="datetimeFigureOut">
               <a:rPr lang="ru-RU" smtClean="0"/>
-              <a:t>10-09-2023</a:t>
+              <a:t>23-09-2023</a:t>
             </a:fld>
             <a:endParaRPr lang="ru-RU"/>
           </a:p>
@@ -8361,7 +8358,7 @@
           <a:p>
             <a:fld id="{B3A20725-917D-4215-AA15-F6E5C8C47B2C}" type="datetimeFigureOut">
               <a:rPr lang="ru-RU" smtClean="0"/>
-              <a:t>10-09-2023</a:t>
+              <a:t>23-09-2023</a:t>
             </a:fld>
             <a:endParaRPr lang="ru-RU"/>
           </a:p>
@@ -8742,7 +8739,7 @@
           <a:p>
             <a:fld id="{B3A20725-917D-4215-AA15-F6E5C8C47B2C}" type="datetimeFigureOut">
               <a:rPr lang="ru-RU" smtClean="0"/>
-              <a:t>10-09-2023</a:t>
+              <a:t>23-09-2023</a:t>
             </a:fld>
             <a:endParaRPr lang="ru-RU"/>
           </a:p>
@@ -8860,7 +8857,7 @@
           <a:p>
             <a:fld id="{B3A20725-917D-4215-AA15-F6E5C8C47B2C}" type="datetimeFigureOut">
               <a:rPr lang="ru-RU" smtClean="0"/>
-              <a:t>10-09-2023</a:t>
+              <a:t>23-09-2023</a:t>
             </a:fld>
             <a:endParaRPr lang="ru-RU"/>
           </a:p>
@@ -8955,7 +8952,7 @@
           <a:p>
             <a:fld id="{B3A20725-917D-4215-AA15-F6E5C8C47B2C}" type="datetimeFigureOut">
               <a:rPr lang="ru-RU" smtClean="0"/>
-              <a:t>10-09-2023</a:t>
+              <a:t>23-09-2023</a:t>
             </a:fld>
             <a:endParaRPr lang="ru-RU"/>
           </a:p>
@@ -9204,7 +9201,7 @@
           <a:p>
             <a:fld id="{B3A20725-917D-4215-AA15-F6E5C8C47B2C}" type="datetimeFigureOut">
               <a:rPr lang="ru-RU" smtClean="0"/>
-              <a:t>10-09-2023</a:t>
+              <a:t>23-09-2023</a:t>
             </a:fld>
             <a:endParaRPr lang="ru-RU"/>
           </a:p>
@@ -9484,7 +9481,7 @@
           <a:p>
             <a:fld id="{B3A20725-917D-4215-AA15-F6E5C8C47B2C}" type="datetimeFigureOut">
               <a:rPr lang="ru-RU" smtClean="0"/>
-              <a:t>10-09-2023</a:t>
+              <a:t>23-09-2023</a:t>
             </a:fld>
             <a:endParaRPr lang="ru-RU"/>
           </a:p>
@@ -12551,7 +12548,7 @@
           <a:p>
             <a:fld id="{B3A20725-917D-4215-AA15-F6E5C8C47B2C}" type="datetimeFigureOut">
               <a:rPr lang="ru-RU" smtClean="0"/>
-              <a:t>10-09-2023</a:t>
+              <a:t>23-09-2023</a:t>
             </a:fld>
             <a:endParaRPr lang="ru-RU"/>
           </a:p>
@@ -13048,7 +13045,7 @@
           <a:p>
             <a:r>
               <a:rPr lang="ru-RU" dirty="0" smtClean="0"/>
-              <a:t>Примеры</a:t>
+              <a:t>Дополнительные ПРИМЕРЫ</a:t>
             </a:r>
             <a:endParaRPr lang="ru-RU" dirty="0"/>
           </a:p>
@@ -13074,133 +13071,46 @@
             </a:pPr>
             <a:r>
               <a:rPr lang="ru-RU" dirty="0" smtClean="0"/>
-              <a:t>Рассмотрим работу юнит теста на примерах</a:t>
+              <a:t>Рассмотрим дополнительные примеры</a:t>
+            </a:r>
+          </a:p>
+          <a:p>
+            <a:r>
+              <a:rPr lang="ru-RU" dirty="0" smtClean="0"/>
+              <a:t>Решение проблемы дублирования кода в юнит тестах</a:t>
+            </a:r>
+            <a:endParaRPr lang="en-US" dirty="0" smtClean="0"/>
+          </a:p>
+          <a:p>
+            <a:r>
+              <a:rPr lang="ru-RU" dirty="0"/>
+              <a:t>Настройка механизма внедрения </a:t>
+            </a:r>
+            <a:r>
+              <a:rPr lang="ru-RU" dirty="0" smtClean="0"/>
+              <a:t>зависимостей</a:t>
+            </a:r>
+            <a:endParaRPr lang="en-US" dirty="0" smtClean="0"/>
+          </a:p>
+          <a:p>
+            <a:r>
+              <a:rPr lang="ru-RU" dirty="0" smtClean="0"/>
+              <a:t>Интеграционные тесты</a:t>
             </a:r>
             <a:endParaRPr lang="ru-RU" dirty="0"/>
           </a:p>
+          <a:p>
+            <a:pPr marL="0" indent="0">
+              <a:buNone/>
+            </a:pPr>
+            <a:endParaRPr lang="ru-RU" dirty="0"/>
+          </a:p>
         </p:txBody>
       </p:sp>
-      <p:pic>
-        <p:nvPicPr>
-          <p:cNvPr id="4" name="Рисунок 3"/>
-          <p:cNvPicPr>
-            <a:picLocks noChangeAspect="1"/>
-          </p:cNvPicPr>
-          <p:nvPr/>
-        </p:nvPicPr>
-        <p:blipFill>
-          <a:blip r:embed="rId2"/>
-          <a:stretch>
-            <a:fillRect/>
-          </a:stretch>
-        </p:blipFill>
-        <p:spPr>
-          <a:xfrm>
-            <a:off x="2031978" y="3548199"/>
-            <a:ext cx="1435216" cy="2131242"/>
-          </a:xfrm>
-          <a:prstGeom prst="rect">
-            <a:avLst/>
-          </a:prstGeom>
-        </p:spPr>
-      </p:pic>
-      <p:grpSp>
-        <p:nvGrpSpPr>
-          <p:cNvPr id="5" name="Группа 4"/>
-          <p:cNvGrpSpPr/>
-          <p:nvPr/>
-        </p:nvGrpSpPr>
-        <p:grpSpPr>
-          <a:xfrm>
-            <a:off x="4637987" y="3548199"/>
-            <a:ext cx="2215299" cy="2131242"/>
-            <a:chOff x="3962400" y="1295400"/>
-            <a:chExt cx="4267200" cy="4267200"/>
-          </a:xfrm>
-        </p:grpSpPr>
-        <p:pic>
-          <p:nvPicPr>
-            <p:cNvPr id="6" name="Рисунок 5"/>
-            <p:cNvPicPr>
-              <a:picLocks noChangeAspect="1"/>
-            </p:cNvPicPr>
-            <p:nvPr/>
-          </p:nvPicPr>
-          <p:blipFill>
-            <a:blip r:embed="rId3"/>
-            <a:stretch>
-              <a:fillRect/>
-            </a:stretch>
-          </p:blipFill>
-          <p:spPr>
-            <a:xfrm>
-              <a:off x="3962400" y="1295400"/>
-              <a:ext cx="4267200" cy="4267200"/>
-            </a:xfrm>
-            <a:prstGeom prst="rect">
-              <a:avLst/>
-            </a:prstGeom>
-          </p:spPr>
-        </p:pic>
-        <p:pic>
-          <p:nvPicPr>
-            <p:cNvPr id="7" name="Рисунок 6"/>
-            <p:cNvPicPr>
-              <a:picLocks noChangeAspect="1"/>
-            </p:cNvPicPr>
-            <p:nvPr/>
-          </p:nvPicPr>
-          <p:blipFill>
-            <a:blip r:embed="rId4"/>
-            <a:stretch>
-              <a:fillRect/>
-            </a:stretch>
-          </p:blipFill>
-          <p:spPr>
-            <a:xfrm>
-              <a:off x="4367212" y="2119312"/>
-              <a:ext cx="3457575" cy="2619375"/>
-            </a:xfrm>
-            <a:prstGeom prst="rect">
-              <a:avLst/>
-            </a:prstGeom>
-          </p:spPr>
-        </p:pic>
-      </p:grpSp>
-      <p:pic>
-        <p:nvPicPr>
-          <p:cNvPr id="8" name="Рисунок 7"/>
-          <p:cNvPicPr>
-            <a:picLocks noChangeAspect="1"/>
-          </p:cNvPicPr>
-          <p:nvPr/>
-        </p:nvPicPr>
-        <p:blipFill>
-          <a:blip r:embed="rId5" cstate="print">
-            <a:extLst>
-              <a:ext uri="{28A0092B-C50C-407E-A947-70E740481C1C}">
-                <a14:useLocalDpi xmlns:a14="http://schemas.microsoft.com/office/drawing/2010/main" val="0"/>
-              </a:ext>
-            </a:extLst>
-          </a:blip>
-          <a:stretch>
-            <a:fillRect/>
-          </a:stretch>
-        </p:blipFill>
-        <p:spPr>
-          <a:xfrm>
-            <a:off x="7704849" y="3548199"/>
-            <a:ext cx="1992894" cy="1992894"/>
-          </a:xfrm>
-          <a:prstGeom prst="rect">
-            <a:avLst/>
-          </a:prstGeom>
-        </p:spPr>
-      </p:pic>
     </p:spTree>
     <p:extLst>
       <p:ext uri="{BB962C8B-B14F-4D97-AF65-F5344CB8AC3E}">
-        <p14:creationId xmlns:p14="http://schemas.microsoft.com/office/powerpoint/2010/main" val="3816576046"/>
+        <p14:creationId xmlns:p14="http://schemas.microsoft.com/office/powerpoint/2010/main" val="2821792313"/>
       </p:ext>
     </p:extLst>
   </p:cSld>
@@ -13236,881 +13146,7 @@
       </p:grpSpPr>
       <p:sp>
         <p:nvSpPr>
-          <p:cNvPr id="5" name="Прямоугольник 4"/>
-          <p:cNvSpPr/>
-          <p:nvPr/>
-        </p:nvSpPr>
-        <p:spPr>
-          <a:xfrm>
-            <a:off x="2338974" y="2414991"/>
-            <a:ext cx="3851139" cy="830997"/>
-          </a:xfrm>
-          <a:prstGeom prst="rect">
-            <a:avLst/>
-          </a:prstGeom>
-          <a:noFill/>
-        </p:spPr>
-        <p:txBody>
-          <a:bodyPr wrap="square" lIns="91440" tIns="45720" rIns="91440" bIns="45720">
-            <a:spAutoFit/>
-          </a:bodyPr>
-          <a:lstStyle/>
-          <a:p>
-            <a:pPr algn="ctr"/>
-            <a:r>
-              <a:rPr lang="ru-RU" sz="2400" b="0" cap="none" spc="0" dirty="0" smtClean="0">
-                <a:ln w="0"/>
-                <a:effectLst>
-                  <a:outerShdw blurRad="38100" dist="25400" dir="5400000" algn="ctr" rotWithShape="0">
-                    <a:srgbClr val="6E747A">
-                      <a:alpha val="43000"/>
-                    </a:srgbClr>
-                  </a:outerShdw>
-                </a:effectLst>
-              </a:rPr>
-              <a:t>Объект</a:t>
-            </a:r>
-            <a:r>
-              <a:rPr lang="ru-RU" sz="2400" dirty="0" smtClean="0">
-                <a:ln w="0"/>
-                <a:effectLst>
-                  <a:outerShdw blurRad="38100" dist="25400" dir="5400000" algn="ctr" rotWithShape="0">
-                    <a:srgbClr val="6E747A">
-                      <a:alpha val="43000"/>
-                    </a:srgbClr>
-                  </a:outerShdw>
-                </a:effectLst>
-              </a:rPr>
-              <a:t>,</a:t>
-            </a:r>
-            <a:r>
-              <a:rPr lang="ru-RU" sz="2400" b="0" cap="none" spc="0" dirty="0" smtClean="0">
-                <a:ln w="0"/>
-                <a:effectLst>
-                  <a:outerShdw blurRad="38100" dist="25400" dir="5400000" algn="ctr" rotWithShape="0">
-                    <a:srgbClr val="6E747A">
-                      <a:alpha val="43000"/>
-                    </a:srgbClr>
-                  </a:outerShdw>
-                </a:effectLst>
-              </a:rPr>
-              <a:t> реализующий бизнес-логику</a:t>
-            </a:r>
-            <a:endParaRPr lang="ru-RU" sz="2400" b="0" cap="none" spc="0" dirty="0">
-              <a:ln w="0"/>
-              <a:effectLst>
-                <a:outerShdw blurRad="38100" dist="25400" dir="5400000" algn="ctr" rotWithShape="0">
-                  <a:srgbClr val="6E747A">
-                    <a:alpha val="43000"/>
-                  </a:srgbClr>
-                </a:outerShdw>
-              </a:effectLst>
-            </a:endParaRPr>
-          </a:p>
-        </p:txBody>
-      </p:sp>
-      <p:cxnSp>
-        <p:nvCxnSpPr>
-          <p:cNvPr id="20" name="Прямая со стрелкой 25"/>
-          <p:cNvCxnSpPr/>
-          <p:nvPr/>
-        </p:nvCxnSpPr>
-        <p:spPr>
-          <a:xfrm>
-            <a:off x="4126898" y="3250398"/>
-            <a:ext cx="0" cy="744873"/>
-          </a:xfrm>
-          <a:prstGeom prst="straightConnector1">
-            <a:avLst/>
-          </a:prstGeom>
-          <a:ln w="38100">
-            <a:solidFill>
-              <a:schemeClr val="accent6"/>
-            </a:solidFill>
-            <a:tailEnd type="triangle"/>
-          </a:ln>
-        </p:spPr>
-        <p:style>
-          <a:lnRef idx="1">
-            <a:schemeClr val="accent1"/>
-          </a:lnRef>
-          <a:fillRef idx="0">
-            <a:schemeClr val="accent1"/>
-          </a:fillRef>
-          <a:effectRef idx="0">
-            <a:schemeClr val="accent1"/>
-          </a:effectRef>
-          <a:fontRef idx="minor">
-            <a:schemeClr val="tx1"/>
-          </a:fontRef>
-        </p:style>
-      </p:cxnSp>
-      <p:grpSp>
-        <p:nvGrpSpPr>
-          <p:cNvPr id="54" name="Группа 53"/>
-          <p:cNvGrpSpPr/>
-          <p:nvPr/>
-        </p:nvGrpSpPr>
-        <p:grpSpPr>
-          <a:xfrm>
-            <a:off x="3220985" y="3975634"/>
-            <a:ext cx="4597204" cy="2197642"/>
-            <a:chOff x="1007741" y="3503194"/>
-            <a:chExt cx="4597204" cy="2197642"/>
-          </a:xfrm>
-        </p:grpSpPr>
-        <p:sp>
-          <p:nvSpPr>
-            <p:cNvPr id="4" name="Прямоугольник 3"/>
-            <p:cNvSpPr/>
-            <p:nvPr/>
-          </p:nvSpPr>
-          <p:spPr>
-            <a:xfrm>
-              <a:off x="1030891" y="5239171"/>
-              <a:ext cx="2398077" cy="461665"/>
-            </a:xfrm>
-            <a:prstGeom prst="rect">
-              <a:avLst/>
-            </a:prstGeom>
-            <a:noFill/>
-          </p:spPr>
-          <p:txBody>
-            <a:bodyPr wrap="square" lIns="91440" tIns="45720" rIns="91440" bIns="45720">
-              <a:spAutoFit/>
-            </a:bodyPr>
-            <a:lstStyle/>
-            <a:p>
-              <a:r>
-                <a:rPr lang="ru-RU" sz="2400" b="0" cap="none" spc="0" dirty="0" smtClean="0">
-                  <a:ln w="0"/>
-                  <a:effectLst>
-                    <a:outerShdw blurRad="38100" dist="25400" dir="5400000" algn="ctr" rotWithShape="0">
-                      <a:srgbClr val="6E747A">
-                        <a:alpha val="43000"/>
-                      </a:srgbClr>
-                    </a:outerShdw>
-                  </a:effectLst>
-                </a:rPr>
-                <a:t>Хранилище</a:t>
-              </a:r>
-              <a:endParaRPr lang="ru-RU" sz="2400" b="0" cap="none" spc="0" dirty="0">
-                <a:ln w="0"/>
-                <a:effectLst>
-                  <a:outerShdw blurRad="38100" dist="25400" dir="5400000" algn="ctr" rotWithShape="0">
-                    <a:srgbClr val="6E747A">
-                      <a:alpha val="43000"/>
-                    </a:srgbClr>
-                  </a:outerShdw>
-                </a:effectLst>
-              </a:endParaRPr>
-            </a:p>
-          </p:txBody>
-        </p:sp>
-        <p:sp>
-          <p:nvSpPr>
-            <p:cNvPr id="9" name="Прямоугольник 8"/>
-            <p:cNvSpPr/>
-            <p:nvPr/>
-          </p:nvSpPr>
-          <p:spPr>
-            <a:xfrm>
-              <a:off x="1007741" y="3503194"/>
-              <a:ext cx="4597204" cy="830997"/>
-            </a:xfrm>
-            <a:prstGeom prst="rect">
-              <a:avLst/>
-            </a:prstGeom>
-            <a:noFill/>
-          </p:spPr>
-          <p:txBody>
-            <a:bodyPr wrap="square" lIns="91440" tIns="45720" rIns="91440" bIns="45720">
-              <a:spAutoFit/>
-            </a:bodyPr>
-            <a:lstStyle/>
-            <a:p>
-              <a:r>
-                <a:rPr lang="ru-RU" sz="2400" b="0" cap="none" spc="0" dirty="0" smtClean="0">
-                  <a:ln w="0"/>
-                  <a:effectLst>
-                    <a:outerShdw blurRad="38100" dist="25400" dir="5400000" algn="ctr" rotWithShape="0">
-                      <a:srgbClr val="6E747A">
-                        <a:alpha val="43000"/>
-                      </a:srgbClr>
-                    </a:outerShdw>
-                  </a:effectLst>
-                </a:rPr>
-                <a:t>Интерфейс</a:t>
-              </a:r>
-            </a:p>
-            <a:p>
-              <a:r>
-                <a:rPr lang="ru-RU" sz="2400" b="0" cap="none" spc="0" dirty="0" smtClean="0">
-                  <a:ln w="0"/>
-                  <a:effectLst>
-                    <a:outerShdw blurRad="38100" dist="25400" dir="5400000" algn="ctr" rotWithShape="0">
-                      <a:srgbClr val="6E747A">
-                        <a:alpha val="43000"/>
-                      </a:srgbClr>
-                    </a:outerShdw>
-                  </a:effectLst>
-                </a:rPr>
-                <a:t>хранилища</a:t>
-              </a:r>
-              <a:endParaRPr lang="ru-RU" sz="2400" b="0" cap="none" spc="0" dirty="0">
-                <a:ln w="0"/>
-                <a:effectLst>
-                  <a:outerShdw blurRad="38100" dist="25400" dir="5400000" algn="ctr" rotWithShape="0">
-                    <a:srgbClr val="6E747A">
-                      <a:alpha val="43000"/>
-                    </a:srgbClr>
-                  </a:outerShdw>
-                </a:effectLst>
-              </a:endParaRPr>
-            </a:p>
-          </p:txBody>
-        </p:sp>
-        <p:grpSp>
-          <p:nvGrpSpPr>
-            <p:cNvPr id="36" name="Группа 35"/>
-            <p:cNvGrpSpPr/>
-            <p:nvPr/>
-          </p:nvGrpSpPr>
-          <p:grpSpPr>
-            <a:xfrm>
-              <a:off x="1844039" y="4342904"/>
-              <a:ext cx="169710" cy="916992"/>
-              <a:chOff x="1844039" y="4342904"/>
-              <a:chExt cx="169710" cy="916992"/>
-            </a:xfrm>
-          </p:grpSpPr>
-          <p:cxnSp>
-            <p:nvCxnSpPr>
-              <p:cNvPr id="21" name="Прямая со стрелкой 25"/>
-              <p:cNvCxnSpPr/>
-              <p:nvPr/>
-            </p:nvCxnSpPr>
-            <p:spPr>
-              <a:xfrm flipV="1">
-                <a:off x="1928894" y="4468113"/>
-                <a:ext cx="2" cy="791783"/>
-              </a:xfrm>
-              <a:prstGeom prst="straightConnector1">
-                <a:avLst/>
-              </a:prstGeom>
-              <a:ln w="38100">
-                <a:solidFill>
-                  <a:schemeClr val="accent6"/>
-                </a:solidFill>
-                <a:prstDash val="sysDash"/>
-                <a:tailEnd type="none"/>
-              </a:ln>
-            </p:spPr>
-            <p:style>
-              <a:lnRef idx="1">
-                <a:schemeClr val="accent1"/>
-              </a:lnRef>
-              <a:fillRef idx="0">
-                <a:schemeClr val="accent1"/>
-              </a:fillRef>
-              <a:effectRef idx="0">
-                <a:schemeClr val="accent1"/>
-              </a:effectRef>
-              <a:fontRef idx="minor">
-                <a:schemeClr val="tx1"/>
-              </a:fontRef>
-            </p:style>
-          </p:cxnSp>
-          <p:sp>
-            <p:nvSpPr>
-              <p:cNvPr id="25" name="Блок-схема: извлечение 24"/>
-              <p:cNvSpPr/>
-              <p:nvPr/>
-            </p:nvSpPr>
-            <p:spPr>
-              <a:xfrm>
-                <a:off x="1844039" y="4342904"/>
-                <a:ext cx="169710" cy="152212"/>
-              </a:xfrm>
-              <a:prstGeom prst="flowChartExtract">
-                <a:avLst/>
-              </a:prstGeom>
-              <a:solidFill>
-                <a:schemeClr val="bg1"/>
-              </a:solidFill>
-              <a:ln w="38100">
-                <a:solidFill>
-                  <a:schemeClr val="accent6"/>
-                </a:solidFill>
-              </a:ln>
-            </p:spPr>
-            <p:style>
-              <a:lnRef idx="2">
-                <a:schemeClr val="accent1">
-                  <a:shade val="50000"/>
-                </a:schemeClr>
-              </a:lnRef>
-              <a:fillRef idx="1">
-                <a:schemeClr val="accent1"/>
-              </a:fillRef>
-              <a:effectRef idx="0">
-                <a:schemeClr val="accent1"/>
-              </a:effectRef>
-              <a:fontRef idx="minor">
-                <a:schemeClr val="lt1"/>
-              </a:fontRef>
-            </p:style>
-            <p:txBody>
-              <a:bodyPr rtlCol="0" anchor="ctr"/>
-              <a:lstStyle/>
-              <a:p>
-                <a:pPr algn="ctr"/>
-                <a:endParaRPr lang="ru-RU"/>
-              </a:p>
-            </p:txBody>
-          </p:sp>
-        </p:grpSp>
-      </p:grpSp>
-      <p:grpSp>
-        <p:nvGrpSpPr>
-          <p:cNvPr id="53" name="Группа 52"/>
-          <p:cNvGrpSpPr/>
-          <p:nvPr/>
-        </p:nvGrpSpPr>
-        <p:grpSpPr>
-          <a:xfrm>
-            <a:off x="5133043" y="2745689"/>
-            <a:ext cx="4631089" cy="2094067"/>
-            <a:chOff x="3062039" y="2273249"/>
-            <a:chExt cx="4631089" cy="2094067"/>
-          </a:xfrm>
-        </p:grpSpPr>
-        <p:grpSp>
-          <p:nvGrpSpPr>
-            <p:cNvPr id="52" name="Группа 51"/>
-            <p:cNvGrpSpPr/>
-            <p:nvPr/>
-          </p:nvGrpSpPr>
-          <p:grpSpPr>
-            <a:xfrm>
-              <a:off x="3214251" y="2273249"/>
-              <a:ext cx="4478877" cy="2094067"/>
-              <a:chOff x="3214251" y="2273249"/>
-              <a:chExt cx="4478877" cy="2094067"/>
-            </a:xfrm>
-          </p:grpSpPr>
-          <p:sp>
-            <p:nvSpPr>
-              <p:cNvPr id="11" name="Прямоугольник 10"/>
-              <p:cNvSpPr/>
-              <p:nvPr/>
-            </p:nvSpPr>
-            <p:spPr>
-              <a:xfrm>
-                <a:off x="5266073" y="2273249"/>
-                <a:ext cx="2427055" cy="461665"/>
-              </a:xfrm>
-              <a:prstGeom prst="rect">
-                <a:avLst/>
-              </a:prstGeom>
-              <a:noFill/>
-            </p:spPr>
-            <p:txBody>
-              <a:bodyPr wrap="square" lIns="91440" tIns="45720" rIns="91440" bIns="45720">
-                <a:spAutoFit/>
-              </a:bodyPr>
-              <a:lstStyle/>
-              <a:p>
-                <a:r>
-                  <a:rPr lang="ru-RU" sz="2400" b="0" u="sng" cap="none" spc="0" dirty="0" smtClean="0">
-                    <a:ln w="0"/>
-                    <a:effectLst>
-                      <a:outerShdw blurRad="38100" dist="25400" dir="5400000" algn="ctr" rotWithShape="0">
-                        <a:srgbClr val="6E747A">
-                          <a:alpha val="43000"/>
-                        </a:srgbClr>
-                      </a:outerShdw>
-                    </a:effectLst>
-                  </a:rPr>
-                  <a:t>Юнит-тест</a:t>
-                </a:r>
-                <a:endParaRPr lang="ru-RU" sz="2400" b="0" u="sng" cap="none" spc="0" dirty="0">
-                  <a:ln w="0"/>
-                  <a:effectLst>
-                    <a:outerShdw blurRad="38100" dist="25400" dir="5400000" algn="ctr" rotWithShape="0">
-                      <a:srgbClr val="6E747A">
-                        <a:alpha val="43000"/>
-                      </a:srgbClr>
-                    </a:outerShdw>
-                  </a:effectLst>
-                </a:endParaRPr>
-              </a:p>
-            </p:txBody>
-          </p:sp>
-          <p:sp>
-            <p:nvSpPr>
-              <p:cNvPr id="12" name="Прямоугольник 11"/>
-              <p:cNvSpPr/>
-              <p:nvPr/>
-            </p:nvSpPr>
-            <p:spPr>
-              <a:xfrm>
-                <a:off x="5188839" y="3536319"/>
-                <a:ext cx="2504289" cy="830997"/>
-              </a:xfrm>
-              <a:prstGeom prst="rect">
-                <a:avLst/>
-              </a:prstGeom>
-              <a:noFill/>
-            </p:spPr>
-            <p:txBody>
-              <a:bodyPr wrap="square" lIns="91440" tIns="45720" rIns="91440" bIns="45720">
-                <a:spAutoFit/>
-              </a:bodyPr>
-              <a:lstStyle/>
-              <a:p>
-                <a:r>
-                  <a:rPr lang="ru-RU" sz="2400" dirty="0" smtClean="0">
-                    <a:ln w="0"/>
-                    <a:effectLst>
-                      <a:outerShdw blurRad="38100" dist="25400" dir="5400000" algn="ctr" rotWithShape="0">
-                        <a:srgbClr val="6E747A">
-                          <a:alpha val="43000"/>
-                        </a:srgbClr>
-                      </a:outerShdw>
-                    </a:effectLst>
-                  </a:rPr>
-                  <a:t>«</a:t>
-                </a:r>
-                <a:r>
-                  <a:rPr lang="ru-RU" sz="2400" b="0" cap="none" spc="0" dirty="0" smtClean="0">
-                    <a:ln w="0"/>
-                    <a:effectLst>
-                      <a:outerShdw blurRad="38100" dist="25400" dir="5400000" algn="ctr" rotWithShape="0">
-                        <a:srgbClr val="6E747A">
-                          <a:alpha val="43000"/>
-                        </a:srgbClr>
-                      </a:outerShdw>
-                    </a:effectLst>
-                  </a:rPr>
-                  <a:t>Фальшивое» хранилище</a:t>
-                </a:r>
-              </a:p>
-            </p:txBody>
-          </p:sp>
-          <p:cxnSp>
-            <p:nvCxnSpPr>
-              <p:cNvPr id="38" name="Прямая со стрелкой 25"/>
-              <p:cNvCxnSpPr>
-                <a:endCxn id="39" idx="2"/>
-              </p:cNvCxnSpPr>
-              <p:nvPr/>
-            </p:nvCxnSpPr>
-            <p:spPr>
-              <a:xfrm flipH="1" flipV="1">
-                <a:off x="3214251" y="3879953"/>
-                <a:ext cx="1984248" cy="16324"/>
-              </a:xfrm>
-              <a:prstGeom prst="straightConnector1">
-                <a:avLst/>
-              </a:prstGeom>
-              <a:ln w="38100">
-                <a:solidFill>
-                  <a:schemeClr val="accent6"/>
-                </a:solidFill>
-                <a:prstDash val="sysDash"/>
-                <a:tailEnd type="none"/>
-              </a:ln>
-            </p:spPr>
-            <p:style>
-              <a:lnRef idx="1">
-                <a:schemeClr val="accent1"/>
-              </a:lnRef>
-              <a:fillRef idx="0">
-                <a:schemeClr val="accent1"/>
-              </a:fillRef>
-              <a:effectRef idx="0">
-                <a:schemeClr val="accent1"/>
-              </a:effectRef>
-              <a:fontRef idx="minor">
-                <a:schemeClr val="tx1"/>
-              </a:fontRef>
-            </p:style>
-          </p:cxnSp>
-          <p:cxnSp>
-            <p:nvCxnSpPr>
-              <p:cNvPr id="44" name="Прямая со стрелкой 25"/>
-              <p:cNvCxnSpPr/>
-              <p:nvPr/>
-            </p:nvCxnSpPr>
-            <p:spPr>
-              <a:xfrm flipH="1">
-                <a:off x="3398488" y="2525136"/>
-                <a:ext cx="1854886" cy="0"/>
-              </a:xfrm>
-              <a:prstGeom prst="straightConnector1">
-                <a:avLst/>
-              </a:prstGeom>
-              <a:ln w="38100">
-                <a:solidFill>
-                  <a:schemeClr val="accent6"/>
-                </a:solidFill>
-                <a:tailEnd type="triangle"/>
-              </a:ln>
-            </p:spPr>
-            <p:style>
-              <a:lnRef idx="1">
-                <a:schemeClr val="accent1"/>
-              </a:lnRef>
-              <a:fillRef idx="0">
-                <a:schemeClr val="accent1"/>
-              </a:fillRef>
-              <a:effectRef idx="0">
-                <a:schemeClr val="accent1"/>
-              </a:effectRef>
-              <a:fontRef idx="minor">
-                <a:schemeClr val="tx1"/>
-              </a:fontRef>
-            </p:style>
-          </p:cxnSp>
-          <p:cxnSp>
-            <p:nvCxnSpPr>
-              <p:cNvPr id="49" name="Прямая со стрелкой 25"/>
-              <p:cNvCxnSpPr/>
-              <p:nvPr/>
-            </p:nvCxnSpPr>
-            <p:spPr>
-              <a:xfrm>
-                <a:off x="6147670" y="2791446"/>
-                <a:ext cx="0" cy="744873"/>
-              </a:xfrm>
-              <a:prstGeom prst="straightConnector1">
-                <a:avLst/>
-              </a:prstGeom>
-              <a:ln w="38100">
-                <a:solidFill>
-                  <a:schemeClr val="accent6"/>
-                </a:solidFill>
-                <a:tailEnd type="triangle"/>
-              </a:ln>
-            </p:spPr>
-            <p:style>
-              <a:lnRef idx="1">
-                <a:schemeClr val="accent1"/>
-              </a:lnRef>
-              <a:fillRef idx="0">
-                <a:schemeClr val="accent1"/>
-              </a:fillRef>
-              <a:effectRef idx="0">
-                <a:schemeClr val="accent1"/>
-              </a:effectRef>
-              <a:fontRef idx="minor">
-                <a:schemeClr val="tx1"/>
-              </a:fontRef>
-            </p:style>
-          </p:cxnSp>
-        </p:grpSp>
-        <p:sp>
-          <p:nvSpPr>
-            <p:cNvPr id="39" name="Блок-схема: извлечение 38"/>
-            <p:cNvSpPr/>
-            <p:nvPr/>
-          </p:nvSpPr>
-          <p:spPr>
-            <a:xfrm rot="16200000">
-              <a:off x="3053290" y="3803847"/>
-              <a:ext cx="169710" cy="152212"/>
-            </a:xfrm>
-            <a:prstGeom prst="flowChartExtract">
-              <a:avLst/>
-            </a:prstGeom>
-            <a:solidFill>
-              <a:schemeClr val="bg1"/>
-            </a:solidFill>
-            <a:ln w="38100">
-              <a:solidFill>
-                <a:schemeClr val="accent6"/>
-              </a:solidFill>
-            </a:ln>
-          </p:spPr>
-          <p:style>
-            <a:lnRef idx="2">
-              <a:schemeClr val="accent1">
-                <a:shade val="50000"/>
-              </a:schemeClr>
-            </a:lnRef>
-            <a:fillRef idx="1">
-              <a:schemeClr val="accent1"/>
-            </a:fillRef>
-            <a:effectRef idx="0">
-              <a:schemeClr val="accent1"/>
-            </a:effectRef>
-            <a:fontRef idx="minor">
-              <a:schemeClr val="lt1"/>
-            </a:fontRef>
-          </p:style>
-          <p:txBody>
-            <a:bodyPr rtlCol="0" anchor="ctr"/>
-            <a:lstStyle/>
-            <a:p>
-              <a:pPr algn="ctr"/>
-              <a:endParaRPr lang="ru-RU"/>
-            </a:p>
-          </p:txBody>
-        </p:sp>
-      </p:grpSp>
-      <p:sp>
-        <p:nvSpPr>
-          <p:cNvPr id="55" name="Прямоугольник 54"/>
-          <p:cNvSpPr/>
-          <p:nvPr/>
-        </p:nvSpPr>
-        <p:spPr>
-          <a:xfrm>
-            <a:off x="3244135" y="3995271"/>
-            <a:ext cx="3497014" cy="830997"/>
-          </a:xfrm>
-          <a:prstGeom prst="rect">
-            <a:avLst/>
-          </a:prstGeom>
-          <a:noFill/>
-        </p:spPr>
-        <p:txBody>
-          <a:bodyPr wrap="square" lIns="91440" tIns="45720" rIns="91440" bIns="45720">
-            <a:spAutoFit/>
-          </a:bodyPr>
-          <a:lstStyle/>
-          <a:p>
-            <a:r>
-              <a:rPr lang="ru-RU" sz="2400" dirty="0" smtClean="0">
-                <a:ln w="0"/>
-                <a:effectLst>
-                  <a:outerShdw blurRad="38100" dist="25400" dir="5400000" algn="ctr" rotWithShape="0">
-                    <a:srgbClr val="6E747A">
-                      <a:alpha val="43000"/>
-                    </a:srgbClr>
-                  </a:outerShdw>
-                </a:effectLst>
-              </a:rPr>
-              <a:t>Хранилище</a:t>
-            </a:r>
-          </a:p>
-          <a:p>
-            <a:r>
-              <a:rPr lang="ru-RU" sz="2400" b="0" cap="none" spc="0" dirty="0" smtClean="0">
-                <a:ln w="0"/>
-                <a:effectLst>
-                  <a:outerShdw blurRad="38100" dist="25400" dir="5400000" algn="ctr" rotWithShape="0">
-                    <a:srgbClr val="6E747A">
-                      <a:alpha val="43000"/>
-                    </a:srgbClr>
-                  </a:outerShdw>
-                </a:effectLst>
-              </a:rPr>
-              <a:t>(слой </a:t>
-            </a:r>
-            <a:r>
-              <a:rPr lang="en-US" sz="2400" b="0" cap="none" spc="0" dirty="0" smtClean="0">
-                <a:ln w="0"/>
-                <a:effectLst>
-                  <a:outerShdw blurRad="38100" dist="25400" dir="5400000" algn="ctr" rotWithShape="0">
-                    <a:srgbClr val="6E747A">
-                      <a:alpha val="43000"/>
-                    </a:srgbClr>
-                  </a:outerShdw>
-                </a:effectLst>
-              </a:rPr>
-              <a:t>DAL)</a:t>
-            </a:r>
-            <a:endParaRPr lang="ru-RU" sz="2400" b="0" cap="none" spc="0" dirty="0">
-              <a:ln w="0"/>
-              <a:effectLst>
-                <a:outerShdw blurRad="38100" dist="25400" dir="5400000" algn="ctr" rotWithShape="0">
-                  <a:srgbClr val="6E747A">
-                    <a:alpha val="43000"/>
-                  </a:srgbClr>
-                </a:outerShdw>
-              </a:effectLst>
-            </a:endParaRPr>
-          </a:p>
-        </p:txBody>
-      </p:sp>
-      <p:grpSp>
-        <p:nvGrpSpPr>
-          <p:cNvPr id="56" name="Группа 55"/>
-          <p:cNvGrpSpPr/>
-          <p:nvPr/>
-        </p:nvGrpSpPr>
-        <p:grpSpPr>
-          <a:xfrm>
-            <a:off x="5133043" y="4186875"/>
-            <a:ext cx="2644984" cy="400110"/>
-            <a:chOff x="2823935" y="3697484"/>
-            <a:chExt cx="2644984" cy="400110"/>
-          </a:xfrm>
-        </p:grpSpPr>
-        <p:sp>
-          <p:nvSpPr>
-            <p:cNvPr id="57" name="Прямоугольник 56"/>
-            <p:cNvSpPr/>
-            <p:nvPr/>
-          </p:nvSpPr>
-          <p:spPr>
-            <a:xfrm>
-              <a:off x="3432848" y="3697484"/>
-              <a:ext cx="2036071" cy="400110"/>
-            </a:xfrm>
-            <a:prstGeom prst="rect">
-              <a:avLst/>
-            </a:prstGeom>
-            <a:noFill/>
-          </p:spPr>
-          <p:txBody>
-            <a:bodyPr wrap="none" lIns="91440" tIns="45720" rIns="91440" bIns="45720">
-              <a:spAutoFit/>
-            </a:bodyPr>
-            <a:lstStyle/>
-            <a:p>
-              <a:pPr algn="r"/>
-              <a:r>
-                <a:rPr lang="ru-RU" sz="2000" i="1" dirty="0" smtClean="0">
-                  <a:ln w="0"/>
-                  <a:effectLst>
-                    <a:outerShdw blurRad="38100" dist="25400" dir="5400000" algn="ctr" rotWithShape="0">
-                      <a:srgbClr val="6E747A">
-                        <a:alpha val="43000"/>
-                      </a:srgbClr>
-                    </a:outerShdw>
-                  </a:effectLst>
-                </a:rPr>
-                <a:t>Как подменить?</a:t>
-              </a:r>
-              <a:endParaRPr lang="ru-RU" sz="2000" i="1" cap="none" spc="0" dirty="0">
-                <a:ln w="0"/>
-                <a:effectLst>
-                  <a:outerShdw blurRad="38100" dist="25400" dir="5400000" algn="ctr" rotWithShape="0">
-                    <a:srgbClr val="6E747A">
-                      <a:alpha val="43000"/>
-                    </a:srgbClr>
-                  </a:outerShdw>
-                </a:effectLst>
-              </a:endParaRPr>
-            </a:p>
-          </p:txBody>
-        </p:sp>
-        <p:cxnSp>
-          <p:nvCxnSpPr>
-            <p:cNvPr id="58" name="Прямая со стрелкой 25"/>
-            <p:cNvCxnSpPr/>
-            <p:nvPr/>
-          </p:nvCxnSpPr>
-          <p:spPr>
-            <a:xfrm rot="10800000">
-              <a:off x="2823935" y="3731037"/>
-              <a:ext cx="582733" cy="109901"/>
-            </a:xfrm>
-            <a:prstGeom prst="curvedConnector3">
-              <a:avLst>
-                <a:gd name="adj1" fmla="val 47988"/>
-              </a:avLst>
-            </a:prstGeom>
-            <a:ln w="38100">
-              <a:solidFill>
-                <a:srgbClr val="E86F2C"/>
-              </a:solidFill>
-              <a:tailEnd type="triangle"/>
-            </a:ln>
-          </p:spPr>
-          <p:style>
-            <a:lnRef idx="1">
-              <a:schemeClr val="accent1"/>
-            </a:lnRef>
-            <a:fillRef idx="0">
-              <a:schemeClr val="accent1"/>
-            </a:fillRef>
-            <a:effectRef idx="0">
-              <a:schemeClr val="accent1"/>
-            </a:effectRef>
-            <a:fontRef idx="minor">
-              <a:schemeClr val="tx1"/>
-            </a:fontRef>
-          </p:style>
-        </p:cxnSp>
-      </p:grpSp>
-      <p:sp>
-        <p:nvSpPr>
-          <p:cNvPr id="28" name="Прямоугольник 27"/>
-          <p:cNvSpPr/>
-          <p:nvPr/>
-        </p:nvSpPr>
-        <p:spPr>
-          <a:xfrm>
-            <a:off x="7543152" y="3240969"/>
-            <a:ext cx="1639167" cy="400110"/>
-          </a:xfrm>
-          <a:prstGeom prst="rect">
-            <a:avLst/>
-          </a:prstGeom>
-          <a:noFill/>
-        </p:spPr>
-        <p:txBody>
-          <a:bodyPr wrap="none" lIns="91440" tIns="45720" rIns="91440" bIns="45720">
-            <a:spAutoFit/>
-          </a:bodyPr>
-          <a:lstStyle/>
-          <a:p>
-            <a:pPr algn="r"/>
-            <a:r>
-              <a:rPr lang="en-US" sz="2000" i="1" dirty="0" smtClean="0">
-                <a:ln w="0"/>
-                <a:solidFill>
-                  <a:srgbClr val="E86F2C"/>
-                </a:solidFill>
-                <a:effectLst>
-                  <a:outerShdw blurRad="38100" dist="25400" dir="5400000" algn="ctr" rotWithShape="0">
-                    <a:srgbClr val="6E747A">
-                      <a:alpha val="43000"/>
-                    </a:srgbClr>
-                  </a:outerShdw>
-                </a:effectLst>
-              </a:rPr>
-              <a:t>Mock </a:t>
-            </a:r>
-            <a:r>
-              <a:rPr lang="ru-RU" sz="2000" i="1" dirty="0" smtClean="0">
-                <a:ln w="0"/>
-                <a:solidFill>
-                  <a:srgbClr val="E86F2C"/>
-                </a:solidFill>
-                <a:effectLst>
-                  <a:outerShdw blurRad="38100" dist="25400" dir="5400000" algn="ctr" rotWithShape="0">
-                    <a:srgbClr val="6E747A">
-                      <a:alpha val="43000"/>
-                    </a:srgbClr>
-                  </a:outerShdw>
-                </a:effectLst>
-              </a:rPr>
-              <a:t>объект</a:t>
-            </a:r>
-            <a:endParaRPr lang="ru-RU" sz="2000" i="1" cap="none" spc="0" dirty="0">
-              <a:ln w="0"/>
-              <a:solidFill>
-                <a:srgbClr val="E86F2C"/>
-              </a:solidFill>
-              <a:effectLst>
-                <a:outerShdw blurRad="38100" dist="25400" dir="5400000" algn="ctr" rotWithShape="0">
-                  <a:srgbClr val="6E747A">
-                    <a:alpha val="43000"/>
-                  </a:srgbClr>
-                </a:outerShdw>
-              </a:effectLst>
-            </a:endParaRPr>
-          </a:p>
-        </p:txBody>
-      </p:sp>
-      <p:sp>
-        <p:nvSpPr>
-          <p:cNvPr id="29" name="Заголовок 1"/>
+          <p:cNvPr id="2" name="Заголовок 1"/>
           <p:cNvSpPr>
             <a:spLocks noGrp="1"/>
           </p:cNvSpPr>
@@ -14118,28 +13154,77 @@
             <p:ph type="title"/>
           </p:nvPr>
         </p:nvSpPr>
-        <p:spPr>
-          <a:xfrm>
-            <a:off x="1141412" y="618518"/>
-            <a:ext cx="10380027" cy="1478570"/>
-          </a:xfrm>
-        </p:spPr>
+        <p:spPr/>
         <p:txBody>
           <a:bodyPr/>
           <a:lstStyle/>
           <a:p>
             <a:r>
               <a:rPr lang="ru-RU" dirty="0" smtClean="0"/>
-              <a:t>как подменить  данные</a:t>
+              <a:t>ИТОГ</a:t>
             </a:r>
             <a:endParaRPr lang="ru-RU" dirty="0"/>
+          </a:p>
+        </p:txBody>
+      </p:sp>
+      <p:sp>
+        <p:nvSpPr>
+          <p:cNvPr id="3" name="Объект 2"/>
+          <p:cNvSpPr>
+            <a:spLocks noGrp="1"/>
+          </p:cNvSpPr>
+          <p:nvPr>
+            <p:ph idx="1"/>
+          </p:nvPr>
+        </p:nvSpPr>
+        <p:spPr/>
+        <p:txBody>
+          <a:bodyPr>
+            <a:normAutofit/>
+          </a:bodyPr>
+          <a:lstStyle/>
+          <a:p>
+            <a:r>
+              <a:rPr lang="ru-RU" dirty="0" smtClean="0"/>
+              <a:t>Рекомендуется попробовать использовать юнит-тесты в своих программах. Для начала лучше написать несколько тестов без </a:t>
+            </a:r>
+            <a:r>
+              <a:rPr lang="en-US" dirty="0" smtClean="0"/>
+              <a:t>mock </a:t>
+            </a:r>
+            <a:r>
+              <a:rPr lang="ru-RU" dirty="0" smtClean="0"/>
+              <a:t>объектов, потом перейти к </a:t>
+            </a:r>
+            <a:r>
+              <a:rPr lang="en-US" dirty="0"/>
+              <a:t>mock </a:t>
+            </a:r>
+            <a:r>
+              <a:rPr lang="ru-RU" dirty="0" smtClean="0"/>
+              <a:t>объектам</a:t>
+            </a:r>
+          </a:p>
+          <a:p>
+            <a:r>
+              <a:rPr lang="ru-RU" dirty="0" smtClean="0"/>
+              <a:t>При разделении классов на модули следует выделить слой </a:t>
+            </a:r>
+            <a:r>
+              <a:rPr lang="en-US" dirty="0" smtClean="0"/>
+              <a:t>DAL</a:t>
+            </a:r>
+            <a:r>
+              <a:rPr lang="ru-RU" dirty="0" smtClean="0"/>
+              <a:t>, а в сложных ситуациях – использовать паттерны ООП</a:t>
+            </a:r>
           </a:p>
         </p:txBody>
       </p:sp>
     </p:spTree>
     <p:extLst>
       <p:ext uri="{BB962C8B-B14F-4D97-AF65-F5344CB8AC3E}">
-        <p14:creationId xmlns:p14="http://schemas.microsoft.com/office/powerpoint/2010/main" val="2103949393"/>
+        <p14:creationId xmlns:p14="http://schemas.microsoft.com/office/powerpoint/2010/main" val="3315787455"/>
       </p:ext>
     </p:extLst>
   </p:cSld>
@@ -14149,506 +13234,9 @@
   <p:timing>
     <p:tnLst>
       <p:par>
-        <p:cTn id="1" dur="indefinite" restart="never" nodeType="tmRoot">
-          <p:childTnLst>
-            <p:seq concurrent="1" nextAc="seek">
-              <p:cTn id="2" dur="indefinite" nodeType="mainSeq">
-                <p:childTnLst>
-                  <p:par>
-                    <p:cTn id="3" fill="hold">
-                      <p:stCondLst>
-                        <p:cond delay="indefinite"/>
-                      </p:stCondLst>
-                      <p:childTnLst>
-                        <p:par>
-                          <p:cTn id="4" fill="hold">
-                            <p:stCondLst>
-                              <p:cond delay="0"/>
-                            </p:stCondLst>
-                            <p:childTnLst>
-                              <p:par>
-                                <p:cTn id="5" presetID="53" presetClass="entr" presetSubtype="16" fill="hold" nodeType="clickEffect">
-                                  <p:stCondLst>
-                                    <p:cond delay="0"/>
-                                  </p:stCondLst>
-                                  <p:childTnLst>
-                                    <p:set>
-                                      <p:cBhvr>
-                                        <p:cTn id="6" dur="1" fill="hold">
-                                          <p:stCondLst>
-                                            <p:cond delay="0"/>
-                                          </p:stCondLst>
-                                        </p:cTn>
-                                        <p:tgtEl>
-                                          <p:spTgt spid="5">
-                                            <p:txEl>
-                                              <p:pRg st="0" end="0"/>
-                                            </p:txEl>
-                                          </p:spTgt>
-                                        </p:tgtEl>
-                                        <p:attrNameLst>
-                                          <p:attrName>style.visibility</p:attrName>
-                                        </p:attrNameLst>
-                                      </p:cBhvr>
-                                      <p:to>
-                                        <p:strVal val="visible"/>
-                                      </p:to>
-                                    </p:set>
-                                    <p:anim calcmode="lin" valueType="num">
-                                      <p:cBhvr>
-                                        <p:cTn id="7" dur="500" fill="hold"/>
-                                        <p:tgtEl>
-                                          <p:spTgt spid="5">
-                                            <p:txEl>
-                                              <p:pRg st="0" end="0"/>
-                                            </p:txEl>
-                                          </p:spTgt>
-                                        </p:tgtEl>
-                                        <p:attrNameLst>
-                                          <p:attrName>ppt_w</p:attrName>
-                                        </p:attrNameLst>
-                                      </p:cBhvr>
-                                      <p:tavLst>
-                                        <p:tav tm="0">
-                                          <p:val>
-                                            <p:fltVal val="0"/>
-                                          </p:val>
-                                        </p:tav>
-                                        <p:tav tm="100000">
-                                          <p:val>
-                                            <p:strVal val="#ppt_w"/>
-                                          </p:val>
-                                        </p:tav>
-                                      </p:tavLst>
-                                    </p:anim>
-                                    <p:anim calcmode="lin" valueType="num">
-                                      <p:cBhvr>
-                                        <p:cTn id="8" dur="500" fill="hold"/>
-                                        <p:tgtEl>
-                                          <p:spTgt spid="5">
-                                            <p:txEl>
-                                              <p:pRg st="0" end="0"/>
-                                            </p:txEl>
-                                          </p:spTgt>
-                                        </p:tgtEl>
-                                        <p:attrNameLst>
-                                          <p:attrName>ppt_h</p:attrName>
-                                        </p:attrNameLst>
-                                      </p:cBhvr>
-                                      <p:tavLst>
-                                        <p:tav tm="0">
-                                          <p:val>
-                                            <p:fltVal val="0"/>
-                                          </p:val>
-                                        </p:tav>
-                                        <p:tav tm="100000">
-                                          <p:val>
-                                            <p:strVal val="#ppt_h"/>
-                                          </p:val>
-                                        </p:tav>
-                                      </p:tavLst>
-                                    </p:anim>
-                                    <p:animEffect transition="in" filter="fade">
-                                      <p:cBhvr>
-                                        <p:cTn id="9" dur="500"/>
-                                        <p:tgtEl>
-                                          <p:spTgt spid="5">
-                                            <p:txEl>
-                                              <p:pRg st="0" end="0"/>
-                                            </p:txEl>
-                                          </p:spTgt>
-                                        </p:tgtEl>
-                                      </p:cBhvr>
-                                    </p:animEffect>
-                                  </p:childTnLst>
-                                </p:cTn>
-                              </p:par>
-                            </p:childTnLst>
-                          </p:cTn>
-                        </p:par>
-                      </p:childTnLst>
-                    </p:cTn>
-                  </p:par>
-                  <p:par>
-                    <p:cTn id="10" fill="hold">
-                      <p:stCondLst>
-                        <p:cond delay="indefinite"/>
-                      </p:stCondLst>
-                      <p:childTnLst>
-                        <p:par>
-                          <p:cTn id="11" fill="hold">
-                            <p:stCondLst>
-                              <p:cond delay="0"/>
-                            </p:stCondLst>
-                            <p:childTnLst>
-                              <p:par>
-                                <p:cTn id="12" presetID="22" presetClass="entr" presetSubtype="1" fill="hold" grpId="0" nodeType="clickEffect">
-                                  <p:stCondLst>
-                                    <p:cond delay="0"/>
-                                  </p:stCondLst>
-                                  <p:childTnLst>
-                                    <p:set>
-                                      <p:cBhvr>
-                                        <p:cTn id="13" dur="1" fill="hold">
-                                          <p:stCondLst>
-                                            <p:cond delay="0"/>
-                                          </p:stCondLst>
-                                        </p:cTn>
-                                        <p:tgtEl>
-                                          <p:spTgt spid="55"/>
-                                        </p:tgtEl>
-                                        <p:attrNameLst>
-                                          <p:attrName>style.visibility</p:attrName>
-                                        </p:attrNameLst>
-                                      </p:cBhvr>
-                                      <p:to>
-                                        <p:strVal val="visible"/>
-                                      </p:to>
-                                    </p:set>
-                                    <p:animEffect transition="in" filter="wipe(up)">
-                                      <p:cBhvr>
-                                        <p:cTn id="14" dur="500"/>
-                                        <p:tgtEl>
-                                          <p:spTgt spid="55"/>
-                                        </p:tgtEl>
-                                      </p:cBhvr>
-                                    </p:animEffect>
-                                  </p:childTnLst>
-                                </p:cTn>
-                              </p:par>
-                              <p:par>
-                                <p:cTn id="15" presetID="22" presetClass="entr" presetSubtype="1" fill="hold" nodeType="withEffect">
-                                  <p:stCondLst>
-                                    <p:cond delay="0"/>
-                                  </p:stCondLst>
-                                  <p:childTnLst>
-                                    <p:set>
-                                      <p:cBhvr>
-                                        <p:cTn id="16" dur="1" fill="hold">
-                                          <p:stCondLst>
-                                            <p:cond delay="0"/>
-                                          </p:stCondLst>
-                                        </p:cTn>
-                                        <p:tgtEl>
-                                          <p:spTgt spid="20"/>
-                                        </p:tgtEl>
-                                        <p:attrNameLst>
-                                          <p:attrName>style.visibility</p:attrName>
-                                        </p:attrNameLst>
-                                      </p:cBhvr>
-                                      <p:to>
-                                        <p:strVal val="visible"/>
-                                      </p:to>
-                                    </p:set>
-                                    <p:animEffect transition="in" filter="wipe(up)">
-                                      <p:cBhvr>
-                                        <p:cTn id="17" dur="500"/>
-                                        <p:tgtEl>
-                                          <p:spTgt spid="20"/>
-                                        </p:tgtEl>
-                                      </p:cBhvr>
-                                    </p:animEffect>
-                                  </p:childTnLst>
-                                </p:cTn>
-                              </p:par>
-                            </p:childTnLst>
-                          </p:cTn>
-                        </p:par>
-                      </p:childTnLst>
-                    </p:cTn>
-                  </p:par>
-                  <p:par>
-                    <p:cTn id="18" fill="hold">
-                      <p:stCondLst>
-                        <p:cond delay="indefinite"/>
-                      </p:stCondLst>
-                      <p:childTnLst>
-                        <p:par>
-                          <p:cTn id="19" fill="hold">
-                            <p:stCondLst>
-                              <p:cond delay="0"/>
-                            </p:stCondLst>
-                            <p:childTnLst>
-                              <p:par>
-                                <p:cTn id="20" presetID="22" presetClass="entr" presetSubtype="8" fill="hold" nodeType="clickEffect">
-                                  <p:stCondLst>
-                                    <p:cond delay="0"/>
-                                  </p:stCondLst>
-                                  <p:childTnLst>
-                                    <p:set>
-                                      <p:cBhvr>
-                                        <p:cTn id="21" dur="1" fill="hold">
-                                          <p:stCondLst>
-                                            <p:cond delay="0"/>
-                                          </p:stCondLst>
-                                        </p:cTn>
-                                        <p:tgtEl>
-                                          <p:spTgt spid="56"/>
-                                        </p:tgtEl>
-                                        <p:attrNameLst>
-                                          <p:attrName>style.visibility</p:attrName>
-                                        </p:attrNameLst>
-                                      </p:cBhvr>
-                                      <p:to>
-                                        <p:strVal val="visible"/>
-                                      </p:to>
-                                    </p:set>
-                                    <p:animEffect transition="in" filter="wipe(left)">
-                                      <p:cBhvr>
-                                        <p:cTn id="22" dur="500"/>
-                                        <p:tgtEl>
-                                          <p:spTgt spid="56"/>
-                                        </p:tgtEl>
-                                      </p:cBhvr>
-                                    </p:animEffect>
-                                  </p:childTnLst>
-                                </p:cTn>
-                              </p:par>
-                            </p:childTnLst>
-                          </p:cTn>
-                        </p:par>
-                      </p:childTnLst>
-                    </p:cTn>
-                  </p:par>
-                  <p:par>
-                    <p:cTn id="23" fill="hold">
-                      <p:stCondLst>
-                        <p:cond delay="indefinite"/>
-                      </p:stCondLst>
-                      <p:childTnLst>
-                        <p:par>
-                          <p:cTn id="24" fill="hold">
-                            <p:stCondLst>
-                              <p:cond delay="0"/>
-                            </p:stCondLst>
-                            <p:childTnLst>
-                              <p:par>
-                                <p:cTn id="25" presetID="22" presetClass="entr" presetSubtype="1" fill="hold" nodeType="clickEffect">
-                                  <p:stCondLst>
-                                    <p:cond delay="0"/>
-                                  </p:stCondLst>
-                                  <p:childTnLst>
-                                    <p:set>
-                                      <p:cBhvr>
-                                        <p:cTn id="26" dur="1" fill="hold">
-                                          <p:stCondLst>
-                                            <p:cond delay="0"/>
-                                          </p:stCondLst>
-                                        </p:cTn>
-                                        <p:tgtEl>
-                                          <p:spTgt spid="54"/>
-                                        </p:tgtEl>
-                                        <p:attrNameLst>
-                                          <p:attrName>style.visibility</p:attrName>
-                                        </p:attrNameLst>
-                                      </p:cBhvr>
-                                      <p:to>
-                                        <p:strVal val="visible"/>
-                                      </p:to>
-                                    </p:set>
-                                    <p:animEffect transition="in" filter="wipe(up)">
-                                      <p:cBhvr>
-                                        <p:cTn id="27" dur="500"/>
-                                        <p:tgtEl>
-                                          <p:spTgt spid="54"/>
-                                        </p:tgtEl>
-                                      </p:cBhvr>
-                                    </p:animEffect>
-                                  </p:childTnLst>
-                                </p:cTn>
-                              </p:par>
-                              <p:par>
-                                <p:cTn id="28" presetID="1" presetClass="exit" presetSubtype="0" fill="hold" nodeType="withEffect">
-                                  <p:stCondLst>
-                                    <p:cond delay="0"/>
-                                  </p:stCondLst>
-                                  <p:childTnLst>
-                                    <p:set>
-                                      <p:cBhvr>
-                                        <p:cTn id="29" dur="1" fill="hold">
-                                          <p:stCondLst>
-                                            <p:cond delay="0"/>
-                                          </p:stCondLst>
-                                        </p:cTn>
-                                        <p:tgtEl>
-                                          <p:spTgt spid="56"/>
-                                        </p:tgtEl>
-                                        <p:attrNameLst>
-                                          <p:attrName>style.visibility</p:attrName>
-                                        </p:attrNameLst>
-                                      </p:cBhvr>
-                                      <p:to>
-                                        <p:strVal val="hidden"/>
-                                      </p:to>
-                                    </p:set>
-                                  </p:childTnLst>
-                                </p:cTn>
-                              </p:par>
-                              <p:par>
-                                <p:cTn id="30" presetID="1" presetClass="exit" presetSubtype="0" fill="hold" grpId="1" nodeType="withEffect">
-                                  <p:stCondLst>
-                                    <p:cond delay="0"/>
-                                  </p:stCondLst>
-                                  <p:childTnLst>
-                                    <p:set>
-                                      <p:cBhvr>
-                                        <p:cTn id="31" dur="1" fill="hold">
-                                          <p:stCondLst>
-                                            <p:cond delay="0"/>
-                                          </p:stCondLst>
-                                        </p:cTn>
-                                        <p:tgtEl>
-                                          <p:spTgt spid="55"/>
-                                        </p:tgtEl>
-                                        <p:attrNameLst>
-                                          <p:attrName>style.visibility</p:attrName>
-                                        </p:attrNameLst>
-                                      </p:cBhvr>
-                                      <p:to>
-                                        <p:strVal val="hidden"/>
-                                      </p:to>
-                                    </p:set>
-                                  </p:childTnLst>
-                                </p:cTn>
-                              </p:par>
-                            </p:childTnLst>
-                          </p:cTn>
-                        </p:par>
-                      </p:childTnLst>
-                    </p:cTn>
-                  </p:par>
-                  <p:par>
-                    <p:cTn id="32" fill="hold">
-                      <p:stCondLst>
-                        <p:cond delay="indefinite"/>
-                      </p:stCondLst>
-                      <p:childTnLst>
-                        <p:par>
-                          <p:cTn id="33" fill="hold">
-                            <p:stCondLst>
-                              <p:cond delay="0"/>
-                            </p:stCondLst>
-                            <p:childTnLst>
-                              <p:par>
-                                <p:cTn id="34" presetID="22" presetClass="entr" presetSubtype="2" fill="hold" nodeType="clickEffect">
-                                  <p:stCondLst>
-                                    <p:cond delay="0"/>
-                                  </p:stCondLst>
-                                  <p:childTnLst>
-                                    <p:set>
-                                      <p:cBhvr>
-                                        <p:cTn id="35" dur="1" fill="hold">
-                                          <p:stCondLst>
-                                            <p:cond delay="0"/>
-                                          </p:stCondLst>
-                                        </p:cTn>
-                                        <p:tgtEl>
-                                          <p:spTgt spid="53"/>
-                                        </p:tgtEl>
-                                        <p:attrNameLst>
-                                          <p:attrName>style.visibility</p:attrName>
-                                        </p:attrNameLst>
-                                      </p:cBhvr>
-                                      <p:to>
-                                        <p:strVal val="visible"/>
-                                      </p:to>
-                                    </p:set>
-                                    <p:animEffect transition="in" filter="wipe(right)">
-                                      <p:cBhvr>
-                                        <p:cTn id="36" dur="500"/>
-                                        <p:tgtEl>
-                                          <p:spTgt spid="53"/>
-                                        </p:tgtEl>
-                                      </p:cBhvr>
-                                    </p:animEffect>
-                                  </p:childTnLst>
-                                </p:cTn>
-                              </p:par>
-                            </p:childTnLst>
-                          </p:cTn>
-                        </p:par>
-                      </p:childTnLst>
-                    </p:cTn>
-                  </p:par>
-                  <p:par>
-                    <p:cTn id="37" fill="hold">
-                      <p:stCondLst>
-                        <p:cond delay="indefinite"/>
-                      </p:stCondLst>
-                      <p:childTnLst>
-                        <p:par>
-                          <p:cTn id="38" fill="hold">
-                            <p:stCondLst>
-                              <p:cond delay="0"/>
-                            </p:stCondLst>
-                            <p:childTnLst>
-                              <p:par>
-                                <p:cTn id="39" presetID="10" presetClass="entr" presetSubtype="0" fill="hold" grpId="0" nodeType="clickEffect">
-                                  <p:stCondLst>
-                                    <p:cond delay="0"/>
-                                  </p:stCondLst>
-                                  <p:childTnLst>
-                                    <p:set>
-                                      <p:cBhvr>
-                                        <p:cTn id="40" dur="1" fill="hold">
-                                          <p:stCondLst>
-                                            <p:cond delay="0"/>
-                                          </p:stCondLst>
-                                        </p:cTn>
-                                        <p:tgtEl>
-                                          <p:spTgt spid="28"/>
-                                        </p:tgtEl>
-                                        <p:attrNameLst>
-                                          <p:attrName>style.visibility</p:attrName>
-                                        </p:attrNameLst>
-                                      </p:cBhvr>
-                                      <p:to>
-                                        <p:strVal val="visible"/>
-                                      </p:to>
-                                    </p:set>
-                                    <p:animEffect transition="in" filter="fade">
-                                      <p:cBhvr>
-                                        <p:cTn id="41" dur="500"/>
-                                        <p:tgtEl>
-                                          <p:spTgt spid="28"/>
-                                        </p:tgtEl>
-                                      </p:cBhvr>
-                                    </p:animEffect>
-                                  </p:childTnLst>
-                                </p:cTn>
-                              </p:par>
-                            </p:childTnLst>
-                          </p:cTn>
-                        </p:par>
-                      </p:childTnLst>
-                    </p:cTn>
-                  </p:par>
-                </p:childTnLst>
-              </p:cTn>
-              <p:prevCondLst>
-                <p:cond evt="onPrev" delay="0">
-                  <p:tgtEl>
-                    <p:sldTgt/>
-                  </p:tgtEl>
-                </p:cond>
-              </p:prevCondLst>
-              <p:nextCondLst>
-                <p:cond evt="onNext" delay="0">
-                  <p:tgtEl>
-                    <p:sldTgt/>
-                  </p:tgtEl>
-                </p:cond>
-              </p:nextCondLst>
-            </p:seq>
-          </p:childTnLst>
-        </p:cTn>
+        <p:cTn id="1" dur="indefinite" restart="never" nodeType="tmRoot"/>
       </p:par>
     </p:tnLst>
-    <p:bldLst>
-      <p:bldP spid="55" grpId="0"/>
-      <p:bldP spid="55" grpId="1"/>
-      <p:bldP spid="28" grpId="0"/>
-    </p:bldLst>
   </p:timing>
 </p:sld>
 </file>
@@ -14680,365 +13268,12 @@
             <p:ph type="title"/>
           </p:nvPr>
         </p:nvSpPr>
-        <p:spPr/>
-        <p:txBody>
-          <a:bodyPr/>
-          <a:lstStyle/>
-          <a:p>
-            <a:r>
-              <a:rPr lang="ru-RU" dirty="0" smtClean="0"/>
-              <a:t>Преимущества </a:t>
-            </a:r>
-            <a:r>
-              <a:rPr lang="en-US" dirty="0" smtClean="0"/>
-              <a:t>mock </a:t>
-            </a:r>
-            <a:r>
-              <a:rPr lang="ru-RU" dirty="0" smtClean="0"/>
-              <a:t>объектов</a:t>
-            </a:r>
-            <a:endParaRPr lang="ru-RU" dirty="0"/>
-          </a:p>
-        </p:txBody>
-      </p:sp>
-      <p:sp>
-        <p:nvSpPr>
-          <p:cNvPr id="3" name="Объект 2"/>
-          <p:cNvSpPr>
-            <a:spLocks noGrp="1"/>
-          </p:cNvSpPr>
-          <p:nvPr>
-            <p:ph idx="1"/>
-          </p:nvPr>
-        </p:nvSpPr>
-        <p:spPr/>
-        <p:txBody>
-          <a:bodyPr/>
-          <a:lstStyle/>
-          <a:p>
-            <a:r>
-              <a:rPr lang="ru-RU" dirty="0" smtClean="0"/>
-              <a:t>Могут запоминать, какие методы </a:t>
-            </a:r>
-            <a:r>
-              <a:rPr lang="ru-RU" dirty="0" smtClean="0"/>
-              <a:t>вызывались, и </a:t>
-            </a:r>
-            <a:r>
-              <a:rPr lang="ru-RU" dirty="0" smtClean="0"/>
-              <a:t>с какими параметрами</a:t>
-            </a:r>
-          </a:p>
-          <a:p>
-            <a:r>
-              <a:rPr lang="ru-RU" dirty="0" smtClean="0"/>
-              <a:t>Можно навесить «обработчик событий» на вызов </a:t>
-            </a:r>
-            <a:r>
-              <a:rPr lang="ru-RU" dirty="0" smtClean="0"/>
-              <a:t>метода, </a:t>
-            </a:r>
-            <a:r>
-              <a:rPr lang="ru-RU" dirty="0" smtClean="0"/>
-              <a:t>и сохранить его параметр в локальную переменную</a:t>
-            </a:r>
-            <a:endParaRPr lang="en-US" dirty="0" smtClean="0"/>
-          </a:p>
-          <a:p>
-            <a:r>
-              <a:rPr lang="ru-RU" dirty="0" smtClean="0"/>
-              <a:t>Можно указать, какие значения нужно </a:t>
-            </a:r>
-            <a:r>
-              <a:rPr lang="ru-RU" dirty="0" smtClean="0"/>
-              <a:t>возвращать </a:t>
-            </a:r>
-            <a:r>
-              <a:rPr lang="ru-RU" dirty="0" smtClean="0"/>
-              <a:t>при вызове методов</a:t>
-            </a:r>
-            <a:endParaRPr lang="ru-RU" dirty="0"/>
-          </a:p>
-        </p:txBody>
-      </p:sp>
-    </p:spTree>
-    <p:extLst>
-      <p:ext uri="{BB962C8B-B14F-4D97-AF65-F5344CB8AC3E}">
-        <p14:creationId xmlns:p14="http://schemas.microsoft.com/office/powerpoint/2010/main" val="1559943341"/>
-      </p:ext>
-    </p:extLst>
-  </p:cSld>
-  <p:clrMapOvr>
-    <a:masterClrMapping/>
-  </p:clrMapOvr>
-  <p:timing>
-    <p:tnLst>
-      <p:par>
-        <p:cTn id="1" dur="indefinite" restart="never" nodeType="tmRoot"/>
-      </p:par>
-    </p:tnLst>
-  </p:timing>
-</p:sld>
-</file>
-
-<file path=ppt/slides/slide13.xml><?xml version="1.0" encoding="utf-8"?>
-<p:sld xmlns:a="http://schemas.openxmlformats.org/drawingml/2006/main" xmlns:r="http://schemas.openxmlformats.org/officeDocument/2006/relationships" xmlns:p="http://schemas.openxmlformats.org/presentationml/2006/main">
-  <p:cSld>
-    <p:spTree>
-      <p:nvGrpSpPr>
-        <p:cNvPr id="1" name=""/>
-        <p:cNvGrpSpPr/>
-        <p:nvPr/>
-      </p:nvGrpSpPr>
-      <p:grpSpPr>
-        <a:xfrm>
-          <a:off x="0" y="0"/>
-          <a:ext cx="0" cy="0"/>
-          <a:chOff x="0" y="0"/>
-          <a:chExt cx="0" cy="0"/>
-        </a:xfrm>
-      </p:grpSpPr>
-      <p:sp>
-        <p:nvSpPr>
-          <p:cNvPr id="2" name="Заголовок 1"/>
-          <p:cNvSpPr>
-            <a:spLocks noGrp="1"/>
-          </p:cNvSpPr>
-          <p:nvPr>
-            <p:ph type="title"/>
-          </p:nvPr>
-        </p:nvSpPr>
-        <p:spPr/>
-        <p:txBody>
-          <a:bodyPr/>
-          <a:lstStyle/>
-          <a:p>
-            <a:r>
-              <a:rPr lang="ru-RU" dirty="0" smtClean="0"/>
-              <a:t>Дополнительные ПРИМЕРЫ</a:t>
-            </a:r>
-            <a:endParaRPr lang="ru-RU" dirty="0"/>
-          </a:p>
-        </p:txBody>
-      </p:sp>
-      <p:sp>
-        <p:nvSpPr>
-          <p:cNvPr id="3" name="Объект 2"/>
-          <p:cNvSpPr>
-            <a:spLocks noGrp="1"/>
-          </p:cNvSpPr>
-          <p:nvPr>
-            <p:ph idx="1"/>
-          </p:nvPr>
-        </p:nvSpPr>
-        <p:spPr/>
-        <p:txBody>
-          <a:bodyPr/>
-          <a:lstStyle/>
-          <a:p>
-            <a:pPr marL="0" indent="0">
-              <a:buNone/>
-            </a:pPr>
-            <a:r>
-              <a:rPr lang="ru-RU" dirty="0" smtClean="0"/>
-              <a:t>Рассмотрим дополнительные примеры</a:t>
-            </a:r>
-          </a:p>
-          <a:p>
-            <a:r>
-              <a:rPr lang="ru-RU" dirty="0" smtClean="0"/>
-              <a:t>Решение проблемы дублирования кода в юнит тестах</a:t>
-            </a:r>
-            <a:endParaRPr lang="en-US" dirty="0" smtClean="0"/>
-          </a:p>
-          <a:p>
-            <a:r>
-              <a:rPr lang="ru-RU" dirty="0"/>
-              <a:t>Настройка механизма внедрения </a:t>
-            </a:r>
-            <a:r>
-              <a:rPr lang="ru-RU" dirty="0" smtClean="0"/>
-              <a:t>зависимостей</a:t>
-            </a:r>
-            <a:endParaRPr lang="en-US" dirty="0" smtClean="0"/>
-          </a:p>
-          <a:p>
-            <a:r>
-              <a:rPr lang="ru-RU" dirty="0" smtClean="0"/>
-              <a:t>Интеграционные тесты</a:t>
-            </a:r>
-            <a:endParaRPr lang="ru-RU" dirty="0"/>
-          </a:p>
-          <a:p>
-            <a:pPr marL="0" indent="0">
-              <a:buNone/>
-            </a:pPr>
-            <a:endParaRPr lang="ru-RU" dirty="0"/>
-          </a:p>
-        </p:txBody>
-      </p:sp>
-    </p:spTree>
-    <p:extLst>
-      <p:ext uri="{BB962C8B-B14F-4D97-AF65-F5344CB8AC3E}">
-        <p14:creationId xmlns:p14="http://schemas.microsoft.com/office/powerpoint/2010/main" val="2821792313"/>
-      </p:ext>
-    </p:extLst>
-  </p:cSld>
-  <p:clrMapOvr>
-    <a:masterClrMapping/>
-  </p:clrMapOvr>
-  <p:timing>
-    <p:tnLst>
-      <p:par>
-        <p:cTn id="1" dur="indefinite" restart="never" nodeType="tmRoot"/>
-      </p:par>
-    </p:tnLst>
-  </p:timing>
-</p:sld>
-</file>
-
-<file path=ppt/slides/slide14.xml><?xml version="1.0" encoding="utf-8"?>
-<p:sld xmlns:a="http://schemas.openxmlformats.org/drawingml/2006/main" xmlns:r="http://schemas.openxmlformats.org/officeDocument/2006/relationships" xmlns:p="http://schemas.openxmlformats.org/presentationml/2006/main">
-  <p:cSld>
-    <p:spTree>
-      <p:nvGrpSpPr>
-        <p:cNvPr id="1" name=""/>
-        <p:cNvGrpSpPr/>
-        <p:nvPr/>
-      </p:nvGrpSpPr>
-      <p:grpSpPr>
-        <a:xfrm>
-          <a:off x="0" y="0"/>
-          <a:ext cx="0" cy="0"/>
-          <a:chOff x="0" y="0"/>
-          <a:chExt cx="0" cy="0"/>
-        </a:xfrm>
-      </p:grpSpPr>
-      <p:sp>
-        <p:nvSpPr>
-          <p:cNvPr id="2" name="Заголовок 1"/>
-          <p:cNvSpPr>
-            <a:spLocks noGrp="1"/>
-          </p:cNvSpPr>
-          <p:nvPr>
-            <p:ph type="title"/>
-          </p:nvPr>
-        </p:nvSpPr>
-        <p:spPr/>
-        <p:txBody>
-          <a:bodyPr/>
-          <a:lstStyle/>
-          <a:p>
-            <a:r>
-              <a:rPr lang="ru-RU" dirty="0" smtClean="0"/>
-              <a:t>ИТОГ</a:t>
-            </a:r>
-            <a:endParaRPr lang="ru-RU" dirty="0"/>
-          </a:p>
-        </p:txBody>
-      </p:sp>
-      <p:sp>
-        <p:nvSpPr>
-          <p:cNvPr id="3" name="Объект 2"/>
-          <p:cNvSpPr>
-            <a:spLocks noGrp="1"/>
-          </p:cNvSpPr>
-          <p:nvPr>
-            <p:ph idx="1"/>
-          </p:nvPr>
-        </p:nvSpPr>
-        <p:spPr/>
-        <p:txBody>
-          <a:bodyPr>
-            <a:normAutofit/>
-          </a:bodyPr>
-          <a:lstStyle/>
-          <a:p>
-            <a:r>
-              <a:rPr lang="ru-RU" dirty="0" smtClean="0"/>
-              <a:t>Рекомендуется попробовать использовать юнит-тесты в своих программах. Для начала лучше написать несколько тестов без </a:t>
-            </a:r>
-            <a:r>
-              <a:rPr lang="en-US" dirty="0" smtClean="0"/>
-              <a:t>mock </a:t>
-            </a:r>
-            <a:r>
-              <a:rPr lang="ru-RU" dirty="0" smtClean="0"/>
-              <a:t>объектов, потом перейти к </a:t>
-            </a:r>
-            <a:r>
-              <a:rPr lang="en-US" dirty="0"/>
-              <a:t>mock </a:t>
-            </a:r>
-            <a:r>
-              <a:rPr lang="ru-RU" dirty="0" smtClean="0"/>
-              <a:t>объектам</a:t>
-            </a:r>
-          </a:p>
-          <a:p>
-            <a:r>
-              <a:rPr lang="ru-RU" dirty="0" smtClean="0"/>
-              <a:t>При разделении классов на модули следует выделить слой </a:t>
-            </a:r>
-            <a:r>
-              <a:rPr lang="en-US" dirty="0" smtClean="0"/>
-              <a:t>DAL</a:t>
-            </a:r>
-            <a:r>
-              <a:rPr lang="ru-RU" dirty="0" smtClean="0"/>
-              <a:t>, а в сложных ситуациях – использовать паттерны ООП</a:t>
-            </a:r>
-          </a:p>
-        </p:txBody>
-      </p:sp>
-    </p:spTree>
-    <p:extLst>
-      <p:ext uri="{BB962C8B-B14F-4D97-AF65-F5344CB8AC3E}">
-        <p14:creationId xmlns:p14="http://schemas.microsoft.com/office/powerpoint/2010/main" val="3315787455"/>
-      </p:ext>
-    </p:extLst>
-  </p:cSld>
-  <p:clrMapOvr>
-    <a:masterClrMapping/>
-  </p:clrMapOvr>
-  <p:timing>
-    <p:tnLst>
-      <p:par>
-        <p:cTn id="1" dur="indefinite" restart="never" nodeType="tmRoot"/>
-      </p:par>
-    </p:tnLst>
-  </p:timing>
-</p:sld>
-</file>
-
-<file path=ppt/slides/slide15.xml><?xml version="1.0" encoding="utf-8"?>
-<p:sld xmlns:a="http://schemas.openxmlformats.org/drawingml/2006/main" xmlns:r="http://schemas.openxmlformats.org/officeDocument/2006/relationships" xmlns:p="http://schemas.openxmlformats.org/presentationml/2006/main">
-  <p:cSld>
-    <p:spTree>
-      <p:nvGrpSpPr>
-        <p:cNvPr id="1" name=""/>
-        <p:cNvGrpSpPr/>
-        <p:nvPr/>
-      </p:nvGrpSpPr>
-      <p:grpSpPr>
-        <a:xfrm>
-          <a:off x="0" y="0"/>
-          <a:ext cx="0" cy="0"/>
-          <a:chOff x="0" y="0"/>
-          <a:chExt cx="0" cy="0"/>
-        </a:xfrm>
-      </p:grpSpPr>
-      <p:sp>
-        <p:nvSpPr>
-          <p:cNvPr id="2" name="Заголовок 1"/>
-          <p:cNvSpPr>
-            <a:spLocks noGrp="1"/>
-          </p:cNvSpPr>
-          <p:nvPr>
-            <p:ph type="title"/>
-          </p:nvPr>
-        </p:nvSpPr>
-        <p:spPr/>
+        <p:spPr>
+          <a:xfrm>
+            <a:off x="236440" y="2145661"/>
+            <a:ext cx="9905998" cy="1478570"/>
+          </a:xfrm>
+        </p:spPr>
         <p:txBody>
           <a:bodyPr/>
           <a:lstStyle/>
@@ -15073,331 +13308,6 @@
 </file>
 
 <file path=ppt/slides/slide2.xml><?xml version="1.0" encoding="utf-8"?>
-<p:sld xmlns:a="http://schemas.openxmlformats.org/drawingml/2006/main" xmlns:r="http://schemas.openxmlformats.org/officeDocument/2006/relationships" xmlns:p="http://schemas.openxmlformats.org/presentationml/2006/main">
-  <p:cSld>
-    <p:spTree>
-      <p:nvGrpSpPr>
-        <p:cNvPr id="1" name=""/>
-        <p:cNvGrpSpPr/>
-        <p:nvPr/>
-      </p:nvGrpSpPr>
-      <p:grpSpPr>
-        <a:xfrm>
-          <a:off x="0" y="0"/>
-          <a:ext cx="0" cy="0"/>
-          <a:chOff x="0" y="0"/>
-          <a:chExt cx="0" cy="0"/>
-        </a:xfrm>
-      </p:grpSpPr>
-      <p:sp>
-        <p:nvSpPr>
-          <p:cNvPr id="2" name="Заголовок 1"/>
-          <p:cNvSpPr>
-            <a:spLocks noGrp="1"/>
-          </p:cNvSpPr>
-          <p:nvPr>
-            <p:ph type="title"/>
-          </p:nvPr>
-        </p:nvSpPr>
-        <p:spPr/>
-        <p:txBody>
-          <a:bodyPr/>
-          <a:lstStyle/>
-          <a:p>
-            <a:r>
-              <a:rPr lang="ru-RU" dirty="0" smtClean="0"/>
-              <a:t>О себе</a:t>
-            </a:r>
-            <a:endParaRPr lang="ru-RU" dirty="0"/>
-          </a:p>
-        </p:txBody>
-      </p:sp>
-      <p:sp>
-        <p:nvSpPr>
-          <p:cNvPr id="3" name="Объект 2"/>
-          <p:cNvSpPr>
-            <a:spLocks noGrp="1"/>
-          </p:cNvSpPr>
-          <p:nvPr>
-            <p:ph idx="1"/>
-          </p:nvPr>
-        </p:nvSpPr>
-        <p:spPr/>
-        <p:txBody>
-          <a:bodyPr/>
-          <a:lstStyle/>
-          <a:p>
-            <a:r>
-              <a:rPr lang="ru-RU" dirty="0" smtClean="0"/>
-              <a:t>Работаю программистом 17 лет</a:t>
-            </a:r>
-          </a:p>
-          <a:p>
-            <a:r>
-              <a:rPr lang="ru-RU" dirty="0" smtClean="0"/>
-              <a:t>В </a:t>
-            </a:r>
-            <a:r>
-              <a:rPr lang="ru-RU" dirty="0"/>
-              <a:t>«</a:t>
-            </a:r>
-            <a:r>
-              <a:rPr lang="ru-RU" dirty="0" err="1"/>
-              <a:t>тинькофф</a:t>
-            </a:r>
-            <a:r>
-              <a:rPr lang="ru-RU" dirty="0" smtClean="0"/>
-              <a:t>» месяц</a:t>
-            </a:r>
-          </a:p>
-          <a:p>
-            <a:r>
-              <a:rPr lang="ru-RU" dirty="0" smtClean="0"/>
-              <a:t>Автор канала «Советы программисту» </a:t>
-            </a:r>
-            <a:r>
-              <a:rPr lang="en-US" dirty="0">
-                <a:hlinkClick r:id="rId2"/>
-              </a:rPr>
-              <a:t>https://www.youtube.com/@</a:t>
-            </a:r>
-            <a:r>
-              <a:rPr lang="en-US" dirty="0" smtClean="0">
-                <a:hlinkClick r:id="rId2"/>
-              </a:rPr>
-              <a:t>serega_r</a:t>
-            </a:r>
-            <a:endParaRPr lang="ru-RU" dirty="0" smtClean="0"/>
-          </a:p>
-        </p:txBody>
-      </p:sp>
-    </p:spTree>
-    <p:extLst>
-      <p:ext uri="{BB962C8B-B14F-4D97-AF65-F5344CB8AC3E}">
-        <p14:creationId xmlns:p14="http://schemas.microsoft.com/office/powerpoint/2010/main" val="2071766383"/>
-      </p:ext>
-    </p:extLst>
-  </p:cSld>
-  <p:clrMapOvr>
-    <a:masterClrMapping/>
-  </p:clrMapOvr>
-  <p:timing>
-    <p:tnLst>
-      <p:par>
-        <p:cTn id="1" dur="indefinite" restart="never" nodeType="tmRoot"/>
-      </p:par>
-    </p:tnLst>
-  </p:timing>
-</p:sld>
-</file>
-
-<file path=ppt/slides/slide3.xml><?xml version="1.0" encoding="utf-8"?>
-<p:sld xmlns:a="http://schemas.openxmlformats.org/drawingml/2006/main" xmlns:r="http://schemas.openxmlformats.org/officeDocument/2006/relationships" xmlns:p="http://schemas.openxmlformats.org/presentationml/2006/main">
-  <p:cSld>
-    <p:spTree>
-      <p:nvGrpSpPr>
-        <p:cNvPr id="1" name=""/>
-        <p:cNvGrpSpPr/>
-        <p:nvPr/>
-      </p:nvGrpSpPr>
-      <p:grpSpPr>
-        <a:xfrm>
-          <a:off x="0" y="0"/>
-          <a:ext cx="0" cy="0"/>
-          <a:chOff x="0" y="0"/>
-          <a:chExt cx="0" cy="0"/>
-        </a:xfrm>
-      </p:grpSpPr>
-      <p:sp>
-        <p:nvSpPr>
-          <p:cNvPr id="2" name="Заголовок 1"/>
-          <p:cNvSpPr>
-            <a:spLocks noGrp="1"/>
-          </p:cNvSpPr>
-          <p:nvPr>
-            <p:ph type="title"/>
-          </p:nvPr>
-        </p:nvSpPr>
-        <p:spPr/>
-        <p:txBody>
-          <a:bodyPr/>
-          <a:lstStyle/>
-          <a:p>
-            <a:r>
-              <a:rPr lang="ru-RU" dirty="0" smtClean="0"/>
-              <a:t>материалы</a:t>
-            </a:r>
-            <a:endParaRPr lang="ru-RU" dirty="0"/>
-          </a:p>
-        </p:txBody>
-      </p:sp>
-      <p:sp>
-        <p:nvSpPr>
-          <p:cNvPr id="3" name="Объект 2"/>
-          <p:cNvSpPr>
-            <a:spLocks noGrp="1"/>
-          </p:cNvSpPr>
-          <p:nvPr>
-            <p:ph idx="1"/>
-          </p:nvPr>
-        </p:nvSpPr>
-        <p:spPr/>
-        <p:txBody>
-          <a:bodyPr/>
-          <a:lstStyle/>
-          <a:p>
-            <a:r>
-              <a:rPr lang="ru-RU" dirty="0" smtClean="0"/>
-              <a:t>Курс </a:t>
-            </a:r>
-            <a:r>
-              <a:rPr lang="en-US" dirty="0" smtClean="0"/>
-              <a:t>ITDN</a:t>
-            </a:r>
-            <a:r>
-              <a:rPr lang="ru-RU" dirty="0" smtClean="0"/>
-              <a:t> «Юнит тестирование в </a:t>
-            </a:r>
-            <a:r>
-              <a:rPr lang="en-US" dirty="0" smtClean="0"/>
-              <a:t>C#</a:t>
-            </a:r>
-            <a:r>
-              <a:rPr lang="ru-RU" dirty="0" smtClean="0"/>
-              <a:t>»</a:t>
-            </a:r>
-          </a:p>
-          <a:p>
-            <a:r>
-              <a:rPr lang="ru-RU" dirty="0" smtClean="0"/>
-              <a:t>Эта презентация с примерами </a:t>
-            </a:r>
-            <a:r>
-              <a:rPr lang="en-US" dirty="0">
-                <a:hlinkClick r:id="rId2"/>
-              </a:rPr>
-              <a:t>https://github.com/sergeyryskulov/Presentations</a:t>
-            </a:r>
-            <a:endParaRPr lang="en-US" dirty="0" smtClean="0"/>
-          </a:p>
-          <a:p>
-            <a:endParaRPr lang="ru-RU" dirty="0" smtClean="0"/>
-          </a:p>
-          <a:p>
-            <a:endParaRPr lang="ru-RU" dirty="0"/>
-          </a:p>
-        </p:txBody>
-      </p:sp>
-    </p:spTree>
-    <p:extLst>
-      <p:ext uri="{BB962C8B-B14F-4D97-AF65-F5344CB8AC3E}">
-        <p14:creationId xmlns:p14="http://schemas.microsoft.com/office/powerpoint/2010/main" val="995726357"/>
-      </p:ext>
-    </p:extLst>
-  </p:cSld>
-  <p:clrMapOvr>
-    <a:masterClrMapping/>
-  </p:clrMapOvr>
-  <p:timing>
-    <p:tnLst>
-      <p:par>
-        <p:cTn id="1" dur="indefinite" restart="never" nodeType="tmRoot"/>
-      </p:par>
-    </p:tnLst>
-  </p:timing>
-</p:sld>
-</file>
-
-<file path=ppt/slides/slide4.xml><?xml version="1.0" encoding="utf-8"?>
-<p:sld xmlns:a="http://schemas.openxmlformats.org/drawingml/2006/main" xmlns:r="http://schemas.openxmlformats.org/officeDocument/2006/relationships" xmlns:p="http://schemas.openxmlformats.org/presentationml/2006/main">
-  <p:cSld>
-    <p:spTree>
-      <p:nvGrpSpPr>
-        <p:cNvPr id="1" name=""/>
-        <p:cNvGrpSpPr/>
-        <p:nvPr/>
-      </p:nvGrpSpPr>
-      <p:grpSpPr>
-        <a:xfrm>
-          <a:off x="0" y="0"/>
-          <a:ext cx="0" cy="0"/>
-          <a:chOff x="0" y="0"/>
-          <a:chExt cx="0" cy="0"/>
-        </a:xfrm>
-      </p:grpSpPr>
-      <p:sp>
-        <p:nvSpPr>
-          <p:cNvPr id="2" name="Заголовок 1"/>
-          <p:cNvSpPr>
-            <a:spLocks noGrp="1"/>
-          </p:cNvSpPr>
-          <p:nvPr>
-            <p:ph type="title"/>
-          </p:nvPr>
-        </p:nvSpPr>
-        <p:spPr/>
-        <p:txBody>
-          <a:bodyPr/>
-          <a:lstStyle/>
-          <a:p>
-            <a:r>
-              <a:rPr lang="ru-RU" dirty="0" smtClean="0"/>
-              <a:t>ВАШЕ МНЕНИЕ</a:t>
-            </a:r>
-            <a:endParaRPr lang="ru-RU" dirty="0"/>
-          </a:p>
-        </p:txBody>
-      </p:sp>
-      <p:sp>
-        <p:nvSpPr>
-          <p:cNvPr id="3" name="Объект 2"/>
-          <p:cNvSpPr>
-            <a:spLocks noGrp="1"/>
-          </p:cNvSpPr>
-          <p:nvPr>
-            <p:ph idx="1"/>
-          </p:nvPr>
-        </p:nvSpPr>
-        <p:spPr/>
-        <p:txBody>
-          <a:bodyPr/>
-          <a:lstStyle/>
-          <a:p>
-            <a:r>
-              <a:rPr lang="ru-RU" dirty="0" smtClean="0"/>
-              <a:t>Что такое юнит тест?</a:t>
-            </a:r>
-          </a:p>
-          <a:p>
-            <a:r>
-              <a:rPr lang="ru-RU" dirty="0" smtClean="0"/>
-              <a:t>Плюсы и минусы юнит тестов?</a:t>
-            </a:r>
-            <a:endParaRPr lang="ru-RU" dirty="0"/>
-          </a:p>
-        </p:txBody>
-      </p:sp>
-    </p:spTree>
-    <p:extLst>
-      <p:ext uri="{BB962C8B-B14F-4D97-AF65-F5344CB8AC3E}">
-        <p14:creationId xmlns:p14="http://schemas.microsoft.com/office/powerpoint/2010/main" val="2922511793"/>
-      </p:ext>
-    </p:extLst>
-  </p:cSld>
-  <p:clrMapOvr>
-    <a:masterClrMapping/>
-  </p:clrMapOvr>
-  <p:timing>
-    <p:tnLst>
-      <p:par>
-        <p:cTn id="1" dur="indefinite" restart="never" nodeType="tmRoot"/>
-      </p:par>
-    </p:tnLst>
-  </p:timing>
-</p:sld>
-</file>
-
-<file path=ppt/slides/slide5.xml><?xml version="1.0" encoding="utf-8"?>
 <p:sld xmlns:a="http://schemas.openxmlformats.org/drawingml/2006/main" xmlns:r="http://schemas.openxmlformats.org/officeDocument/2006/relationships" xmlns:p="http://schemas.openxmlformats.org/presentationml/2006/main">
   <p:cSld>
     <p:spTree>
@@ -15500,7 +13410,7 @@
 </p:sld>
 </file>
 
-<file path=ppt/slides/slide6.xml><?xml version="1.0" encoding="utf-8"?>
+<file path=ppt/slides/slide3.xml><?xml version="1.0" encoding="utf-8"?>
 <p:sld xmlns:a="http://schemas.openxmlformats.org/drawingml/2006/main" xmlns:r="http://schemas.openxmlformats.org/officeDocument/2006/relationships" xmlns:p="http://schemas.openxmlformats.org/presentationml/2006/main">
   <p:cSld>
     <p:spTree>
@@ -15589,7 +13499,7 @@
 </p:sld>
 </file>
 
-<file path=ppt/slides/slide7.xml><?xml version="1.0" encoding="utf-8"?>
+<file path=ppt/slides/slide4.xml><?xml version="1.0" encoding="utf-8"?>
 <p:sld xmlns:a="http://schemas.openxmlformats.org/drawingml/2006/main" xmlns:r="http://schemas.openxmlformats.org/officeDocument/2006/relationships" xmlns:p="http://schemas.openxmlformats.org/presentationml/2006/main">
   <p:cSld>
     <p:spTree>
@@ -16532,11 +14442,7 @@
           <a:p>
             <a:r>
               <a:rPr lang="ru-RU" dirty="0" smtClean="0"/>
-              <a:t>Юнит тесты создают </a:t>
-            </a:r>
-            <a:r>
-              <a:rPr lang="ru-RU" dirty="0" smtClean="0"/>
-              <a:t>окружение</a:t>
+              <a:t>Юнит тесты создают окружение…</a:t>
             </a:r>
             <a:endParaRPr lang="ru-RU" dirty="0"/>
           </a:p>
@@ -16562,7 +14468,7 @@
 </p:sld>
 </file>
 
-<file path=ppt/slides/slide8.xml><?xml version="1.0" encoding="utf-8"?>
+<file path=ppt/slides/slide5.xml><?xml version="1.0" encoding="utf-8"?>
 <p:sld xmlns:a="http://schemas.openxmlformats.org/drawingml/2006/main" xmlns:r="http://schemas.openxmlformats.org/officeDocument/2006/relationships" xmlns:p="http://schemas.openxmlformats.org/presentationml/2006/main">
   <p:cSld>
     <p:spTree>
@@ -16601,7 +14507,7 @@
           <a:p>
             <a:r>
               <a:rPr lang="ru-RU" dirty="0" smtClean="0"/>
-              <a:t>И</a:t>
+              <a:t>…И</a:t>
             </a:r>
             <a:r>
               <a:rPr lang="en-US" dirty="0" smtClean="0"/>
@@ -16609,19 +14515,7 @@
             </a:r>
             <a:r>
               <a:rPr lang="ru-RU" dirty="0" smtClean="0"/>
-              <a:t>обеспе</a:t>
-            </a:r>
-            <a:r>
-              <a:rPr lang="ru-RU" dirty="0" smtClean="0"/>
-              <a:t>чивают</a:t>
-            </a:r>
-            <a:r>
-              <a:rPr lang="ru-RU" dirty="0" smtClean="0"/>
-              <a:t> </a:t>
-            </a:r>
-            <a:r>
-              <a:rPr lang="ru-RU" dirty="0" smtClean="0"/>
-              <a:t>Надежный каркас</a:t>
+              <a:t>обеспечивают Надежный каркас</a:t>
             </a:r>
             <a:endParaRPr lang="ru-RU" dirty="0"/>
           </a:p>
@@ -16655,6 +14549,1749 @@
     <p:extLst>
       <p:ext uri="{BB962C8B-B14F-4D97-AF65-F5344CB8AC3E}">
         <p14:creationId xmlns:p14="http://schemas.microsoft.com/office/powerpoint/2010/main" val="1144020547"/>
+      </p:ext>
+    </p:extLst>
+  </p:cSld>
+  <p:clrMapOvr>
+    <a:masterClrMapping/>
+  </p:clrMapOvr>
+  <p:timing>
+    <p:tnLst>
+      <p:par>
+        <p:cTn id="1" dur="indefinite" restart="never" nodeType="tmRoot"/>
+      </p:par>
+    </p:tnLst>
+  </p:timing>
+</p:sld>
+</file>
+
+<file path=ppt/slides/slide6.xml><?xml version="1.0" encoding="utf-8"?>
+<p:sld xmlns:a="http://schemas.openxmlformats.org/drawingml/2006/main" xmlns:r="http://schemas.openxmlformats.org/officeDocument/2006/relationships" xmlns:p="http://schemas.openxmlformats.org/presentationml/2006/main">
+  <p:cSld>
+    <p:spTree>
+      <p:nvGrpSpPr>
+        <p:cNvPr id="1" name=""/>
+        <p:cNvGrpSpPr/>
+        <p:nvPr/>
+      </p:nvGrpSpPr>
+      <p:grpSpPr>
+        <a:xfrm>
+          <a:off x="0" y="0"/>
+          <a:ext cx="0" cy="0"/>
+          <a:chOff x="0" y="0"/>
+          <a:chExt cx="0" cy="0"/>
+        </a:xfrm>
+      </p:grpSpPr>
+      <p:sp>
+        <p:nvSpPr>
+          <p:cNvPr id="2" name="Заголовок 1"/>
+          <p:cNvSpPr>
+            <a:spLocks noGrp="1"/>
+          </p:cNvSpPr>
+          <p:nvPr>
+            <p:ph type="title"/>
+          </p:nvPr>
+        </p:nvSpPr>
+        <p:spPr/>
+        <p:txBody>
+          <a:bodyPr/>
+          <a:lstStyle/>
+          <a:p>
+            <a:r>
+              <a:rPr lang="ru-RU" dirty="0" smtClean="0"/>
+              <a:t>Примеры</a:t>
+            </a:r>
+            <a:endParaRPr lang="ru-RU" dirty="0"/>
+          </a:p>
+        </p:txBody>
+      </p:sp>
+      <p:sp>
+        <p:nvSpPr>
+          <p:cNvPr id="3" name="Объект 2"/>
+          <p:cNvSpPr>
+            <a:spLocks noGrp="1"/>
+          </p:cNvSpPr>
+          <p:nvPr>
+            <p:ph idx="1"/>
+          </p:nvPr>
+        </p:nvSpPr>
+        <p:spPr/>
+        <p:txBody>
+          <a:bodyPr/>
+          <a:lstStyle/>
+          <a:p>
+            <a:pPr marL="0" indent="0">
+              <a:buNone/>
+            </a:pPr>
+            <a:r>
+              <a:rPr lang="ru-RU" dirty="0" smtClean="0"/>
+              <a:t>Рассмотрим работу юнит теста на примерах</a:t>
+            </a:r>
+            <a:endParaRPr lang="ru-RU" dirty="0"/>
+          </a:p>
+        </p:txBody>
+      </p:sp>
+      <p:pic>
+        <p:nvPicPr>
+          <p:cNvPr id="4" name="Рисунок 3"/>
+          <p:cNvPicPr>
+            <a:picLocks noChangeAspect="1"/>
+          </p:cNvPicPr>
+          <p:nvPr/>
+        </p:nvPicPr>
+        <p:blipFill>
+          <a:blip r:embed="rId2"/>
+          <a:stretch>
+            <a:fillRect/>
+          </a:stretch>
+        </p:blipFill>
+        <p:spPr>
+          <a:xfrm>
+            <a:off x="2031978" y="3548199"/>
+            <a:ext cx="1435216" cy="2131242"/>
+          </a:xfrm>
+          <a:prstGeom prst="rect">
+            <a:avLst/>
+          </a:prstGeom>
+        </p:spPr>
+      </p:pic>
+      <p:grpSp>
+        <p:nvGrpSpPr>
+          <p:cNvPr id="5" name="Группа 4"/>
+          <p:cNvGrpSpPr/>
+          <p:nvPr/>
+        </p:nvGrpSpPr>
+        <p:grpSpPr>
+          <a:xfrm>
+            <a:off x="4637987" y="3548199"/>
+            <a:ext cx="2215299" cy="2131242"/>
+            <a:chOff x="3962400" y="1295400"/>
+            <a:chExt cx="4267200" cy="4267200"/>
+          </a:xfrm>
+        </p:grpSpPr>
+        <p:pic>
+          <p:nvPicPr>
+            <p:cNvPr id="6" name="Рисунок 5"/>
+            <p:cNvPicPr>
+              <a:picLocks noChangeAspect="1"/>
+            </p:cNvPicPr>
+            <p:nvPr/>
+          </p:nvPicPr>
+          <p:blipFill>
+            <a:blip r:embed="rId3"/>
+            <a:stretch>
+              <a:fillRect/>
+            </a:stretch>
+          </p:blipFill>
+          <p:spPr>
+            <a:xfrm>
+              <a:off x="3962400" y="1295400"/>
+              <a:ext cx="4267200" cy="4267200"/>
+            </a:xfrm>
+            <a:prstGeom prst="rect">
+              <a:avLst/>
+            </a:prstGeom>
+          </p:spPr>
+        </p:pic>
+        <p:pic>
+          <p:nvPicPr>
+            <p:cNvPr id="7" name="Рисунок 6"/>
+            <p:cNvPicPr>
+              <a:picLocks noChangeAspect="1"/>
+            </p:cNvPicPr>
+            <p:nvPr/>
+          </p:nvPicPr>
+          <p:blipFill>
+            <a:blip r:embed="rId4"/>
+            <a:stretch>
+              <a:fillRect/>
+            </a:stretch>
+          </p:blipFill>
+          <p:spPr>
+            <a:xfrm>
+              <a:off x="4367212" y="2119312"/>
+              <a:ext cx="3457575" cy="2619375"/>
+            </a:xfrm>
+            <a:prstGeom prst="rect">
+              <a:avLst/>
+            </a:prstGeom>
+          </p:spPr>
+        </p:pic>
+      </p:grpSp>
+      <p:pic>
+        <p:nvPicPr>
+          <p:cNvPr id="8" name="Рисунок 7"/>
+          <p:cNvPicPr>
+            <a:picLocks noChangeAspect="1"/>
+          </p:cNvPicPr>
+          <p:nvPr/>
+        </p:nvPicPr>
+        <p:blipFill>
+          <a:blip r:embed="rId5" cstate="print">
+            <a:extLst>
+              <a:ext uri="{28A0092B-C50C-407E-A947-70E740481C1C}">
+                <a14:useLocalDpi xmlns:a14="http://schemas.microsoft.com/office/drawing/2010/main" val="0"/>
+              </a:ext>
+            </a:extLst>
+          </a:blip>
+          <a:stretch>
+            <a:fillRect/>
+          </a:stretch>
+        </p:blipFill>
+        <p:spPr>
+          <a:xfrm>
+            <a:off x="7704849" y="3548199"/>
+            <a:ext cx="1992894" cy="1992894"/>
+          </a:xfrm>
+          <a:prstGeom prst="rect">
+            <a:avLst/>
+          </a:prstGeom>
+        </p:spPr>
+      </p:pic>
+    </p:spTree>
+    <p:extLst>
+      <p:ext uri="{BB962C8B-B14F-4D97-AF65-F5344CB8AC3E}">
+        <p14:creationId xmlns:p14="http://schemas.microsoft.com/office/powerpoint/2010/main" val="3816576046"/>
+      </p:ext>
+    </p:extLst>
+  </p:cSld>
+  <p:clrMapOvr>
+    <a:masterClrMapping/>
+  </p:clrMapOvr>
+  <p:timing>
+    <p:tnLst>
+      <p:par>
+        <p:cTn id="1" dur="indefinite" restart="never" nodeType="tmRoot"/>
+      </p:par>
+    </p:tnLst>
+  </p:timing>
+</p:sld>
+</file>
+
+<file path=ppt/slides/slide7.xml><?xml version="1.0" encoding="utf-8"?>
+<p:sld xmlns:a="http://schemas.openxmlformats.org/drawingml/2006/main" xmlns:r="http://schemas.openxmlformats.org/officeDocument/2006/relationships" xmlns:p="http://schemas.openxmlformats.org/presentationml/2006/main">
+  <p:cSld>
+    <p:spTree>
+      <p:nvGrpSpPr>
+        <p:cNvPr id="1" name=""/>
+        <p:cNvGrpSpPr/>
+        <p:nvPr/>
+      </p:nvGrpSpPr>
+      <p:grpSpPr>
+        <a:xfrm>
+          <a:off x="0" y="0"/>
+          <a:ext cx="0" cy="0"/>
+          <a:chOff x="0" y="0"/>
+          <a:chExt cx="0" cy="0"/>
+        </a:xfrm>
+      </p:grpSpPr>
+      <p:sp>
+        <p:nvSpPr>
+          <p:cNvPr id="5" name="Прямоугольник 4"/>
+          <p:cNvSpPr/>
+          <p:nvPr/>
+        </p:nvSpPr>
+        <p:spPr>
+          <a:xfrm>
+            <a:off x="2338974" y="2414991"/>
+            <a:ext cx="3851139" cy="830997"/>
+          </a:xfrm>
+          <a:prstGeom prst="rect">
+            <a:avLst/>
+          </a:prstGeom>
+          <a:noFill/>
+        </p:spPr>
+        <p:txBody>
+          <a:bodyPr wrap="square" lIns="91440" tIns="45720" rIns="91440" bIns="45720">
+            <a:spAutoFit/>
+          </a:bodyPr>
+          <a:lstStyle/>
+          <a:p>
+            <a:pPr algn="ctr"/>
+            <a:r>
+              <a:rPr lang="ru-RU" sz="2400" b="0" cap="none" spc="0" dirty="0" smtClean="0">
+                <a:ln w="0"/>
+                <a:effectLst>
+                  <a:outerShdw blurRad="38100" dist="25400" dir="5400000" algn="ctr" rotWithShape="0">
+                    <a:srgbClr val="6E747A">
+                      <a:alpha val="43000"/>
+                    </a:srgbClr>
+                  </a:outerShdw>
+                </a:effectLst>
+              </a:rPr>
+              <a:t>Объект</a:t>
+            </a:r>
+            <a:r>
+              <a:rPr lang="ru-RU" sz="2400" dirty="0" smtClean="0">
+                <a:ln w="0"/>
+                <a:effectLst>
+                  <a:outerShdw blurRad="38100" dist="25400" dir="5400000" algn="ctr" rotWithShape="0">
+                    <a:srgbClr val="6E747A">
+                      <a:alpha val="43000"/>
+                    </a:srgbClr>
+                  </a:outerShdw>
+                </a:effectLst>
+              </a:rPr>
+              <a:t>,</a:t>
+            </a:r>
+            <a:r>
+              <a:rPr lang="ru-RU" sz="2400" b="0" cap="none" spc="0" dirty="0" smtClean="0">
+                <a:ln w="0"/>
+                <a:effectLst>
+                  <a:outerShdw blurRad="38100" dist="25400" dir="5400000" algn="ctr" rotWithShape="0">
+                    <a:srgbClr val="6E747A">
+                      <a:alpha val="43000"/>
+                    </a:srgbClr>
+                  </a:outerShdw>
+                </a:effectLst>
+              </a:rPr>
+              <a:t> реализующий бизнес-логику</a:t>
+            </a:r>
+            <a:endParaRPr lang="ru-RU" sz="2400" b="0" cap="none" spc="0" dirty="0">
+              <a:ln w="0"/>
+              <a:effectLst>
+                <a:outerShdw blurRad="38100" dist="25400" dir="5400000" algn="ctr" rotWithShape="0">
+                  <a:srgbClr val="6E747A">
+                    <a:alpha val="43000"/>
+                  </a:srgbClr>
+                </a:outerShdw>
+              </a:effectLst>
+            </a:endParaRPr>
+          </a:p>
+        </p:txBody>
+      </p:sp>
+      <p:cxnSp>
+        <p:nvCxnSpPr>
+          <p:cNvPr id="20" name="Прямая со стрелкой 25"/>
+          <p:cNvCxnSpPr/>
+          <p:nvPr/>
+        </p:nvCxnSpPr>
+        <p:spPr>
+          <a:xfrm>
+            <a:off x="4126898" y="3250398"/>
+            <a:ext cx="0" cy="744873"/>
+          </a:xfrm>
+          <a:prstGeom prst="straightConnector1">
+            <a:avLst/>
+          </a:prstGeom>
+          <a:ln w="38100">
+            <a:solidFill>
+              <a:schemeClr val="accent6"/>
+            </a:solidFill>
+            <a:tailEnd type="triangle"/>
+          </a:ln>
+        </p:spPr>
+        <p:style>
+          <a:lnRef idx="1">
+            <a:schemeClr val="accent1"/>
+          </a:lnRef>
+          <a:fillRef idx="0">
+            <a:schemeClr val="accent1"/>
+          </a:fillRef>
+          <a:effectRef idx="0">
+            <a:schemeClr val="accent1"/>
+          </a:effectRef>
+          <a:fontRef idx="minor">
+            <a:schemeClr val="tx1"/>
+          </a:fontRef>
+        </p:style>
+      </p:cxnSp>
+      <p:grpSp>
+        <p:nvGrpSpPr>
+          <p:cNvPr id="54" name="Группа 53"/>
+          <p:cNvGrpSpPr/>
+          <p:nvPr/>
+        </p:nvGrpSpPr>
+        <p:grpSpPr>
+          <a:xfrm>
+            <a:off x="3220985" y="3975634"/>
+            <a:ext cx="4597204" cy="2197642"/>
+            <a:chOff x="1007741" y="3503194"/>
+            <a:chExt cx="4597204" cy="2197642"/>
+          </a:xfrm>
+        </p:grpSpPr>
+        <p:sp>
+          <p:nvSpPr>
+            <p:cNvPr id="4" name="Прямоугольник 3"/>
+            <p:cNvSpPr/>
+            <p:nvPr/>
+          </p:nvSpPr>
+          <p:spPr>
+            <a:xfrm>
+              <a:off x="1030891" y="5239171"/>
+              <a:ext cx="2398077" cy="461665"/>
+            </a:xfrm>
+            <a:prstGeom prst="rect">
+              <a:avLst/>
+            </a:prstGeom>
+            <a:noFill/>
+          </p:spPr>
+          <p:txBody>
+            <a:bodyPr wrap="square" lIns="91440" tIns="45720" rIns="91440" bIns="45720">
+              <a:spAutoFit/>
+            </a:bodyPr>
+            <a:lstStyle/>
+            <a:p>
+              <a:r>
+                <a:rPr lang="ru-RU" sz="2400" b="0" cap="none" spc="0" dirty="0" smtClean="0">
+                  <a:ln w="0"/>
+                  <a:effectLst>
+                    <a:outerShdw blurRad="38100" dist="25400" dir="5400000" algn="ctr" rotWithShape="0">
+                      <a:srgbClr val="6E747A">
+                        <a:alpha val="43000"/>
+                      </a:srgbClr>
+                    </a:outerShdw>
+                  </a:effectLst>
+                </a:rPr>
+                <a:t>Хранилище</a:t>
+              </a:r>
+              <a:endParaRPr lang="ru-RU" sz="2400" b="0" cap="none" spc="0" dirty="0">
+                <a:ln w="0"/>
+                <a:effectLst>
+                  <a:outerShdw blurRad="38100" dist="25400" dir="5400000" algn="ctr" rotWithShape="0">
+                    <a:srgbClr val="6E747A">
+                      <a:alpha val="43000"/>
+                    </a:srgbClr>
+                  </a:outerShdw>
+                </a:effectLst>
+              </a:endParaRPr>
+            </a:p>
+          </p:txBody>
+        </p:sp>
+        <p:sp>
+          <p:nvSpPr>
+            <p:cNvPr id="9" name="Прямоугольник 8"/>
+            <p:cNvSpPr/>
+            <p:nvPr/>
+          </p:nvSpPr>
+          <p:spPr>
+            <a:xfrm>
+              <a:off x="1007741" y="3503194"/>
+              <a:ext cx="4597204" cy="830997"/>
+            </a:xfrm>
+            <a:prstGeom prst="rect">
+              <a:avLst/>
+            </a:prstGeom>
+            <a:noFill/>
+          </p:spPr>
+          <p:txBody>
+            <a:bodyPr wrap="square" lIns="91440" tIns="45720" rIns="91440" bIns="45720">
+              <a:spAutoFit/>
+            </a:bodyPr>
+            <a:lstStyle/>
+            <a:p>
+              <a:r>
+                <a:rPr lang="ru-RU" sz="2400" b="0" cap="none" spc="0" dirty="0" smtClean="0">
+                  <a:ln w="0"/>
+                  <a:effectLst>
+                    <a:outerShdw blurRad="38100" dist="25400" dir="5400000" algn="ctr" rotWithShape="0">
+                      <a:srgbClr val="6E747A">
+                        <a:alpha val="43000"/>
+                      </a:srgbClr>
+                    </a:outerShdw>
+                  </a:effectLst>
+                </a:rPr>
+                <a:t>Интерфейс</a:t>
+              </a:r>
+            </a:p>
+            <a:p>
+              <a:r>
+                <a:rPr lang="ru-RU" sz="2400" b="0" cap="none" spc="0" dirty="0" smtClean="0">
+                  <a:ln w="0"/>
+                  <a:effectLst>
+                    <a:outerShdw blurRad="38100" dist="25400" dir="5400000" algn="ctr" rotWithShape="0">
+                      <a:srgbClr val="6E747A">
+                        <a:alpha val="43000"/>
+                      </a:srgbClr>
+                    </a:outerShdw>
+                  </a:effectLst>
+                </a:rPr>
+                <a:t>хранилища</a:t>
+              </a:r>
+              <a:endParaRPr lang="ru-RU" sz="2400" b="0" cap="none" spc="0" dirty="0">
+                <a:ln w="0"/>
+                <a:effectLst>
+                  <a:outerShdw blurRad="38100" dist="25400" dir="5400000" algn="ctr" rotWithShape="0">
+                    <a:srgbClr val="6E747A">
+                      <a:alpha val="43000"/>
+                    </a:srgbClr>
+                  </a:outerShdw>
+                </a:effectLst>
+              </a:endParaRPr>
+            </a:p>
+          </p:txBody>
+        </p:sp>
+        <p:grpSp>
+          <p:nvGrpSpPr>
+            <p:cNvPr id="36" name="Группа 35"/>
+            <p:cNvGrpSpPr/>
+            <p:nvPr/>
+          </p:nvGrpSpPr>
+          <p:grpSpPr>
+            <a:xfrm>
+              <a:off x="1844039" y="4342904"/>
+              <a:ext cx="169710" cy="916992"/>
+              <a:chOff x="1844039" y="4342904"/>
+              <a:chExt cx="169710" cy="916992"/>
+            </a:xfrm>
+          </p:grpSpPr>
+          <p:cxnSp>
+            <p:nvCxnSpPr>
+              <p:cNvPr id="21" name="Прямая со стрелкой 25"/>
+              <p:cNvCxnSpPr/>
+              <p:nvPr/>
+            </p:nvCxnSpPr>
+            <p:spPr>
+              <a:xfrm flipV="1">
+                <a:off x="1928894" y="4468113"/>
+                <a:ext cx="2" cy="791783"/>
+              </a:xfrm>
+              <a:prstGeom prst="straightConnector1">
+                <a:avLst/>
+              </a:prstGeom>
+              <a:ln w="38100">
+                <a:solidFill>
+                  <a:schemeClr val="accent6"/>
+                </a:solidFill>
+                <a:prstDash val="sysDash"/>
+                <a:tailEnd type="none"/>
+              </a:ln>
+            </p:spPr>
+            <p:style>
+              <a:lnRef idx="1">
+                <a:schemeClr val="accent1"/>
+              </a:lnRef>
+              <a:fillRef idx="0">
+                <a:schemeClr val="accent1"/>
+              </a:fillRef>
+              <a:effectRef idx="0">
+                <a:schemeClr val="accent1"/>
+              </a:effectRef>
+              <a:fontRef idx="minor">
+                <a:schemeClr val="tx1"/>
+              </a:fontRef>
+            </p:style>
+          </p:cxnSp>
+          <p:sp>
+            <p:nvSpPr>
+              <p:cNvPr id="25" name="Блок-схема: извлечение 24"/>
+              <p:cNvSpPr/>
+              <p:nvPr/>
+            </p:nvSpPr>
+            <p:spPr>
+              <a:xfrm>
+                <a:off x="1844039" y="4342904"/>
+                <a:ext cx="169710" cy="152212"/>
+              </a:xfrm>
+              <a:prstGeom prst="flowChartExtract">
+                <a:avLst/>
+              </a:prstGeom>
+              <a:solidFill>
+                <a:schemeClr val="bg1"/>
+              </a:solidFill>
+              <a:ln w="38100">
+                <a:solidFill>
+                  <a:schemeClr val="accent6"/>
+                </a:solidFill>
+              </a:ln>
+            </p:spPr>
+            <p:style>
+              <a:lnRef idx="2">
+                <a:schemeClr val="accent1">
+                  <a:shade val="50000"/>
+                </a:schemeClr>
+              </a:lnRef>
+              <a:fillRef idx="1">
+                <a:schemeClr val="accent1"/>
+              </a:fillRef>
+              <a:effectRef idx="0">
+                <a:schemeClr val="accent1"/>
+              </a:effectRef>
+              <a:fontRef idx="minor">
+                <a:schemeClr val="lt1"/>
+              </a:fontRef>
+            </p:style>
+            <p:txBody>
+              <a:bodyPr rtlCol="0" anchor="ctr"/>
+              <a:lstStyle/>
+              <a:p>
+                <a:pPr algn="ctr"/>
+                <a:endParaRPr lang="ru-RU"/>
+              </a:p>
+            </p:txBody>
+          </p:sp>
+        </p:grpSp>
+      </p:grpSp>
+      <p:grpSp>
+        <p:nvGrpSpPr>
+          <p:cNvPr id="53" name="Группа 52"/>
+          <p:cNvGrpSpPr/>
+          <p:nvPr/>
+        </p:nvGrpSpPr>
+        <p:grpSpPr>
+          <a:xfrm>
+            <a:off x="5133043" y="2745689"/>
+            <a:ext cx="4631089" cy="2094067"/>
+            <a:chOff x="3062039" y="2273249"/>
+            <a:chExt cx="4631089" cy="2094067"/>
+          </a:xfrm>
+        </p:grpSpPr>
+        <p:grpSp>
+          <p:nvGrpSpPr>
+            <p:cNvPr id="52" name="Группа 51"/>
+            <p:cNvGrpSpPr/>
+            <p:nvPr/>
+          </p:nvGrpSpPr>
+          <p:grpSpPr>
+            <a:xfrm>
+              <a:off x="3214251" y="2273249"/>
+              <a:ext cx="4478877" cy="2094067"/>
+              <a:chOff x="3214251" y="2273249"/>
+              <a:chExt cx="4478877" cy="2094067"/>
+            </a:xfrm>
+          </p:grpSpPr>
+          <p:sp>
+            <p:nvSpPr>
+              <p:cNvPr id="11" name="Прямоугольник 10"/>
+              <p:cNvSpPr/>
+              <p:nvPr/>
+            </p:nvSpPr>
+            <p:spPr>
+              <a:xfrm>
+                <a:off x="5266073" y="2273249"/>
+                <a:ext cx="2427055" cy="461665"/>
+              </a:xfrm>
+              <a:prstGeom prst="rect">
+                <a:avLst/>
+              </a:prstGeom>
+              <a:noFill/>
+            </p:spPr>
+            <p:txBody>
+              <a:bodyPr wrap="square" lIns="91440" tIns="45720" rIns="91440" bIns="45720">
+                <a:spAutoFit/>
+              </a:bodyPr>
+              <a:lstStyle/>
+              <a:p>
+                <a:r>
+                  <a:rPr lang="ru-RU" sz="2400" b="0" u="sng" cap="none" spc="0" dirty="0" smtClean="0">
+                    <a:ln w="0"/>
+                    <a:effectLst>
+                      <a:outerShdw blurRad="38100" dist="25400" dir="5400000" algn="ctr" rotWithShape="0">
+                        <a:srgbClr val="6E747A">
+                          <a:alpha val="43000"/>
+                        </a:srgbClr>
+                      </a:outerShdw>
+                    </a:effectLst>
+                  </a:rPr>
+                  <a:t>Юнит-тест</a:t>
+                </a:r>
+                <a:endParaRPr lang="ru-RU" sz="2400" b="0" u="sng" cap="none" spc="0" dirty="0">
+                  <a:ln w="0"/>
+                  <a:effectLst>
+                    <a:outerShdw blurRad="38100" dist="25400" dir="5400000" algn="ctr" rotWithShape="0">
+                      <a:srgbClr val="6E747A">
+                        <a:alpha val="43000"/>
+                      </a:srgbClr>
+                    </a:outerShdw>
+                  </a:effectLst>
+                </a:endParaRPr>
+              </a:p>
+            </p:txBody>
+          </p:sp>
+          <p:sp>
+            <p:nvSpPr>
+              <p:cNvPr id="12" name="Прямоугольник 11"/>
+              <p:cNvSpPr/>
+              <p:nvPr/>
+            </p:nvSpPr>
+            <p:spPr>
+              <a:xfrm>
+                <a:off x="5188839" y="3536319"/>
+                <a:ext cx="2504289" cy="830997"/>
+              </a:xfrm>
+              <a:prstGeom prst="rect">
+                <a:avLst/>
+              </a:prstGeom>
+              <a:noFill/>
+            </p:spPr>
+            <p:txBody>
+              <a:bodyPr wrap="square" lIns="91440" tIns="45720" rIns="91440" bIns="45720">
+                <a:spAutoFit/>
+              </a:bodyPr>
+              <a:lstStyle/>
+              <a:p>
+                <a:r>
+                  <a:rPr lang="ru-RU" sz="2400" dirty="0" smtClean="0">
+                    <a:ln w="0"/>
+                    <a:effectLst>
+                      <a:outerShdw blurRad="38100" dist="25400" dir="5400000" algn="ctr" rotWithShape="0">
+                        <a:srgbClr val="6E747A">
+                          <a:alpha val="43000"/>
+                        </a:srgbClr>
+                      </a:outerShdw>
+                    </a:effectLst>
+                  </a:rPr>
+                  <a:t>«</a:t>
+                </a:r>
+                <a:r>
+                  <a:rPr lang="ru-RU" sz="2400" b="0" cap="none" spc="0" dirty="0" smtClean="0">
+                    <a:ln w="0"/>
+                    <a:effectLst>
+                      <a:outerShdw blurRad="38100" dist="25400" dir="5400000" algn="ctr" rotWithShape="0">
+                        <a:srgbClr val="6E747A">
+                          <a:alpha val="43000"/>
+                        </a:srgbClr>
+                      </a:outerShdw>
+                    </a:effectLst>
+                  </a:rPr>
+                  <a:t>Фальшивое» хранилище</a:t>
+                </a:r>
+              </a:p>
+            </p:txBody>
+          </p:sp>
+          <p:cxnSp>
+            <p:nvCxnSpPr>
+              <p:cNvPr id="38" name="Прямая со стрелкой 25"/>
+              <p:cNvCxnSpPr>
+                <a:endCxn id="39" idx="2"/>
+              </p:cNvCxnSpPr>
+              <p:nvPr/>
+            </p:nvCxnSpPr>
+            <p:spPr>
+              <a:xfrm flipH="1" flipV="1">
+                <a:off x="3214251" y="3879953"/>
+                <a:ext cx="1984248" cy="16324"/>
+              </a:xfrm>
+              <a:prstGeom prst="straightConnector1">
+                <a:avLst/>
+              </a:prstGeom>
+              <a:ln w="38100">
+                <a:solidFill>
+                  <a:schemeClr val="accent6"/>
+                </a:solidFill>
+                <a:prstDash val="sysDash"/>
+                <a:tailEnd type="none"/>
+              </a:ln>
+            </p:spPr>
+            <p:style>
+              <a:lnRef idx="1">
+                <a:schemeClr val="accent1"/>
+              </a:lnRef>
+              <a:fillRef idx="0">
+                <a:schemeClr val="accent1"/>
+              </a:fillRef>
+              <a:effectRef idx="0">
+                <a:schemeClr val="accent1"/>
+              </a:effectRef>
+              <a:fontRef idx="minor">
+                <a:schemeClr val="tx1"/>
+              </a:fontRef>
+            </p:style>
+          </p:cxnSp>
+          <p:cxnSp>
+            <p:nvCxnSpPr>
+              <p:cNvPr id="44" name="Прямая со стрелкой 25"/>
+              <p:cNvCxnSpPr/>
+              <p:nvPr/>
+            </p:nvCxnSpPr>
+            <p:spPr>
+              <a:xfrm flipH="1">
+                <a:off x="3398488" y="2525136"/>
+                <a:ext cx="1854886" cy="0"/>
+              </a:xfrm>
+              <a:prstGeom prst="straightConnector1">
+                <a:avLst/>
+              </a:prstGeom>
+              <a:ln w="38100">
+                <a:solidFill>
+                  <a:schemeClr val="accent6"/>
+                </a:solidFill>
+                <a:tailEnd type="triangle"/>
+              </a:ln>
+            </p:spPr>
+            <p:style>
+              <a:lnRef idx="1">
+                <a:schemeClr val="accent1"/>
+              </a:lnRef>
+              <a:fillRef idx="0">
+                <a:schemeClr val="accent1"/>
+              </a:fillRef>
+              <a:effectRef idx="0">
+                <a:schemeClr val="accent1"/>
+              </a:effectRef>
+              <a:fontRef idx="minor">
+                <a:schemeClr val="tx1"/>
+              </a:fontRef>
+            </p:style>
+          </p:cxnSp>
+          <p:cxnSp>
+            <p:nvCxnSpPr>
+              <p:cNvPr id="49" name="Прямая со стрелкой 25"/>
+              <p:cNvCxnSpPr/>
+              <p:nvPr/>
+            </p:nvCxnSpPr>
+            <p:spPr>
+              <a:xfrm>
+                <a:off x="6147670" y="2791446"/>
+                <a:ext cx="0" cy="744873"/>
+              </a:xfrm>
+              <a:prstGeom prst="straightConnector1">
+                <a:avLst/>
+              </a:prstGeom>
+              <a:ln w="38100">
+                <a:solidFill>
+                  <a:schemeClr val="accent6"/>
+                </a:solidFill>
+                <a:tailEnd type="triangle"/>
+              </a:ln>
+            </p:spPr>
+            <p:style>
+              <a:lnRef idx="1">
+                <a:schemeClr val="accent1"/>
+              </a:lnRef>
+              <a:fillRef idx="0">
+                <a:schemeClr val="accent1"/>
+              </a:fillRef>
+              <a:effectRef idx="0">
+                <a:schemeClr val="accent1"/>
+              </a:effectRef>
+              <a:fontRef idx="minor">
+                <a:schemeClr val="tx1"/>
+              </a:fontRef>
+            </p:style>
+          </p:cxnSp>
+        </p:grpSp>
+        <p:sp>
+          <p:nvSpPr>
+            <p:cNvPr id="39" name="Блок-схема: извлечение 38"/>
+            <p:cNvSpPr/>
+            <p:nvPr/>
+          </p:nvSpPr>
+          <p:spPr>
+            <a:xfrm rot="16200000">
+              <a:off x="3053290" y="3803847"/>
+              <a:ext cx="169710" cy="152212"/>
+            </a:xfrm>
+            <a:prstGeom prst="flowChartExtract">
+              <a:avLst/>
+            </a:prstGeom>
+            <a:solidFill>
+              <a:schemeClr val="bg1"/>
+            </a:solidFill>
+            <a:ln w="38100">
+              <a:solidFill>
+                <a:schemeClr val="accent6"/>
+              </a:solidFill>
+            </a:ln>
+          </p:spPr>
+          <p:style>
+            <a:lnRef idx="2">
+              <a:schemeClr val="accent1">
+                <a:shade val="50000"/>
+              </a:schemeClr>
+            </a:lnRef>
+            <a:fillRef idx="1">
+              <a:schemeClr val="accent1"/>
+            </a:fillRef>
+            <a:effectRef idx="0">
+              <a:schemeClr val="accent1"/>
+            </a:effectRef>
+            <a:fontRef idx="minor">
+              <a:schemeClr val="lt1"/>
+            </a:fontRef>
+          </p:style>
+          <p:txBody>
+            <a:bodyPr rtlCol="0" anchor="ctr"/>
+            <a:lstStyle/>
+            <a:p>
+              <a:pPr algn="ctr"/>
+              <a:endParaRPr lang="ru-RU"/>
+            </a:p>
+          </p:txBody>
+        </p:sp>
+      </p:grpSp>
+      <p:sp>
+        <p:nvSpPr>
+          <p:cNvPr id="55" name="Прямоугольник 54"/>
+          <p:cNvSpPr/>
+          <p:nvPr/>
+        </p:nvSpPr>
+        <p:spPr>
+          <a:xfrm>
+            <a:off x="3244135" y="3995271"/>
+            <a:ext cx="3497014" cy="830997"/>
+          </a:xfrm>
+          <a:prstGeom prst="rect">
+            <a:avLst/>
+          </a:prstGeom>
+          <a:noFill/>
+        </p:spPr>
+        <p:txBody>
+          <a:bodyPr wrap="square" lIns="91440" tIns="45720" rIns="91440" bIns="45720">
+            <a:spAutoFit/>
+          </a:bodyPr>
+          <a:lstStyle/>
+          <a:p>
+            <a:r>
+              <a:rPr lang="ru-RU" sz="2400" dirty="0" smtClean="0">
+                <a:ln w="0"/>
+                <a:effectLst>
+                  <a:outerShdw blurRad="38100" dist="25400" dir="5400000" algn="ctr" rotWithShape="0">
+                    <a:srgbClr val="6E747A">
+                      <a:alpha val="43000"/>
+                    </a:srgbClr>
+                  </a:outerShdw>
+                </a:effectLst>
+              </a:rPr>
+              <a:t>Хранилище</a:t>
+            </a:r>
+          </a:p>
+          <a:p>
+            <a:r>
+              <a:rPr lang="ru-RU" sz="2400" b="0" cap="none" spc="0" dirty="0" smtClean="0">
+                <a:ln w="0"/>
+                <a:effectLst>
+                  <a:outerShdw blurRad="38100" dist="25400" dir="5400000" algn="ctr" rotWithShape="0">
+                    <a:srgbClr val="6E747A">
+                      <a:alpha val="43000"/>
+                    </a:srgbClr>
+                  </a:outerShdw>
+                </a:effectLst>
+              </a:rPr>
+              <a:t>(слой </a:t>
+            </a:r>
+            <a:r>
+              <a:rPr lang="en-US" sz="2400" b="0" cap="none" spc="0" dirty="0" smtClean="0">
+                <a:ln w="0"/>
+                <a:effectLst>
+                  <a:outerShdw blurRad="38100" dist="25400" dir="5400000" algn="ctr" rotWithShape="0">
+                    <a:srgbClr val="6E747A">
+                      <a:alpha val="43000"/>
+                    </a:srgbClr>
+                  </a:outerShdw>
+                </a:effectLst>
+              </a:rPr>
+              <a:t>DAL)</a:t>
+            </a:r>
+            <a:endParaRPr lang="ru-RU" sz="2400" b="0" cap="none" spc="0" dirty="0">
+              <a:ln w="0"/>
+              <a:effectLst>
+                <a:outerShdw blurRad="38100" dist="25400" dir="5400000" algn="ctr" rotWithShape="0">
+                  <a:srgbClr val="6E747A">
+                    <a:alpha val="43000"/>
+                  </a:srgbClr>
+                </a:outerShdw>
+              </a:effectLst>
+            </a:endParaRPr>
+          </a:p>
+        </p:txBody>
+      </p:sp>
+      <p:grpSp>
+        <p:nvGrpSpPr>
+          <p:cNvPr id="56" name="Группа 55"/>
+          <p:cNvGrpSpPr/>
+          <p:nvPr/>
+        </p:nvGrpSpPr>
+        <p:grpSpPr>
+          <a:xfrm>
+            <a:off x="5133043" y="4186875"/>
+            <a:ext cx="2644984" cy="400110"/>
+            <a:chOff x="2823935" y="3697484"/>
+            <a:chExt cx="2644984" cy="400110"/>
+          </a:xfrm>
+        </p:grpSpPr>
+        <p:sp>
+          <p:nvSpPr>
+            <p:cNvPr id="57" name="Прямоугольник 56"/>
+            <p:cNvSpPr/>
+            <p:nvPr/>
+          </p:nvSpPr>
+          <p:spPr>
+            <a:xfrm>
+              <a:off x="3432848" y="3697484"/>
+              <a:ext cx="2036071" cy="400110"/>
+            </a:xfrm>
+            <a:prstGeom prst="rect">
+              <a:avLst/>
+            </a:prstGeom>
+            <a:noFill/>
+          </p:spPr>
+          <p:txBody>
+            <a:bodyPr wrap="none" lIns="91440" tIns="45720" rIns="91440" bIns="45720">
+              <a:spAutoFit/>
+            </a:bodyPr>
+            <a:lstStyle/>
+            <a:p>
+              <a:pPr algn="r"/>
+              <a:r>
+                <a:rPr lang="ru-RU" sz="2000" i="1" dirty="0" smtClean="0">
+                  <a:ln w="0"/>
+                  <a:effectLst>
+                    <a:outerShdw blurRad="38100" dist="25400" dir="5400000" algn="ctr" rotWithShape="0">
+                      <a:srgbClr val="6E747A">
+                        <a:alpha val="43000"/>
+                      </a:srgbClr>
+                    </a:outerShdw>
+                  </a:effectLst>
+                </a:rPr>
+                <a:t>Как подменить?</a:t>
+              </a:r>
+              <a:endParaRPr lang="ru-RU" sz="2000" i="1" cap="none" spc="0" dirty="0">
+                <a:ln w="0"/>
+                <a:effectLst>
+                  <a:outerShdw blurRad="38100" dist="25400" dir="5400000" algn="ctr" rotWithShape="0">
+                    <a:srgbClr val="6E747A">
+                      <a:alpha val="43000"/>
+                    </a:srgbClr>
+                  </a:outerShdw>
+                </a:effectLst>
+              </a:endParaRPr>
+            </a:p>
+          </p:txBody>
+        </p:sp>
+        <p:cxnSp>
+          <p:nvCxnSpPr>
+            <p:cNvPr id="58" name="Прямая со стрелкой 25"/>
+            <p:cNvCxnSpPr/>
+            <p:nvPr/>
+          </p:nvCxnSpPr>
+          <p:spPr>
+            <a:xfrm rot="10800000">
+              <a:off x="2823935" y="3731037"/>
+              <a:ext cx="582733" cy="109901"/>
+            </a:xfrm>
+            <a:prstGeom prst="curvedConnector3">
+              <a:avLst>
+                <a:gd name="adj1" fmla="val 47988"/>
+              </a:avLst>
+            </a:prstGeom>
+            <a:ln w="38100">
+              <a:solidFill>
+                <a:srgbClr val="E86F2C"/>
+              </a:solidFill>
+              <a:tailEnd type="triangle"/>
+            </a:ln>
+          </p:spPr>
+          <p:style>
+            <a:lnRef idx="1">
+              <a:schemeClr val="accent1"/>
+            </a:lnRef>
+            <a:fillRef idx="0">
+              <a:schemeClr val="accent1"/>
+            </a:fillRef>
+            <a:effectRef idx="0">
+              <a:schemeClr val="accent1"/>
+            </a:effectRef>
+            <a:fontRef idx="minor">
+              <a:schemeClr val="tx1"/>
+            </a:fontRef>
+          </p:style>
+        </p:cxnSp>
+      </p:grpSp>
+      <p:sp>
+        <p:nvSpPr>
+          <p:cNvPr id="28" name="Прямоугольник 27"/>
+          <p:cNvSpPr/>
+          <p:nvPr/>
+        </p:nvSpPr>
+        <p:spPr>
+          <a:xfrm>
+            <a:off x="7543152" y="3240969"/>
+            <a:ext cx="1639167" cy="400110"/>
+          </a:xfrm>
+          <a:prstGeom prst="rect">
+            <a:avLst/>
+          </a:prstGeom>
+          <a:noFill/>
+        </p:spPr>
+        <p:txBody>
+          <a:bodyPr wrap="none" lIns="91440" tIns="45720" rIns="91440" bIns="45720">
+            <a:spAutoFit/>
+          </a:bodyPr>
+          <a:lstStyle/>
+          <a:p>
+            <a:pPr algn="r"/>
+            <a:r>
+              <a:rPr lang="en-US" sz="2000" i="1" dirty="0" smtClean="0">
+                <a:ln w="0"/>
+                <a:solidFill>
+                  <a:srgbClr val="E86F2C"/>
+                </a:solidFill>
+                <a:effectLst>
+                  <a:outerShdw blurRad="38100" dist="25400" dir="5400000" algn="ctr" rotWithShape="0">
+                    <a:srgbClr val="6E747A">
+                      <a:alpha val="43000"/>
+                    </a:srgbClr>
+                  </a:outerShdw>
+                </a:effectLst>
+              </a:rPr>
+              <a:t>Mock </a:t>
+            </a:r>
+            <a:r>
+              <a:rPr lang="ru-RU" sz="2000" i="1" dirty="0" smtClean="0">
+                <a:ln w="0"/>
+                <a:solidFill>
+                  <a:srgbClr val="E86F2C"/>
+                </a:solidFill>
+                <a:effectLst>
+                  <a:outerShdw blurRad="38100" dist="25400" dir="5400000" algn="ctr" rotWithShape="0">
+                    <a:srgbClr val="6E747A">
+                      <a:alpha val="43000"/>
+                    </a:srgbClr>
+                  </a:outerShdw>
+                </a:effectLst>
+              </a:rPr>
+              <a:t>объект</a:t>
+            </a:r>
+            <a:endParaRPr lang="ru-RU" sz="2000" i="1" cap="none" spc="0" dirty="0">
+              <a:ln w="0"/>
+              <a:solidFill>
+                <a:srgbClr val="E86F2C"/>
+              </a:solidFill>
+              <a:effectLst>
+                <a:outerShdw blurRad="38100" dist="25400" dir="5400000" algn="ctr" rotWithShape="0">
+                  <a:srgbClr val="6E747A">
+                    <a:alpha val="43000"/>
+                  </a:srgbClr>
+                </a:outerShdw>
+              </a:effectLst>
+            </a:endParaRPr>
+          </a:p>
+        </p:txBody>
+      </p:sp>
+      <p:sp>
+        <p:nvSpPr>
+          <p:cNvPr id="29" name="Заголовок 1"/>
+          <p:cNvSpPr>
+            <a:spLocks noGrp="1"/>
+          </p:cNvSpPr>
+          <p:nvPr>
+            <p:ph type="title"/>
+          </p:nvPr>
+        </p:nvSpPr>
+        <p:spPr>
+          <a:xfrm>
+            <a:off x="1141412" y="618518"/>
+            <a:ext cx="10380027" cy="1478570"/>
+          </a:xfrm>
+        </p:spPr>
+        <p:txBody>
+          <a:bodyPr/>
+          <a:lstStyle/>
+          <a:p>
+            <a:r>
+              <a:rPr lang="ru-RU" dirty="0" smtClean="0"/>
+              <a:t>как подменить  данные</a:t>
+            </a:r>
+            <a:endParaRPr lang="ru-RU" dirty="0"/>
+          </a:p>
+        </p:txBody>
+      </p:sp>
+    </p:spTree>
+    <p:extLst>
+      <p:ext uri="{BB962C8B-B14F-4D97-AF65-F5344CB8AC3E}">
+        <p14:creationId xmlns:p14="http://schemas.microsoft.com/office/powerpoint/2010/main" val="2103949393"/>
+      </p:ext>
+    </p:extLst>
+  </p:cSld>
+  <p:clrMapOvr>
+    <a:masterClrMapping/>
+  </p:clrMapOvr>
+  <p:timing>
+    <p:tnLst>
+      <p:par>
+        <p:cTn id="1" dur="indefinite" restart="never" nodeType="tmRoot">
+          <p:childTnLst>
+            <p:seq concurrent="1" nextAc="seek">
+              <p:cTn id="2" dur="indefinite" nodeType="mainSeq">
+                <p:childTnLst>
+                  <p:par>
+                    <p:cTn id="3" fill="hold">
+                      <p:stCondLst>
+                        <p:cond delay="indefinite"/>
+                      </p:stCondLst>
+                      <p:childTnLst>
+                        <p:par>
+                          <p:cTn id="4" fill="hold">
+                            <p:stCondLst>
+                              <p:cond delay="0"/>
+                            </p:stCondLst>
+                            <p:childTnLst>
+                              <p:par>
+                                <p:cTn id="5" presetID="53" presetClass="entr" presetSubtype="16" fill="hold" nodeType="clickEffect">
+                                  <p:stCondLst>
+                                    <p:cond delay="0"/>
+                                  </p:stCondLst>
+                                  <p:childTnLst>
+                                    <p:set>
+                                      <p:cBhvr>
+                                        <p:cTn id="6" dur="1" fill="hold">
+                                          <p:stCondLst>
+                                            <p:cond delay="0"/>
+                                          </p:stCondLst>
+                                        </p:cTn>
+                                        <p:tgtEl>
+                                          <p:spTgt spid="5">
+                                            <p:txEl>
+                                              <p:pRg st="0" end="0"/>
+                                            </p:txEl>
+                                          </p:spTgt>
+                                        </p:tgtEl>
+                                        <p:attrNameLst>
+                                          <p:attrName>style.visibility</p:attrName>
+                                        </p:attrNameLst>
+                                      </p:cBhvr>
+                                      <p:to>
+                                        <p:strVal val="visible"/>
+                                      </p:to>
+                                    </p:set>
+                                    <p:anim calcmode="lin" valueType="num">
+                                      <p:cBhvr>
+                                        <p:cTn id="7" dur="500" fill="hold"/>
+                                        <p:tgtEl>
+                                          <p:spTgt spid="5">
+                                            <p:txEl>
+                                              <p:pRg st="0" end="0"/>
+                                            </p:txEl>
+                                          </p:spTgt>
+                                        </p:tgtEl>
+                                        <p:attrNameLst>
+                                          <p:attrName>ppt_w</p:attrName>
+                                        </p:attrNameLst>
+                                      </p:cBhvr>
+                                      <p:tavLst>
+                                        <p:tav tm="0">
+                                          <p:val>
+                                            <p:fltVal val="0"/>
+                                          </p:val>
+                                        </p:tav>
+                                        <p:tav tm="100000">
+                                          <p:val>
+                                            <p:strVal val="#ppt_w"/>
+                                          </p:val>
+                                        </p:tav>
+                                      </p:tavLst>
+                                    </p:anim>
+                                    <p:anim calcmode="lin" valueType="num">
+                                      <p:cBhvr>
+                                        <p:cTn id="8" dur="500" fill="hold"/>
+                                        <p:tgtEl>
+                                          <p:spTgt spid="5">
+                                            <p:txEl>
+                                              <p:pRg st="0" end="0"/>
+                                            </p:txEl>
+                                          </p:spTgt>
+                                        </p:tgtEl>
+                                        <p:attrNameLst>
+                                          <p:attrName>ppt_h</p:attrName>
+                                        </p:attrNameLst>
+                                      </p:cBhvr>
+                                      <p:tavLst>
+                                        <p:tav tm="0">
+                                          <p:val>
+                                            <p:fltVal val="0"/>
+                                          </p:val>
+                                        </p:tav>
+                                        <p:tav tm="100000">
+                                          <p:val>
+                                            <p:strVal val="#ppt_h"/>
+                                          </p:val>
+                                        </p:tav>
+                                      </p:tavLst>
+                                    </p:anim>
+                                    <p:animEffect transition="in" filter="fade">
+                                      <p:cBhvr>
+                                        <p:cTn id="9" dur="500"/>
+                                        <p:tgtEl>
+                                          <p:spTgt spid="5">
+                                            <p:txEl>
+                                              <p:pRg st="0" end="0"/>
+                                            </p:txEl>
+                                          </p:spTgt>
+                                        </p:tgtEl>
+                                      </p:cBhvr>
+                                    </p:animEffect>
+                                  </p:childTnLst>
+                                </p:cTn>
+                              </p:par>
+                            </p:childTnLst>
+                          </p:cTn>
+                        </p:par>
+                      </p:childTnLst>
+                    </p:cTn>
+                  </p:par>
+                  <p:par>
+                    <p:cTn id="10" fill="hold">
+                      <p:stCondLst>
+                        <p:cond delay="indefinite"/>
+                      </p:stCondLst>
+                      <p:childTnLst>
+                        <p:par>
+                          <p:cTn id="11" fill="hold">
+                            <p:stCondLst>
+                              <p:cond delay="0"/>
+                            </p:stCondLst>
+                            <p:childTnLst>
+                              <p:par>
+                                <p:cTn id="12" presetID="22" presetClass="entr" presetSubtype="1" fill="hold" grpId="0" nodeType="clickEffect">
+                                  <p:stCondLst>
+                                    <p:cond delay="0"/>
+                                  </p:stCondLst>
+                                  <p:childTnLst>
+                                    <p:set>
+                                      <p:cBhvr>
+                                        <p:cTn id="13" dur="1" fill="hold">
+                                          <p:stCondLst>
+                                            <p:cond delay="0"/>
+                                          </p:stCondLst>
+                                        </p:cTn>
+                                        <p:tgtEl>
+                                          <p:spTgt spid="55"/>
+                                        </p:tgtEl>
+                                        <p:attrNameLst>
+                                          <p:attrName>style.visibility</p:attrName>
+                                        </p:attrNameLst>
+                                      </p:cBhvr>
+                                      <p:to>
+                                        <p:strVal val="visible"/>
+                                      </p:to>
+                                    </p:set>
+                                    <p:animEffect transition="in" filter="wipe(up)">
+                                      <p:cBhvr>
+                                        <p:cTn id="14" dur="500"/>
+                                        <p:tgtEl>
+                                          <p:spTgt spid="55"/>
+                                        </p:tgtEl>
+                                      </p:cBhvr>
+                                    </p:animEffect>
+                                  </p:childTnLst>
+                                </p:cTn>
+                              </p:par>
+                              <p:par>
+                                <p:cTn id="15" presetID="22" presetClass="entr" presetSubtype="1" fill="hold" nodeType="withEffect">
+                                  <p:stCondLst>
+                                    <p:cond delay="0"/>
+                                  </p:stCondLst>
+                                  <p:childTnLst>
+                                    <p:set>
+                                      <p:cBhvr>
+                                        <p:cTn id="16" dur="1" fill="hold">
+                                          <p:stCondLst>
+                                            <p:cond delay="0"/>
+                                          </p:stCondLst>
+                                        </p:cTn>
+                                        <p:tgtEl>
+                                          <p:spTgt spid="20"/>
+                                        </p:tgtEl>
+                                        <p:attrNameLst>
+                                          <p:attrName>style.visibility</p:attrName>
+                                        </p:attrNameLst>
+                                      </p:cBhvr>
+                                      <p:to>
+                                        <p:strVal val="visible"/>
+                                      </p:to>
+                                    </p:set>
+                                    <p:animEffect transition="in" filter="wipe(up)">
+                                      <p:cBhvr>
+                                        <p:cTn id="17" dur="500"/>
+                                        <p:tgtEl>
+                                          <p:spTgt spid="20"/>
+                                        </p:tgtEl>
+                                      </p:cBhvr>
+                                    </p:animEffect>
+                                  </p:childTnLst>
+                                </p:cTn>
+                              </p:par>
+                            </p:childTnLst>
+                          </p:cTn>
+                        </p:par>
+                      </p:childTnLst>
+                    </p:cTn>
+                  </p:par>
+                  <p:par>
+                    <p:cTn id="18" fill="hold">
+                      <p:stCondLst>
+                        <p:cond delay="indefinite"/>
+                      </p:stCondLst>
+                      <p:childTnLst>
+                        <p:par>
+                          <p:cTn id="19" fill="hold">
+                            <p:stCondLst>
+                              <p:cond delay="0"/>
+                            </p:stCondLst>
+                            <p:childTnLst>
+                              <p:par>
+                                <p:cTn id="20" presetID="22" presetClass="entr" presetSubtype="8" fill="hold" nodeType="clickEffect">
+                                  <p:stCondLst>
+                                    <p:cond delay="0"/>
+                                  </p:stCondLst>
+                                  <p:childTnLst>
+                                    <p:set>
+                                      <p:cBhvr>
+                                        <p:cTn id="21" dur="1" fill="hold">
+                                          <p:stCondLst>
+                                            <p:cond delay="0"/>
+                                          </p:stCondLst>
+                                        </p:cTn>
+                                        <p:tgtEl>
+                                          <p:spTgt spid="56"/>
+                                        </p:tgtEl>
+                                        <p:attrNameLst>
+                                          <p:attrName>style.visibility</p:attrName>
+                                        </p:attrNameLst>
+                                      </p:cBhvr>
+                                      <p:to>
+                                        <p:strVal val="visible"/>
+                                      </p:to>
+                                    </p:set>
+                                    <p:animEffect transition="in" filter="wipe(left)">
+                                      <p:cBhvr>
+                                        <p:cTn id="22" dur="500"/>
+                                        <p:tgtEl>
+                                          <p:spTgt spid="56"/>
+                                        </p:tgtEl>
+                                      </p:cBhvr>
+                                    </p:animEffect>
+                                  </p:childTnLst>
+                                </p:cTn>
+                              </p:par>
+                            </p:childTnLst>
+                          </p:cTn>
+                        </p:par>
+                      </p:childTnLst>
+                    </p:cTn>
+                  </p:par>
+                  <p:par>
+                    <p:cTn id="23" fill="hold">
+                      <p:stCondLst>
+                        <p:cond delay="indefinite"/>
+                      </p:stCondLst>
+                      <p:childTnLst>
+                        <p:par>
+                          <p:cTn id="24" fill="hold">
+                            <p:stCondLst>
+                              <p:cond delay="0"/>
+                            </p:stCondLst>
+                            <p:childTnLst>
+                              <p:par>
+                                <p:cTn id="25" presetID="22" presetClass="entr" presetSubtype="1" fill="hold" nodeType="clickEffect">
+                                  <p:stCondLst>
+                                    <p:cond delay="0"/>
+                                  </p:stCondLst>
+                                  <p:childTnLst>
+                                    <p:set>
+                                      <p:cBhvr>
+                                        <p:cTn id="26" dur="1" fill="hold">
+                                          <p:stCondLst>
+                                            <p:cond delay="0"/>
+                                          </p:stCondLst>
+                                        </p:cTn>
+                                        <p:tgtEl>
+                                          <p:spTgt spid="54"/>
+                                        </p:tgtEl>
+                                        <p:attrNameLst>
+                                          <p:attrName>style.visibility</p:attrName>
+                                        </p:attrNameLst>
+                                      </p:cBhvr>
+                                      <p:to>
+                                        <p:strVal val="visible"/>
+                                      </p:to>
+                                    </p:set>
+                                    <p:animEffect transition="in" filter="wipe(up)">
+                                      <p:cBhvr>
+                                        <p:cTn id="27" dur="500"/>
+                                        <p:tgtEl>
+                                          <p:spTgt spid="54"/>
+                                        </p:tgtEl>
+                                      </p:cBhvr>
+                                    </p:animEffect>
+                                  </p:childTnLst>
+                                </p:cTn>
+                              </p:par>
+                              <p:par>
+                                <p:cTn id="28" presetID="1" presetClass="exit" presetSubtype="0" fill="hold" nodeType="withEffect">
+                                  <p:stCondLst>
+                                    <p:cond delay="0"/>
+                                  </p:stCondLst>
+                                  <p:childTnLst>
+                                    <p:set>
+                                      <p:cBhvr>
+                                        <p:cTn id="29" dur="1" fill="hold">
+                                          <p:stCondLst>
+                                            <p:cond delay="0"/>
+                                          </p:stCondLst>
+                                        </p:cTn>
+                                        <p:tgtEl>
+                                          <p:spTgt spid="56"/>
+                                        </p:tgtEl>
+                                        <p:attrNameLst>
+                                          <p:attrName>style.visibility</p:attrName>
+                                        </p:attrNameLst>
+                                      </p:cBhvr>
+                                      <p:to>
+                                        <p:strVal val="hidden"/>
+                                      </p:to>
+                                    </p:set>
+                                  </p:childTnLst>
+                                </p:cTn>
+                              </p:par>
+                              <p:par>
+                                <p:cTn id="30" presetID="1" presetClass="exit" presetSubtype="0" fill="hold" grpId="1" nodeType="withEffect">
+                                  <p:stCondLst>
+                                    <p:cond delay="0"/>
+                                  </p:stCondLst>
+                                  <p:childTnLst>
+                                    <p:set>
+                                      <p:cBhvr>
+                                        <p:cTn id="31" dur="1" fill="hold">
+                                          <p:stCondLst>
+                                            <p:cond delay="0"/>
+                                          </p:stCondLst>
+                                        </p:cTn>
+                                        <p:tgtEl>
+                                          <p:spTgt spid="55"/>
+                                        </p:tgtEl>
+                                        <p:attrNameLst>
+                                          <p:attrName>style.visibility</p:attrName>
+                                        </p:attrNameLst>
+                                      </p:cBhvr>
+                                      <p:to>
+                                        <p:strVal val="hidden"/>
+                                      </p:to>
+                                    </p:set>
+                                  </p:childTnLst>
+                                </p:cTn>
+                              </p:par>
+                            </p:childTnLst>
+                          </p:cTn>
+                        </p:par>
+                      </p:childTnLst>
+                    </p:cTn>
+                  </p:par>
+                  <p:par>
+                    <p:cTn id="32" fill="hold">
+                      <p:stCondLst>
+                        <p:cond delay="indefinite"/>
+                      </p:stCondLst>
+                      <p:childTnLst>
+                        <p:par>
+                          <p:cTn id="33" fill="hold">
+                            <p:stCondLst>
+                              <p:cond delay="0"/>
+                            </p:stCondLst>
+                            <p:childTnLst>
+                              <p:par>
+                                <p:cTn id="34" presetID="22" presetClass="entr" presetSubtype="2" fill="hold" nodeType="clickEffect">
+                                  <p:stCondLst>
+                                    <p:cond delay="0"/>
+                                  </p:stCondLst>
+                                  <p:childTnLst>
+                                    <p:set>
+                                      <p:cBhvr>
+                                        <p:cTn id="35" dur="1" fill="hold">
+                                          <p:stCondLst>
+                                            <p:cond delay="0"/>
+                                          </p:stCondLst>
+                                        </p:cTn>
+                                        <p:tgtEl>
+                                          <p:spTgt spid="53"/>
+                                        </p:tgtEl>
+                                        <p:attrNameLst>
+                                          <p:attrName>style.visibility</p:attrName>
+                                        </p:attrNameLst>
+                                      </p:cBhvr>
+                                      <p:to>
+                                        <p:strVal val="visible"/>
+                                      </p:to>
+                                    </p:set>
+                                    <p:animEffect transition="in" filter="wipe(right)">
+                                      <p:cBhvr>
+                                        <p:cTn id="36" dur="500"/>
+                                        <p:tgtEl>
+                                          <p:spTgt spid="53"/>
+                                        </p:tgtEl>
+                                      </p:cBhvr>
+                                    </p:animEffect>
+                                  </p:childTnLst>
+                                </p:cTn>
+                              </p:par>
+                            </p:childTnLst>
+                          </p:cTn>
+                        </p:par>
+                      </p:childTnLst>
+                    </p:cTn>
+                  </p:par>
+                  <p:par>
+                    <p:cTn id="37" fill="hold">
+                      <p:stCondLst>
+                        <p:cond delay="indefinite"/>
+                      </p:stCondLst>
+                      <p:childTnLst>
+                        <p:par>
+                          <p:cTn id="38" fill="hold">
+                            <p:stCondLst>
+                              <p:cond delay="0"/>
+                            </p:stCondLst>
+                            <p:childTnLst>
+                              <p:par>
+                                <p:cTn id="39" presetID="10" presetClass="entr" presetSubtype="0" fill="hold" grpId="0" nodeType="clickEffect">
+                                  <p:stCondLst>
+                                    <p:cond delay="0"/>
+                                  </p:stCondLst>
+                                  <p:childTnLst>
+                                    <p:set>
+                                      <p:cBhvr>
+                                        <p:cTn id="40" dur="1" fill="hold">
+                                          <p:stCondLst>
+                                            <p:cond delay="0"/>
+                                          </p:stCondLst>
+                                        </p:cTn>
+                                        <p:tgtEl>
+                                          <p:spTgt spid="28"/>
+                                        </p:tgtEl>
+                                        <p:attrNameLst>
+                                          <p:attrName>style.visibility</p:attrName>
+                                        </p:attrNameLst>
+                                      </p:cBhvr>
+                                      <p:to>
+                                        <p:strVal val="visible"/>
+                                      </p:to>
+                                    </p:set>
+                                    <p:animEffect transition="in" filter="fade">
+                                      <p:cBhvr>
+                                        <p:cTn id="41" dur="500"/>
+                                        <p:tgtEl>
+                                          <p:spTgt spid="28"/>
+                                        </p:tgtEl>
+                                      </p:cBhvr>
+                                    </p:animEffect>
+                                  </p:childTnLst>
+                                </p:cTn>
+                              </p:par>
+                            </p:childTnLst>
+                          </p:cTn>
+                        </p:par>
+                      </p:childTnLst>
+                    </p:cTn>
+                  </p:par>
+                </p:childTnLst>
+              </p:cTn>
+              <p:prevCondLst>
+                <p:cond evt="onPrev" delay="0">
+                  <p:tgtEl>
+                    <p:sldTgt/>
+                  </p:tgtEl>
+                </p:cond>
+              </p:prevCondLst>
+              <p:nextCondLst>
+                <p:cond evt="onNext" delay="0">
+                  <p:tgtEl>
+                    <p:sldTgt/>
+                  </p:tgtEl>
+                </p:cond>
+              </p:nextCondLst>
+            </p:seq>
+          </p:childTnLst>
+        </p:cTn>
+      </p:par>
+    </p:tnLst>
+    <p:bldLst>
+      <p:bldP spid="55" grpId="0"/>
+      <p:bldP spid="55" grpId="1"/>
+      <p:bldP spid="28" grpId="0"/>
+    </p:bldLst>
+  </p:timing>
+</p:sld>
+</file>
+
+<file path=ppt/slides/slide8.xml><?xml version="1.0" encoding="utf-8"?>
+<p:sld xmlns:a="http://schemas.openxmlformats.org/drawingml/2006/main" xmlns:r="http://schemas.openxmlformats.org/officeDocument/2006/relationships" xmlns:p="http://schemas.openxmlformats.org/presentationml/2006/main">
+  <p:cSld>
+    <p:spTree>
+      <p:nvGrpSpPr>
+        <p:cNvPr id="1" name=""/>
+        <p:cNvGrpSpPr/>
+        <p:nvPr/>
+      </p:nvGrpSpPr>
+      <p:grpSpPr>
+        <a:xfrm>
+          <a:off x="0" y="0"/>
+          <a:ext cx="0" cy="0"/>
+          <a:chOff x="0" y="0"/>
+          <a:chExt cx="0" cy="0"/>
+        </a:xfrm>
+      </p:grpSpPr>
+      <p:sp>
+        <p:nvSpPr>
+          <p:cNvPr id="2" name="Заголовок 1"/>
+          <p:cNvSpPr>
+            <a:spLocks noGrp="1"/>
+          </p:cNvSpPr>
+          <p:nvPr>
+            <p:ph type="title"/>
+          </p:nvPr>
+        </p:nvSpPr>
+        <p:spPr/>
+        <p:txBody>
+          <a:bodyPr/>
+          <a:lstStyle/>
+          <a:p>
+            <a:r>
+              <a:rPr lang="ru-RU" dirty="0" smtClean="0"/>
+              <a:t>Преимущества </a:t>
+            </a:r>
+            <a:r>
+              <a:rPr lang="en-US" dirty="0" smtClean="0"/>
+              <a:t>mock </a:t>
+            </a:r>
+            <a:r>
+              <a:rPr lang="ru-RU" dirty="0" smtClean="0"/>
+              <a:t>объектов</a:t>
+            </a:r>
+            <a:endParaRPr lang="ru-RU" dirty="0"/>
+          </a:p>
+        </p:txBody>
+      </p:sp>
+      <p:sp>
+        <p:nvSpPr>
+          <p:cNvPr id="3" name="Объект 2"/>
+          <p:cNvSpPr>
+            <a:spLocks noGrp="1"/>
+          </p:cNvSpPr>
+          <p:nvPr>
+            <p:ph idx="1"/>
+          </p:nvPr>
+        </p:nvSpPr>
+        <p:spPr/>
+        <p:txBody>
+          <a:bodyPr/>
+          <a:lstStyle/>
+          <a:p>
+            <a:r>
+              <a:rPr lang="ru-RU" dirty="0" smtClean="0"/>
+              <a:t>Могут запоминать, какие методы вызывались, и с какими параметрами</a:t>
+            </a:r>
+          </a:p>
+          <a:p>
+            <a:r>
+              <a:rPr lang="ru-RU" dirty="0" smtClean="0"/>
+              <a:t>Можно навесить «обработчик событий» на вызов метода, и сохранить его параметр в локальную переменную</a:t>
+            </a:r>
+            <a:endParaRPr lang="en-US" dirty="0" smtClean="0"/>
+          </a:p>
+          <a:p>
+            <a:r>
+              <a:rPr lang="ru-RU" dirty="0" smtClean="0"/>
+              <a:t>Можно указать, какие значения нужно возвращать при вызове методов</a:t>
+            </a:r>
+            <a:endParaRPr lang="ru-RU" dirty="0"/>
+          </a:p>
+        </p:txBody>
+      </p:sp>
+    </p:spTree>
+    <p:extLst>
+      <p:ext uri="{BB962C8B-B14F-4D97-AF65-F5344CB8AC3E}">
+        <p14:creationId xmlns:p14="http://schemas.microsoft.com/office/powerpoint/2010/main" val="1559943341"/>
       </p:ext>
     </p:extLst>
   </p:cSld>

--- a/04. Юнит тесты/Юнит тесты.pptx
+++ b/04. Юнит тесты/Юнит тесты.pptx
@@ -5,7 +5,7 @@
     <p:sldMasterId id="2147483678" r:id="rId1"/>
   </p:sldMasterIdLst>
   <p:notesMasterIdLst>
-    <p:notesMasterId r:id="rId14"/>
+    <p:notesMasterId r:id="rId15"/>
   </p:notesMasterIdLst>
   <p:sldIdLst>
     <p:sldId id="256" r:id="rId2"/>
@@ -14,12 +14,13 @@
     <p:sldId id="270" r:id="rId5"/>
     <p:sldId id="274" r:id="rId6"/>
     <p:sldId id="262" r:id="rId7"/>
-    <p:sldId id="276" r:id="rId8"/>
-    <p:sldId id="268" r:id="rId9"/>
-    <p:sldId id="273" r:id="rId10"/>
-    <p:sldId id="277" r:id="rId11"/>
-    <p:sldId id="279" r:id="rId12"/>
-    <p:sldId id="275" r:id="rId13"/>
+    <p:sldId id="280" r:id="rId8"/>
+    <p:sldId id="276" r:id="rId9"/>
+    <p:sldId id="268" r:id="rId10"/>
+    <p:sldId id="273" r:id="rId11"/>
+    <p:sldId id="277" r:id="rId12"/>
+    <p:sldId id="279" r:id="rId13"/>
+    <p:sldId id="275" r:id="rId14"/>
   </p:sldIdLst>
   <p:sldSz cx="12192000" cy="6858000"/>
   <p:notesSz cx="6797675" cy="9926638"/>
@@ -208,7 +209,7 @@
           <a:p>
             <a:fld id="{67473D11-8B1B-453F-8AA9-6E6B30AAD56C}" type="datetimeFigureOut">
               <a:rPr lang="ru-RU" smtClean="0"/>
-              <a:t>23-09-2023</a:t>
+              <a:t>24-09-2023</a:t>
             </a:fld>
             <a:endParaRPr lang="ru-RU"/>
           </a:p>
@@ -705,7 +706,7 @@
           <a:noFill/>
           <a:extLst>
             <a:ext uri="{909E8E84-426E-40dd-AFC4-6F175D3DCCD1}">
-              <a14:hiddenFill xmlns="" xmlns:a14="http://schemas.microsoft.com/office/drawing/2010/main">
+              <a14:hiddenFill xmlns:a14="http://schemas.microsoft.com/office/drawing/2010/main" xmlns="">
                 <a:solidFill>
                   <a:srgbClr val="FFFFFF"/>
                 </a:solidFill>
@@ -764,7 +765,7 @@
             </a:ln>
             <a:extLst>
               <a:ext uri="{91240B29-F687-4f45-9708-019B960494DF}">
-                <a14:hiddenLine xmlns="" xmlns:a14="http://schemas.microsoft.com/office/drawing/2010/main" w="9525">
+                <a14:hiddenLine xmlns:a14="http://schemas.microsoft.com/office/drawing/2010/main" xmlns="" w="9525">
                   <a:solidFill>
                     <a:srgbClr val="000000"/>
                   </a:solidFill>
@@ -854,7 +855,7 @@
             </a:ln>
             <a:extLst>
               <a:ext uri="{91240B29-F687-4f45-9708-019B960494DF}">
-                <a14:hiddenLine xmlns="" xmlns:a14="http://schemas.microsoft.com/office/drawing/2010/main" w="9525">
+                <a14:hiddenLine xmlns:a14="http://schemas.microsoft.com/office/drawing/2010/main" xmlns="" w="9525">
                   <a:solidFill>
                     <a:srgbClr val="000000"/>
                   </a:solidFill>
@@ -944,7 +945,7 @@
             </a:ln>
             <a:extLst>
               <a:ext uri="{91240B29-F687-4f45-9708-019B960494DF}">
-                <a14:hiddenLine xmlns="" xmlns:a14="http://schemas.microsoft.com/office/drawing/2010/main" w="9525">
+                <a14:hiddenLine xmlns:a14="http://schemas.microsoft.com/office/drawing/2010/main" xmlns="" w="9525">
                   <a:solidFill>
                     <a:srgbClr val="000000"/>
                   </a:solidFill>
@@ -978,7 +979,7 @@
             </a:ln>
             <a:extLst>
               <a:ext uri="{91240B29-F687-4f45-9708-019B960494DF}">
-                <a14:hiddenLine xmlns="" xmlns:a14="http://schemas.microsoft.com/office/drawing/2010/main" w="9525">
+                <a14:hiddenLine xmlns:a14="http://schemas.microsoft.com/office/drawing/2010/main" xmlns="" w="9525">
                   <a:solidFill>
                     <a:srgbClr val="000000"/>
                   </a:solidFill>
@@ -1068,7 +1069,7 @@
             </a:ln>
             <a:extLst>
               <a:ext uri="{91240B29-F687-4f45-9708-019B960494DF}">
-                <a14:hiddenLine xmlns="" xmlns:a14="http://schemas.microsoft.com/office/drawing/2010/main" w="9525">
+                <a14:hiddenLine xmlns:a14="http://schemas.microsoft.com/office/drawing/2010/main" xmlns="" w="9525">
                   <a:solidFill>
                     <a:srgbClr val="000000"/>
                   </a:solidFill>
@@ -1130,7 +1131,7 @@
             </a:ln>
             <a:extLst>
               <a:ext uri="{91240B29-F687-4f45-9708-019B960494DF}">
-                <a14:hiddenLine xmlns="" xmlns:a14="http://schemas.microsoft.com/office/drawing/2010/main" w="9525">
+                <a14:hiddenLine xmlns:a14="http://schemas.microsoft.com/office/drawing/2010/main" xmlns="" w="9525">
                   <a:solidFill>
                     <a:srgbClr val="000000"/>
                   </a:solidFill>
@@ -1192,7 +1193,7 @@
             </a:ln>
             <a:extLst>
               <a:ext uri="{91240B29-F687-4f45-9708-019B960494DF}">
-                <a14:hiddenLine xmlns="" xmlns:a14="http://schemas.microsoft.com/office/drawing/2010/main" w="9525">
+                <a14:hiddenLine xmlns:a14="http://schemas.microsoft.com/office/drawing/2010/main" xmlns="" w="9525">
                   <a:solidFill>
                     <a:srgbClr val="000000"/>
                   </a:solidFill>
@@ -1282,7 +1283,7 @@
             </a:ln>
             <a:extLst>
               <a:ext uri="{91240B29-F687-4f45-9708-019B960494DF}">
-                <a14:hiddenLine xmlns="" xmlns:a14="http://schemas.microsoft.com/office/drawing/2010/main" w="9525">
+                <a14:hiddenLine xmlns:a14="http://schemas.microsoft.com/office/drawing/2010/main" xmlns="" w="9525">
                   <a:solidFill>
                     <a:srgbClr val="000000"/>
                   </a:solidFill>
@@ -1344,7 +1345,7 @@
             </a:ln>
             <a:extLst>
               <a:ext uri="{91240B29-F687-4f45-9708-019B960494DF}">
-                <a14:hiddenLine xmlns="" xmlns:a14="http://schemas.microsoft.com/office/drawing/2010/main" w="9525">
+                <a14:hiddenLine xmlns:a14="http://schemas.microsoft.com/office/drawing/2010/main" xmlns="" w="9525">
                   <a:solidFill>
                     <a:srgbClr val="000000"/>
                   </a:solidFill>
@@ -1406,7 +1407,7 @@
             </a:ln>
             <a:extLst>
               <a:ext uri="{91240B29-F687-4f45-9708-019B960494DF}">
-                <a14:hiddenLine xmlns="" xmlns:a14="http://schemas.microsoft.com/office/drawing/2010/main" w="9525">
+                <a14:hiddenLine xmlns:a14="http://schemas.microsoft.com/office/drawing/2010/main" xmlns="" w="9525">
                   <a:solidFill>
                     <a:srgbClr val="000000"/>
                   </a:solidFill>
@@ -1496,7 +1497,7 @@
             </a:ln>
             <a:extLst>
               <a:ext uri="{91240B29-F687-4f45-9708-019B960494DF}">
-                <a14:hiddenLine xmlns="" xmlns:a14="http://schemas.microsoft.com/office/drawing/2010/main" w="9525">
+                <a14:hiddenLine xmlns:a14="http://schemas.microsoft.com/office/drawing/2010/main" xmlns="" w="9525">
                   <a:solidFill>
                     <a:srgbClr val="000000"/>
                   </a:solidFill>
@@ -1586,7 +1587,7 @@
             </a:ln>
             <a:extLst>
               <a:ext uri="{91240B29-F687-4f45-9708-019B960494DF}">
-                <a14:hiddenLine xmlns="" xmlns:a14="http://schemas.microsoft.com/office/drawing/2010/main" w="9525">
+                <a14:hiddenLine xmlns:a14="http://schemas.microsoft.com/office/drawing/2010/main" xmlns="" w="9525">
                   <a:solidFill>
                     <a:srgbClr val="000000"/>
                   </a:solidFill>
@@ -1648,7 +1649,7 @@
             </a:ln>
             <a:extLst>
               <a:ext uri="{91240B29-F687-4f45-9708-019B960494DF}">
-                <a14:hiddenLine xmlns="" xmlns:a14="http://schemas.microsoft.com/office/drawing/2010/main" w="9525">
+                <a14:hiddenLine xmlns:a14="http://schemas.microsoft.com/office/drawing/2010/main" xmlns="" w="9525">
                   <a:solidFill>
                     <a:srgbClr val="000000"/>
                   </a:solidFill>
@@ -1758,7 +1759,7 @@
             </a:ln>
             <a:extLst>
               <a:ext uri="{91240B29-F687-4f45-9708-019B960494DF}">
-                <a14:hiddenLine xmlns="" xmlns:a14="http://schemas.microsoft.com/office/drawing/2010/main" w="9525">
+                <a14:hiddenLine xmlns:a14="http://schemas.microsoft.com/office/drawing/2010/main" xmlns="" w="9525">
                   <a:solidFill>
                     <a:srgbClr val="000000"/>
                   </a:solidFill>
@@ -1820,7 +1821,7 @@
             </a:ln>
             <a:extLst>
               <a:ext uri="{91240B29-F687-4f45-9708-019B960494DF}">
-                <a14:hiddenLine xmlns="" xmlns:a14="http://schemas.microsoft.com/office/drawing/2010/main" w="9525">
+                <a14:hiddenLine xmlns:a14="http://schemas.microsoft.com/office/drawing/2010/main" xmlns="" w="9525">
                   <a:solidFill>
                     <a:srgbClr val="000000"/>
                   </a:solidFill>
@@ -1910,7 +1911,7 @@
             </a:ln>
             <a:extLst>
               <a:ext uri="{91240B29-F687-4f45-9708-019B960494DF}">
-                <a14:hiddenLine xmlns="" xmlns:a14="http://schemas.microsoft.com/office/drawing/2010/main" w="9525">
+                <a14:hiddenLine xmlns:a14="http://schemas.microsoft.com/office/drawing/2010/main" xmlns="" w="9525">
                   <a:solidFill>
                     <a:srgbClr val="000000"/>
                   </a:solidFill>
@@ -2000,7 +2001,7 @@
             </a:ln>
             <a:extLst>
               <a:ext uri="{91240B29-F687-4f45-9708-019B960494DF}">
-                <a14:hiddenLine xmlns="" xmlns:a14="http://schemas.microsoft.com/office/drawing/2010/main" w="9525">
+                <a14:hiddenLine xmlns:a14="http://schemas.microsoft.com/office/drawing/2010/main" xmlns="" w="9525">
                   <a:solidFill>
                     <a:srgbClr val="000000"/>
                   </a:solidFill>
@@ -2062,7 +2063,7 @@
             </a:ln>
             <a:extLst>
               <a:ext uri="{91240B29-F687-4f45-9708-019B960494DF}">
-                <a14:hiddenLine xmlns="" xmlns:a14="http://schemas.microsoft.com/office/drawing/2010/main" w="9525">
+                <a14:hiddenLine xmlns:a14="http://schemas.microsoft.com/office/drawing/2010/main" xmlns="" w="9525">
                   <a:solidFill>
                     <a:srgbClr val="000000"/>
                   </a:solidFill>
@@ -2152,7 +2153,7 @@
             </a:ln>
             <a:extLst>
               <a:ext uri="{91240B29-F687-4f45-9708-019B960494DF}">
-                <a14:hiddenLine xmlns="" xmlns:a14="http://schemas.microsoft.com/office/drawing/2010/main" w="9525">
+                <a14:hiddenLine xmlns:a14="http://schemas.microsoft.com/office/drawing/2010/main" xmlns="" w="9525">
                   <a:solidFill>
                     <a:srgbClr val="000000"/>
                   </a:solidFill>
@@ -2242,7 +2243,7 @@
             </a:ln>
             <a:extLst>
               <a:ext uri="{91240B29-F687-4f45-9708-019B960494DF}">
-                <a14:hiddenLine xmlns="" xmlns:a14="http://schemas.microsoft.com/office/drawing/2010/main" w="9525">
+                <a14:hiddenLine xmlns:a14="http://schemas.microsoft.com/office/drawing/2010/main" xmlns="" w="9525">
                   <a:solidFill>
                     <a:srgbClr val="000000"/>
                   </a:solidFill>
@@ -2298,7 +2299,7 @@
             </a:ln>
             <a:extLst>
               <a:ext uri="{91240B29-F687-4f45-9708-019B960494DF}">
-                <a14:hiddenLine xmlns="" xmlns:a14="http://schemas.microsoft.com/office/drawing/2010/main" w="9525">
+                <a14:hiddenLine xmlns:a14="http://schemas.microsoft.com/office/drawing/2010/main" xmlns="" w="9525">
                   <a:solidFill>
                     <a:srgbClr val="000000"/>
                   </a:solidFill>
@@ -2388,7 +2389,7 @@
             </a:ln>
             <a:extLst>
               <a:ext uri="{91240B29-F687-4f45-9708-019B960494DF}">
-                <a14:hiddenLine xmlns="" xmlns:a14="http://schemas.microsoft.com/office/drawing/2010/main" w="9525">
+                <a14:hiddenLine xmlns:a14="http://schemas.microsoft.com/office/drawing/2010/main" xmlns="" w="9525">
                   <a:solidFill>
                     <a:srgbClr val="000000"/>
                   </a:solidFill>
@@ -2444,7 +2445,7 @@
             </a:ln>
             <a:extLst>
               <a:ext uri="{91240B29-F687-4f45-9708-019B960494DF}">
-                <a14:hiddenLine xmlns="" xmlns:a14="http://schemas.microsoft.com/office/drawing/2010/main" w="9525">
+                <a14:hiddenLine xmlns:a14="http://schemas.microsoft.com/office/drawing/2010/main" xmlns="" w="9525">
                   <a:solidFill>
                     <a:srgbClr val="000000"/>
                   </a:solidFill>
@@ -2534,7 +2535,7 @@
             </a:ln>
             <a:extLst>
               <a:ext uri="{91240B29-F687-4f45-9708-019B960494DF}">
-                <a14:hiddenLine xmlns="" xmlns:a14="http://schemas.microsoft.com/office/drawing/2010/main" w="9525">
+                <a14:hiddenLine xmlns:a14="http://schemas.microsoft.com/office/drawing/2010/main" xmlns="" w="9525">
                   <a:solidFill>
                     <a:srgbClr val="000000"/>
                   </a:solidFill>
@@ -2602,7 +2603,7 @@
             </a:ln>
             <a:extLst>
               <a:ext uri="{91240B29-F687-4f45-9708-019B960494DF}">
-                <a14:hiddenLine xmlns="" xmlns:a14="http://schemas.microsoft.com/office/drawing/2010/main" w="9525">
+                <a14:hiddenLine xmlns:a14="http://schemas.microsoft.com/office/drawing/2010/main" xmlns="" w="9525">
                   <a:solidFill>
                     <a:srgbClr val="000000"/>
                   </a:solidFill>
@@ -2692,7 +2693,7 @@
             </a:ln>
             <a:extLst>
               <a:ext uri="{91240B29-F687-4f45-9708-019B960494DF}">
-                <a14:hiddenLine xmlns="" xmlns:a14="http://schemas.microsoft.com/office/drawing/2010/main" w="9525">
+                <a14:hiddenLine xmlns:a14="http://schemas.microsoft.com/office/drawing/2010/main" xmlns="" w="9525">
                   <a:solidFill>
                     <a:srgbClr val="000000"/>
                   </a:solidFill>
@@ -2760,7 +2761,7 @@
             </a:ln>
             <a:extLst>
               <a:ext uri="{91240B29-F687-4f45-9708-019B960494DF}">
-                <a14:hiddenLine xmlns="" xmlns:a14="http://schemas.microsoft.com/office/drawing/2010/main" w="9525">
+                <a14:hiddenLine xmlns:a14="http://schemas.microsoft.com/office/drawing/2010/main" xmlns="" w="9525">
                   <a:solidFill>
                     <a:srgbClr val="000000"/>
                   </a:solidFill>
@@ -2850,7 +2851,7 @@
             </a:ln>
             <a:extLst>
               <a:ext uri="{91240B29-F687-4f45-9708-019B960494DF}">
-                <a14:hiddenLine xmlns="" xmlns:a14="http://schemas.microsoft.com/office/drawing/2010/main" w="9525">
+                <a14:hiddenLine xmlns:a14="http://schemas.microsoft.com/office/drawing/2010/main" xmlns="" w="9525">
                   <a:solidFill>
                     <a:srgbClr val="000000"/>
                   </a:solidFill>
@@ -2884,7 +2885,7 @@
             </a:ln>
             <a:extLst>
               <a:ext uri="{91240B29-F687-4f45-9708-019B960494DF}">
-                <a14:hiddenLine xmlns="" xmlns:a14="http://schemas.microsoft.com/office/drawing/2010/main" w="9525">
+                <a14:hiddenLine xmlns:a14="http://schemas.microsoft.com/office/drawing/2010/main" xmlns="" w="9525">
                   <a:solidFill>
                     <a:srgbClr val="000000"/>
                   </a:solidFill>
@@ -2974,7 +2975,7 @@
             </a:ln>
             <a:extLst>
               <a:ext uri="{91240B29-F687-4f45-9708-019B960494DF}">
-                <a14:hiddenLine xmlns="" xmlns:a14="http://schemas.microsoft.com/office/drawing/2010/main" w="9525">
+                <a14:hiddenLine xmlns:a14="http://schemas.microsoft.com/office/drawing/2010/main" xmlns="" w="9525">
                   <a:solidFill>
                     <a:srgbClr val="000000"/>
                   </a:solidFill>
@@ -3036,7 +3037,7 @@
             </a:ln>
             <a:extLst>
               <a:ext uri="{91240B29-F687-4f45-9708-019B960494DF}">
-                <a14:hiddenLine xmlns="" xmlns:a14="http://schemas.microsoft.com/office/drawing/2010/main" w="9525">
+                <a14:hiddenLine xmlns:a14="http://schemas.microsoft.com/office/drawing/2010/main" xmlns="" w="9525">
                   <a:solidFill>
                     <a:srgbClr val="000000"/>
                   </a:solidFill>
@@ -3098,7 +3099,7 @@
             </a:ln>
             <a:extLst>
               <a:ext uri="{91240B29-F687-4f45-9708-019B960494DF}">
-                <a14:hiddenLine xmlns="" xmlns:a14="http://schemas.microsoft.com/office/drawing/2010/main" w="9525">
+                <a14:hiddenLine xmlns:a14="http://schemas.microsoft.com/office/drawing/2010/main" xmlns="" w="9525">
                   <a:solidFill>
                     <a:srgbClr val="000000"/>
                   </a:solidFill>
@@ -3188,7 +3189,7 @@
             </a:ln>
             <a:extLst>
               <a:ext uri="{91240B29-F687-4f45-9708-019B960494DF}">
-                <a14:hiddenLine xmlns="" xmlns:a14="http://schemas.microsoft.com/office/drawing/2010/main" w="9525">
+                <a14:hiddenLine xmlns:a14="http://schemas.microsoft.com/office/drawing/2010/main" xmlns="" w="9525">
                   <a:solidFill>
                     <a:srgbClr val="000000"/>
                   </a:solidFill>
@@ -3256,7 +3257,7 @@
             </a:ln>
             <a:extLst>
               <a:ext uri="{91240B29-F687-4f45-9708-019B960494DF}">
-                <a14:hiddenLine xmlns="" xmlns:a14="http://schemas.microsoft.com/office/drawing/2010/main" w="9525">
+                <a14:hiddenLine xmlns:a14="http://schemas.microsoft.com/office/drawing/2010/main" xmlns="" w="9525">
                   <a:solidFill>
                     <a:srgbClr val="000000"/>
                   </a:solidFill>
@@ -3318,7 +3319,7 @@
             </a:ln>
             <a:extLst>
               <a:ext uri="{91240B29-F687-4f45-9708-019B960494DF}">
-                <a14:hiddenLine xmlns="" xmlns:a14="http://schemas.microsoft.com/office/drawing/2010/main" w="9525">
+                <a14:hiddenLine xmlns:a14="http://schemas.microsoft.com/office/drawing/2010/main" xmlns="" w="9525">
                   <a:solidFill>
                     <a:srgbClr val="000000"/>
                   </a:solidFill>
@@ -3408,7 +3409,7 @@
             </a:ln>
             <a:extLst>
               <a:ext uri="{91240B29-F687-4f45-9708-019B960494DF}">
-                <a14:hiddenLine xmlns="" xmlns:a14="http://schemas.microsoft.com/office/drawing/2010/main" w="9525">
+                <a14:hiddenLine xmlns:a14="http://schemas.microsoft.com/office/drawing/2010/main" xmlns="" w="9525">
                   <a:solidFill>
                     <a:srgbClr val="000000"/>
                   </a:solidFill>
@@ -3470,7 +3471,7 @@
             </a:ln>
             <a:extLst>
               <a:ext uri="{91240B29-F687-4f45-9708-019B960494DF}">
-                <a14:hiddenLine xmlns="" xmlns:a14="http://schemas.microsoft.com/office/drawing/2010/main" w="9525">
+                <a14:hiddenLine xmlns:a14="http://schemas.microsoft.com/office/drawing/2010/main" xmlns="" w="9525">
                   <a:solidFill>
                     <a:srgbClr val="000000"/>
                   </a:solidFill>
@@ -3560,7 +3561,7 @@
             </a:ln>
             <a:extLst>
               <a:ext uri="{91240B29-F687-4f45-9708-019B960494DF}">
-                <a14:hiddenLine xmlns="" xmlns:a14="http://schemas.microsoft.com/office/drawing/2010/main" w="9525">
+                <a14:hiddenLine xmlns:a14="http://schemas.microsoft.com/office/drawing/2010/main" xmlns="" w="9525">
                   <a:solidFill>
                     <a:srgbClr val="000000"/>
                   </a:solidFill>
@@ -3622,7 +3623,7 @@
             </a:ln>
             <a:extLst>
               <a:ext uri="{91240B29-F687-4f45-9708-019B960494DF}">
-                <a14:hiddenLine xmlns="" xmlns:a14="http://schemas.microsoft.com/office/drawing/2010/main" w="9525">
+                <a14:hiddenLine xmlns:a14="http://schemas.microsoft.com/office/drawing/2010/main" xmlns="" w="9525">
                   <a:solidFill>
                     <a:srgbClr val="000000"/>
                   </a:solidFill>
@@ -3712,7 +3713,7 @@
             </a:ln>
             <a:extLst>
               <a:ext uri="{91240B29-F687-4f45-9708-019B960494DF}">
-                <a14:hiddenLine xmlns="" xmlns:a14="http://schemas.microsoft.com/office/drawing/2010/main" w="9525">
+                <a14:hiddenLine xmlns:a14="http://schemas.microsoft.com/office/drawing/2010/main" xmlns="" w="9525">
                   <a:solidFill>
                     <a:srgbClr val="000000"/>
                   </a:solidFill>
@@ -3746,7 +3747,7 @@
             </a:ln>
             <a:extLst>
               <a:ext uri="{91240B29-F687-4f45-9708-019B960494DF}">
-                <a14:hiddenLine xmlns="" xmlns:a14="http://schemas.microsoft.com/office/drawing/2010/main" w="9525">
+                <a14:hiddenLine xmlns:a14="http://schemas.microsoft.com/office/drawing/2010/main" xmlns="" w="9525">
                   <a:solidFill>
                     <a:srgbClr val="000000"/>
                   </a:solidFill>
@@ -3811,7 +3812,7 @@
             </a:ln>
             <a:extLst>
               <a:ext uri="{91240B29-F687-4f45-9708-019B960494DF}">
-                <a14:hiddenLine xmlns="" xmlns:a14="http://schemas.microsoft.com/office/drawing/2010/main" w="9525">
+                <a14:hiddenLine xmlns:a14="http://schemas.microsoft.com/office/drawing/2010/main" xmlns="" w="9525">
                   <a:solidFill>
                     <a:srgbClr val="000000"/>
                   </a:solidFill>
@@ -3901,7 +3902,7 @@
             </a:ln>
             <a:extLst>
               <a:ext uri="{91240B29-F687-4f45-9708-019B960494DF}">
-                <a14:hiddenLine xmlns="" xmlns:a14="http://schemas.microsoft.com/office/drawing/2010/main" w="9525">
+                <a14:hiddenLine xmlns:a14="http://schemas.microsoft.com/office/drawing/2010/main" xmlns="" w="9525">
                   <a:solidFill>
                     <a:srgbClr val="000000"/>
                   </a:solidFill>
@@ -3963,7 +3964,7 @@
             </a:ln>
             <a:extLst>
               <a:ext uri="{91240B29-F687-4f45-9708-019B960494DF}">
-                <a14:hiddenLine xmlns="" xmlns:a14="http://schemas.microsoft.com/office/drawing/2010/main" w="9525">
+                <a14:hiddenLine xmlns:a14="http://schemas.microsoft.com/office/drawing/2010/main" xmlns="" w="9525">
                   <a:solidFill>
                     <a:srgbClr val="000000"/>
                   </a:solidFill>
@@ -4053,7 +4054,7 @@
             </a:ln>
             <a:extLst>
               <a:ext uri="{91240B29-F687-4f45-9708-019B960494DF}">
-                <a14:hiddenLine xmlns="" xmlns:a14="http://schemas.microsoft.com/office/drawing/2010/main" w="9525">
+                <a14:hiddenLine xmlns:a14="http://schemas.microsoft.com/office/drawing/2010/main" xmlns="" w="9525">
                   <a:solidFill>
                     <a:srgbClr val="000000"/>
                   </a:solidFill>
@@ -4143,7 +4144,7 @@
             </a:ln>
             <a:extLst>
               <a:ext uri="{91240B29-F687-4f45-9708-019B960494DF}">
-                <a14:hiddenLine xmlns="" xmlns:a14="http://schemas.microsoft.com/office/drawing/2010/main" w="9525">
+                <a14:hiddenLine xmlns:a14="http://schemas.microsoft.com/office/drawing/2010/main" xmlns="" w="9525">
                   <a:solidFill>
                     <a:srgbClr val="000000"/>
                   </a:solidFill>
@@ -4208,7 +4209,7 @@
             </a:ln>
             <a:extLst>
               <a:ext uri="{91240B29-F687-4f45-9708-019B960494DF}">
-                <a14:hiddenLine xmlns="" xmlns:a14="http://schemas.microsoft.com/office/drawing/2010/main" w="9525">
+                <a14:hiddenLine xmlns:a14="http://schemas.microsoft.com/office/drawing/2010/main" xmlns="" w="9525">
                   <a:solidFill>
                     <a:srgbClr val="000000"/>
                   </a:solidFill>
@@ -4270,7 +4271,7 @@
             </a:ln>
             <a:extLst>
               <a:ext uri="{91240B29-F687-4f45-9708-019B960494DF}">
-                <a14:hiddenLine xmlns="" xmlns:a14="http://schemas.microsoft.com/office/drawing/2010/main" w="9525">
+                <a14:hiddenLine xmlns:a14="http://schemas.microsoft.com/office/drawing/2010/main" xmlns="" w="9525">
                   <a:solidFill>
                     <a:srgbClr val="000000"/>
                   </a:solidFill>
@@ -4360,7 +4361,7 @@
             </a:ln>
             <a:extLst>
               <a:ext uri="{91240B29-F687-4f45-9708-019B960494DF}">
-                <a14:hiddenLine xmlns="" xmlns:a14="http://schemas.microsoft.com/office/drawing/2010/main" w="9525">
+                <a14:hiddenLine xmlns:a14="http://schemas.microsoft.com/office/drawing/2010/main" xmlns="" w="9525">
                   <a:solidFill>
                     <a:srgbClr val="000000"/>
                   </a:solidFill>
@@ -4450,7 +4451,7 @@
             </a:ln>
             <a:extLst>
               <a:ext uri="{91240B29-F687-4f45-9708-019B960494DF}">
-                <a14:hiddenLine xmlns="" xmlns:a14="http://schemas.microsoft.com/office/drawing/2010/main" w="9525">
+                <a14:hiddenLine xmlns:a14="http://schemas.microsoft.com/office/drawing/2010/main" xmlns="" w="9525">
                   <a:solidFill>
                     <a:srgbClr val="000000"/>
                   </a:solidFill>
@@ -4512,7 +4513,7 @@
             </a:ln>
             <a:extLst>
               <a:ext uri="{91240B29-F687-4f45-9708-019B960494DF}">
-                <a14:hiddenLine xmlns="" xmlns:a14="http://schemas.microsoft.com/office/drawing/2010/main" w="9525">
+                <a14:hiddenLine xmlns:a14="http://schemas.microsoft.com/office/drawing/2010/main" xmlns="" w="9525">
                   <a:solidFill>
                     <a:srgbClr val="000000"/>
                   </a:solidFill>
@@ -4632,7 +4633,7 @@
             </a:ln>
             <a:extLst>
               <a:ext uri="{91240B29-F687-4f45-9708-019B960494DF}">
-                <a14:hiddenLine xmlns="" xmlns:a14="http://schemas.microsoft.com/office/drawing/2010/main" w="9525">
+                <a14:hiddenLine xmlns:a14="http://schemas.microsoft.com/office/drawing/2010/main" xmlns="" w="9525">
                   <a:solidFill>
                     <a:srgbClr val="000000"/>
                   </a:solidFill>
@@ -4700,7 +4701,7 @@
             </a:ln>
             <a:extLst>
               <a:ext uri="{91240B29-F687-4f45-9708-019B960494DF}">
-                <a14:hiddenLine xmlns="" xmlns:a14="http://schemas.microsoft.com/office/drawing/2010/main" w="9525">
+                <a14:hiddenLine xmlns:a14="http://schemas.microsoft.com/office/drawing/2010/main" xmlns="" w="9525">
                   <a:solidFill>
                     <a:srgbClr val="000000"/>
                   </a:solidFill>
@@ -4790,7 +4791,7 @@
             </a:ln>
             <a:extLst>
               <a:ext uri="{91240B29-F687-4f45-9708-019B960494DF}">
-                <a14:hiddenLine xmlns="" xmlns:a14="http://schemas.microsoft.com/office/drawing/2010/main" w="9525">
+                <a14:hiddenLine xmlns:a14="http://schemas.microsoft.com/office/drawing/2010/main" xmlns="" w="9525">
                   <a:solidFill>
                     <a:srgbClr val="000000"/>
                   </a:solidFill>
@@ -4930,7 +4931,7 @@
           <a:p>
             <a:fld id="{B3A20725-917D-4215-AA15-F6E5C8C47B2C}" type="datetimeFigureOut">
               <a:rPr lang="ru-RU" smtClean="0"/>
-              <a:t>23-09-2023</a:t>
+              <a:t>24-09-2023</a:t>
             </a:fld>
             <a:endParaRPr lang="ru-RU"/>
           </a:p>
@@ -5197,7 +5198,7 @@
           <a:p>
             <a:fld id="{B3A20725-917D-4215-AA15-F6E5C8C47B2C}" type="datetimeFigureOut">
               <a:rPr lang="ru-RU" smtClean="0"/>
-              <a:t>23-09-2023</a:t>
+              <a:t>24-09-2023</a:t>
             </a:fld>
             <a:endParaRPr lang="ru-RU"/>
           </a:p>
@@ -5393,7 +5394,7 @@
           <a:p>
             <a:fld id="{B3A20725-917D-4215-AA15-F6E5C8C47B2C}" type="datetimeFigureOut">
               <a:rPr lang="ru-RU" smtClean="0"/>
-              <a:t>23-09-2023</a:t>
+              <a:t>24-09-2023</a:t>
             </a:fld>
             <a:endParaRPr lang="ru-RU"/>
           </a:p>
@@ -5656,7 +5657,7 @@
           <a:p>
             <a:fld id="{B3A20725-917D-4215-AA15-F6E5C8C47B2C}" type="datetimeFigureOut">
               <a:rPr lang="ru-RU" smtClean="0"/>
-              <a:t>23-09-2023</a:t>
+              <a:t>24-09-2023</a:t>
             </a:fld>
             <a:endParaRPr lang="ru-RU"/>
           </a:p>
@@ -6090,7 +6091,7 @@
           <a:p>
             <a:fld id="{B3A20725-917D-4215-AA15-F6E5C8C47B2C}" type="datetimeFigureOut">
               <a:rPr lang="ru-RU" smtClean="0"/>
-              <a:t>23-09-2023</a:t>
+              <a:t>24-09-2023</a:t>
             </a:fld>
             <a:endParaRPr lang="ru-RU"/>
           </a:p>
@@ -6636,7 +6637,7 @@
           <a:p>
             <a:fld id="{B3A20725-917D-4215-AA15-F6E5C8C47B2C}" type="datetimeFigureOut">
               <a:rPr lang="ru-RU" smtClean="0"/>
-              <a:t>23-09-2023</a:t>
+              <a:t>24-09-2023</a:t>
             </a:fld>
             <a:endParaRPr lang="ru-RU"/>
           </a:p>
@@ -7356,7 +7357,7 @@
           <a:p>
             <a:fld id="{B3A20725-917D-4215-AA15-F6E5C8C47B2C}" type="datetimeFigureOut">
               <a:rPr lang="ru-RU" smtClean="0"/>
-              <a:t>23-09-2023</a:t>
+              <a:t>24-09-2023</a:t>
             </a:fld>
             <a:endParaRPr lang="ru-RU"/>
           </a:p>
@@ -7526,7 +7527,7 @@
           <a:p>
             <a:fld id="{B3A20725-917D-4215-AA15-F6E5C8C47B2C}" type="datetimeFigureOut">
               <a:rPr lang="ru-RU" smtClean="0"/>
-              <a:t>23-09-2023</a:t>
+              <a:t>24-09-2023</a:t>
             </a:fld>
             <a:endParaRPr lang="ru-RU"/>
           </a:p>
@@ -7706,7 +7707,7 @@
           <a:p>
             <a:fld id="{B3A20725-917D-4215-AA15-F6E5C8C47B2C}" type="datetimeFigureOut">
               <a:rPr lang="ru-RU" smtClean="0"/>
-              <a:t>23-09-2023</a:t>
+              <a:t>24-09-2023</a:t>
             </a:fld>
             <a:endParaRPr lang="ru-RU"/>
           </a:p>
@@ -7876,7 +7877,7 @@
           <a:p>
             <a:fld id="{B3A20725-917D-4215-AA15-F6E5C8C47B2C}" type="datetimeFigureOut">
               <a:rPr lang="ru-RU" smtClean="0"/>
-              <a:t>23-09-2023</a:t>
+              <a:t>24-09-2023</a:t>
             </a:fld>
             <a:endParaRPr lang="ru-RU"/>
           </a:p>
@@ -8126,7 +8127,7 @@
           <a:p>
             <a:fld id="{B3A20725-917D-4215-AA15-F6E5C8C47B2C}" type="datetimeFigureOut">
               <a:rPr lang="ru-RU" smtClean="0"/>
-              <a:t>23-09-2023</a:t>
+              <a:t>24-09-2023</a:t>
             </a:fld>
             <a:endParaRPr lang="ru-RU"/>
           </a:p>
@@ -8358,7 +8359,7 @@
           <a:p>
             <a:fld id="{B3A20725-917D-4215-AA15-F6E5C8C47B2C}" type="datetimeFigureOut">
               <a:rPr lang="ru-RU" smtClean="0"/>
-              <a:t>23-09-2023</a:t>
+              <a:t>24-09-2023</a:t>
             </a:fld>
             <a:endParaRPr lang="ru-RU"/>
           </a:p>
@@ -8739,7 +8740,7 @@
           <a:p>
             <a:fld id="{B3A20725-917D-4215-AA15-F6E5C8C47B2C}" type="datetimeFigureOut">
               <a:rPr lang="ru-RU" smtClean="0"/>
-              <a:t>23-09-2023</a:t>
+              <a:t>24-09-2023</a:t>
             </a:fld>
             <a:endParaRPr lang="ru-RU"/>
           </a:p>
@@ -8857,7 +8858,7 @@
           <a:p>
             <a:fld id="{B3A20725-917D-4215-AA15-F6E5C8C47B2C}" type="datetimeFigureOut">
               <a:rPr lang="ru-RU" smtClean="0"/>
-              <a:t>23-09-2023</a:t>
+              <a:t>24-09-2023</a:t>
             </a:fld>
             <a:endParaRPr lang="ru-RU"/>
           </a:p>
@@ -8952,7 +8953,7 @@
           <a:p>
             <a:fld id="{B3A20725-917D-4215-AA15-F6E5C8C47B2C}" type="datetimeFigureOut">
               <a:rPr lang="ru-RU" smtClean="0"/>
-              <a:t>23-09-2023</a:t>
+              <a:t>24-09-2023</a:t>
             </a:fld>
             <a:endParaRPr lang="ru-RU"/>
           </a:p>
@@ -9201,7 +9202,7 @@
           <a:p>
             <a:fld id="{B3A20725-917D-4215-AA15-F6E5C8C47B2C}" type="datetimeFigureOut">
               <a:rPr lang="ru-RU" smtClean="0"/>
-              <a:t>23-09-2023</a:t>
+              <a:t>24-09-2023</a:t>
             </a:fld>
             <a:endParaRPr lang="ru-RU"/>
           </a:p>
@@ -9481,7 +9482,7 @@
           <a:p>
             <a:fld id="{B3A20725-917D-4215-AA15-F6E5C8C47B2C}" type="datetimeFigureOut">
               <a:rPr lang="ru-RU" smtClean="0"/>
-              <a:t>23-09-2023</a:t>
+              <a:t>24-09-2023</a:t>
             </a:fld>
             <a:endParaRPr lang="ru-RU"/>
           </a:p>
@@ -9604,7 +9605,7 @@
           <a:noFill/>
           <a:extLst>
             <a:ext uri="{909E8E84-426E-40dd-AFC4-6F175D3DCCD1}">
-              <a14:hiddenFill xmlns="" xmlns:a14="http://schemas.microsoft.com/office/drawing/2010/main">
+              <a14:hiddenFill xmlns:a14="http://schemas.microsoft.com/office/drawing/2010/main" xmlns="">
                 <a:solidFill>
                   <a:srgbClr val="FFFFFF"/>
                 </a:solidFill>
@@ -9678,7 +9679,7 @@
               </a:ln>
               <a:extLst>
                 <a:ext uri="{91240B29-F687-4f45-9708-019B960494DF}">
-                  <a14:hiddenLine xmlns="" xmlns:a14="http://schemas.microsoft.com/office/drawing/2010/main" w="9525">
+                  <a14:hiddenLine xmlns:a14="http://schemas.microsoft.com/office/drawing/2010/main" xmlns="" w="9525">
                     <a:solidFill>
                       <a:srgbClr val="000000"/>
                     </a:solidFill>
@@ -9768,7 +9769,7 @@
               </a:ln>
               <a:extLst>
                 <a:ext uri="{91240B29-F687-4f45-9708-019B960494DF}">
-                  <a14:hiddenLine xmlns="" xmlns:a14="http://schemas.microsoft.com/office/drawing/2010/main" w="9525">
+                  <a14:hiddenLine xmlns:a14="http://schemas.microsoft.com/office/drawing/2010/main" xmlns="" w="9525">
                     <a:solidFill>
                       <a:srgbClr val="000000"/>
                     </a:solidFill>
@@ -9858,7 +9859,7 @@
               </a:ln>
               <a:extLst>
                 <a:ext uri="{91240B29-F687-4f45-9708-019B960494DF}">
-                  <a14:hiddenLine xmlns="" xmlns:a14="http://schemas.microsoft.com/office/drawing/2010/main" w="9525">
+                  <a14:hiddenLine xmlns:a14="http://schemas.microsoft.com/office/drawing/2010/main" xmlns="" w="9525">
                     <a:solidFill>
                       <a:srgbClr val="000000"/>
                     </a:solidFill>
@@ -9920,7 +9921,7 @@
               </a:ln>
               <a:extLst>
                 <a:ext uri="{91240B29-F687-4f45-9708-019B960494DF}">
-                  <a14:hiddenLine xmlns="" xmlns:a14="http://schemas.microsoft.com/office/drawing/2010/main" w="9525">
+                  <a14:hiddenLine xmlns:a14="http://schemas.microsoft.com/office/drawing/2010/main" xmlns="" w="9525">
                     <a:solidFill>
                       <a:srgbClr val="000000"/>
                     </a:solidFill>
@@ -10010,7 +10011,7 @@
               </a:ln>
               <a:extLst>
                 <a:ext uri="{91240B29-F687-4f45-9708-019B960494DF}">
-                  <a14:hiddenLine xmlns="" xmlns:a14="http://schemas.microsoft.com/office/drawing/2010/main" w="9525">
+                  <a14:hiddenLine xmlns:a14="http://schemas.microsoft.com/office/drawing/2010/main" xmlns="" w="9525">
                     <a:solidFill>
                       <a:srgbClr val="000000"/>
                     </a:solidFill>
@@ -10072,7 +10073,7 @@
               </a:ln>
               <a:extLst>
                 <a:ext uri="{91240B29-F687-4f45-9708-019B960494DF}">
-                  <a14:hiddenLine xmlns="" xmlns:a14="http://schemas.microsoft.com/office/drawing/2010/main" w="9525">
+                  <a14:hiddenLine xmlns:a14="http://schemas.microsoft.com/office/drawing/2010/main" xmlns="" w="9525">
                     <a:solidFill>
                       <a:srgbClr val="000000"/>
                     </a:solidFill>
@@ -10134,7 +10135,7 @@
               </a:ln>
               <a:extLst>
                 <a:ext uri="{91240B29-F687-4f45-9708-019B960494DF}">
-                  <a14:hiddenLine xmlns="" xmlns:a14="http://schemas.microsoft.com/office/drawing/2010/main" w="9525">
+                  <a14:hiddenLine xmlns:a14="http://schemas.microsoft.com/office/drawing/2010/main" xmlns="" w="9525">
                     <a:solidFill>
                       <a:srgbClr val="000000"/>
                     </a:solidFill>
@@ -10224,7 +10225,7 @@
               </a:ln>
               <a:extLst>
                 <a:ext uri="{91240B29-F687-4f45-9708-019B960494DF}">
-                  <a14:hiddenLine xmlns="" xmlns:a14="http://schemas.microsoft.com/office/drawing/2010/main" w="9525">
+                  <a14:hiddenLine xmlns:a14="http://schemas.microsoft.com/office/drawing/2010/main" xmlns="" w="9525">
                     <a:solidFill>
                       <a:srgbClr val="000000"/>
                     </a:solidFill>
@@ -10314,7 +10315,7 @@
               </a:ln>
               <a:extLst>
                 <a:ext uri="{91240B29-F687-4f45-9708-019B960494DF}">
-                  <a14:hiddenLine xmlns="" xmlns:a14="http://schemas.microsoft.com/office/drawing/2010/main" w="9525">
+                  <a14:hiddenLine xmlns:a14="http://schemas.microsoft.com/office/drawing/2010/main" xmlns="" w="9525">
                     <a:solidFill>
                       <a:srgbClr val="000000"/>
                     </a:solidFill>
@@ -10376,7 +10377,7 @@
               </a:ln>
               <a:extLst>
                 <a:ext uri="{91240B29-F687-4f45-9708-019B960494DF}">
-                  <a14:hiddenLine xmlns="" xmlns:a14="http://schemas.microsoft.com/office/drawing/2010/main" w="9525">
+                  <a14:hiddenLine xmlns:a14="http://schemas.microsoft.com/office/drawing/2010/main" xmlns="" w="9525">
                     <a:solidFill>
                       <a:srgbClr val="000000"/>
                     </a:solidFill>
@@ -10486,7 +10487,7 @@
               </a:ln>
               <a:extLst>
                 <a:ext uri="{91240B29-F687-4f45-9708-019B960494DF}">
-                  <a14:hiddenLine xmlns="" xmlns:a14="http://schemas.microsoft.com/office/drawing/2010/main" w="9525">
+                  <a14:hiddenLine xmlns:a14="http://schemas.microsoft.com/office/drawing/2010/main" xmlns="" w="9525">
                     <a:solidFill>
                       <a:srgbClr val="000000"/>
                     </a:solidFill>
@@ -10570,7 +10571,7 @@
               </a:ln>
               <a:extLst>
                 <a:ext uri="{91240B29-F687-4f45-9708-019B960494DF}">
-                  <a14:hiddenLine xmlns="" xmlns:a14="http://schemas.microsoft.com/office/drawing/2010/main" w="9525">
+                  <a14:hiddenLine xmlns:a14="http://schemas.microsoft.com/office/drawing/2010/main" xmlns="" w="9525">
                     <a:solidFill>
                       <a:srgbClr val="000000"/>
                     </a:solidFill>
@@ -10632,7 +10633,7 @@
               </a:ln>
               <a:extLst>
                 <a:ext uri="{91240B29-F687-4f45-9708-019B960494DF}">
-                  <a14:hiddenLine xmlns="" xmlns:a14="http://schemas.microsoft.com/office/drawing/2010/main" w="9525">
+                  <a14:hiddenLine xmlns:a14="http://schemas.microsoft.com/office/drawing/2010/main" xmlns="" w="9525">
                     <a:solidFill>
                       <a:srgbClr val="000000"/>
                     </a:solidFill>
@@ -10694,7 +10695,7 @@
               </a:ln>
               <a:extLst>
                 <a:ext uri="{91240B29-F687-4f45-9708-019B960494DF}">
-                  <a14:hiddenLine xmlns="" xmlns:a14="http://schemas.microsoft.com/office/drawing/2010/main" w="9525">
+                  <a14:hiddenLine xmlns:a14="http://schemas.microsoft.com/office/drawing/2010/main" xmlns="" w="9525">
                     <a:solidFill>
                       <a:srgbClr val="000000"/>
                     </a:solidFill>
@@ -10784,7 +10785,7 @@
               </a:ln>
               <a:extLst>
                 <a:ext uri="{91240B29-F687-4f45-9708-019B960494DF}">
-                  <a14:hiddenLine xmlns="" xmlns:a14="http://schemas.microsoft.com/office/drawing/2010/main" w="9525">
+                  <a14:hiddenLine xmlns:a14="http://schemas.microsoft.com/office/drawing/2010/main" xmlns="" w="9525">
                     <a:solidFill>
                       <a:srgbClr val="000000"/>
                     </a:solidFill>
@@ -10818,7 +10819,7 @@
               </a:ln>
               <a:extLst>
                 <a:ext uri="{91240B29-F687-4f45-9708-019B960494DF}">
-                  <a14:hiddenLine xmlns="" xmlns:a14="http://schemas.microsoft.com/office/drawing/2010/main" w="9525">
+                  <a14:hiddenLine xmlns:a14="http://schemas.microsoft.com/office/drawing/2010/main" xmlns="" w="9525">
                     <a:solidFill>
                       <a:srgbClr val="000000"/>
                     </a:solidFill>
@@ -10883,7 +10884,7 @@
               </a:ln>
               <a:extLst>
                 <a:ext uri="{91240B29-F687-4f45-9708-019B960494DF}">
-                  <a14:hiddenLine xmlns="" xmlns:a14="http://schemas.microsoft.com/office/drawing/2010/main" w="9525">
+                  <a14:hiddenLine xmlns:a14="http://schemas.microsoft.com/office/drawing/2010/main" xmlns="" w="9525">
                     <a:solidFill>
                       <a:srgbClr val="000000"/>
                     </a:solidFill>
@@ -10973,7 +10974,7 @@
               </a:ln>
               <a:extLst>
                 <a:ext uri="{91240B29-F687-4f45-9708-019B960494DF}">
-                  <a14:hiddenLine xmlns="" xmlns:a14="http://schemas.microsoft.com/office/drawing/2010/main" w="9525">
+                  <a14:hiddenLine xmlns:a14="http://schemas.microsoft.com/office/drawing/2010/main" xmlns="" w="9525">
                     <a:solidFill>
                       <a:srgbClr val="000000"/>
                     </a:solidFill>
@@ -11035,7 +11036,7 @@
               </a:ln>
               <a:extLst>
                 <a:ext uri="{91240B29-F687-4f45-9708-019B960494DF}">
-                  <a14:hiddenLine xmlns="" xmlns:a14="http://schemas.microsoft.com/office/drawing/2010/main" w="9525">
+                  <a14:hiddenLine xmlns:a14="http://schemas.microsoft.com/office/drawing/2010/main" xmlns="" w="9525">
                     <a:solidFill>
                       <a:srgbClr val="000000"/>
                     </a:solidFill>
@@ -11125,7 +11126,7 @@
               </a:ln>
               <a:extLst>
                 <a:ext uri="{91240B29-F687-4f45-9708-019B960494DF}">
-                  <a14:hiddenLine xmlns="" xmlns:a14="http://schemas.microsoft.com/office/drawing/2010/main" w="9525">
+                  <a14:hiddenLine xmlns:a14="http://schemas.microsoft.com/office/drawing/2010/main" xmlns="" w="9525">
                     <a:solidFill>
                       <a:srgbClr val="000000"/>
                     </a:solidFill>
@@ -11190,7 +11191,7 @@
               </a:ln>
               <a:extLst>
                 <a:ext uri="{91240B29-F687-4f45-9708-019B960494DF}">
-                  <a14:hiddenLine xmlns="" xmlns:a14="http://schemas.microsoft.com/office/drawing/2010/main" w="9525">
+                  <a14:hiddenLine xmlns:a14="http://schemas.microsoft.com/office/drawing/2010/main" xmlns="" w="9525">
                     <a:solidFill>
                       <a:srgbClr val="000000"/>
                     </a:solidFill>
@@ -11252,7 +11253,7 @@
               </a:ln>
               <a:extLst>
                 <a:ext uri="{91240B29-F687-4f45-9708-019B960494DF}">
-                  <a14:hiddenLine xmlns="" xmlns:a14="http://schemas.microsoft.com/office/drawing/2010/main" w="9525">
+                  <a14:hiddenLine xmlns:a14="http://schemas.microsoft.com/office/drawing/2010/main" xmlns="" w="9525">
                     <a:solidFill>
                       <a:srgbClr val="000000"/>
                     </a:solidFill>
@@ -11342,7 +11343,7 @@
               </a:ln>
               <a:extLst>
                 <a:ext uri="{91240B29-F687-4f45-9708-019B960494DF}">
-                  <a14:hiddenLine xmlns="" xmlns:a14="http://schemas.microsoft.com/office/drawing/2010/main" w="9525">
+                  <a14:hiddenLine xmlns:a14="http://schemas.microsoft.com/office/drawing/2010/main" xmlns="" w="9525">
                     <a:solidFill>
                       <a:srgbClr val="000000"/>
                     </a:solidFill>
@@ -11432,7 +11433,7 @@
               </a:ln>
               <a:extLst>
                 <a:ext uri="{91240B29-F687-4f45-9708-019B960494DF}">
-                  <a14:hiddenLine xmlns="" xmlns:a14="http://schemas.microsoft.com/office/drawing/2010/main" w="9525">
+                  <a14:hiddenLine xmlns:a14="http://schemas.microsoft.com/office/drawing/2010/main" xmlns="" w="9525">
                     <a:solidFill>
                       <a:srgbClr val="000000"/>
                     </a:solidFill>
@@ -11497,7 +11498,7 @@
               </a:ln>
               <a:extLst>
                 <a:ext uri="{91240B29-F687-4f45-9708-019B960494DF}">
-                  <a14:hiddenLine xmlns="" xmlns:a14="http://schemas.microsoft.com/office/drawing/2010/main" w="9525">
+                  <a14:hiddenLine xmlns:a14="http://schemas.microsoft.com/office/drawing/2010/main" xmlns="" w="9525">
                     <a:solidFill>
                       <a:srgbClr val="000000"/>
                     </a:solidFill>
@@ -11617,7 +11618,7 @@
               </a:ln>
               <a:extLst>
                 <a:ext uri="{91240B29-F687-4f45-9708-019B960494DF}">
-                  <a14:hiddenLine xmlns="" xmlns:a14="http://schemas.microsoft.com/office/drawing/2010/main" w="9525">
+                  <a14:hiddenLine xmlns:a14="http://schemas.microsoft.com/office/drawing/2010/main" xmlns="" w="9525">
                     <a:solidFill>
                       <a:srgbClr val="000000"/>
                     </a:solidFill>
@@ -11698,7 +11699,7 @@
               </a:ln>
               <a:extLst>
                 <a:ext uri="{91240B29-F687-4f45-9708-019B960494DF}">
-                  <a14:hiddenLine xmlns="" xmlns:a14="http://schemas.microsoft.com/office/drawing/2010/main" w="9525">
+                  <a14:hiddenLine xmlns:a14="http://schemas.microsoft.com/office/drawing/2010/main" xmlns="" w="9525">
                     <a:solidFill>
                       <a:srgbClr val="000000"/>
                     </a:solidFill>
@@ -11813,7 +11814,7 @@
               </a:ln>
               <a:extLst>
                 <a:ext uri="{91240B29-F687-4f45-9708-019B960494DF}">
-                  <a14:hiddenLine xmlns="" xmlns:a14="http://schemas.microsoft.com/office/drawing/2010/main" w="9525">
+                  <a14:hiddenLine xmlns:a14="http://schemas.microsoft.com/office/drawing/2010/main" xmlns="" w="9525">
                     <a:solidFill>
                       <a:srgbClr val="000000"/>
                     </a:solidFill>
@@ -11903,7 +11904,7 @@
               </a:ln>
               <a:extLst>
                 <a:ext uri="{91240B29-F687-4f45-9708-019B960494DF}">
-                  <a14:hiddenLine xmlns="" xmlns:a14="http://schemas.microsoft.com/office/drawing/2010/main" w="9525">
+                  <a14:hiddenLine xmlns:a14="http://schemas.microsoft.com/office/drawing/2010/main" xmlns="" w="9525">
                     <a:solidFill>
                       <a:srgbClr val="000000"/>
                     </a:solidFill>
@@ -11968,7 +11969,7 @@
               </a:ln>
               <a:extLst>
                 <a:ext uri="{91240B29-F687-4f45-9708-019B960494DF}">
-                  <a14:hiddenLine xmlns="" xmlns:a14="http://schemas.microsoft.com/office/drawing/2010/main" w="9525">
+                  <a14:hiddenLine xmlns:a14="http://schemas.microsoft.com/office/drawing/2010/main" xmlns="" w="9525">
                     <a:solidFill>
                       <a:srgbClr val="000000"/>
                     </a:solidFill>
@@ -12058,7 +12059,7 @@
               </a:ln>
               <a:extLst>
                 <a:ext uri="{91240B29-F687-4f45-9708-019B960494DF}">
-                  <a14:hiddenLine xmlns="" xmlns:a14="http://schemas.microsoft.com/office/drawing/2010/main" w="9525">
+                  <a14:hiddenLine xmlns:a14="http://schemas.microsoft.com/office/drawing/2010/main" xmlns="" w="9525">
                     <a:solidFill>
                       <a:srgbClr val="000000"/>
                     </a:solidFill>
@@ -12126,7 +12127,7 @@
               </a:ln>
               <a:extLst>
                 <a:ext uri="{91240B29-F687-4f45-9708-019B960494DF}">
-                  <a14:hiddenLine xmlns="" xmlns:a14="http://schemas.microsoft.com/office/drawing/2010/main" w="9525">
+                  <a14:hiddenLine xmlns:a14="http://schemas.microsoft.com/office/drawing/2010/main" xmlns="" w="9525">
                     <a:solidFill>
                       <a:srgbClr val="000000"/>
                     </a:solidFill>
@@ -12216,7 +12217,7 @@
               </a:ln>
               <a:extLst>
                 <a:ext uri="{91240B29-F687-4f45-9708-019B960494DF}">
-                  <a14:hiddenLine xmlns="" xmlns:a14="http://schemas.microsoft.com/office/drawing/2010/main" w="9525">
+                  <a14:hiddenLine xmlns:a14="http://schemas.microsoft.com/office/drawing/2010/main" xmlns="" w="9525">
                     <a:solidFill>
                       <a:srgbClr val="000000"/>
                     </a:solidFill>
@@ -12284,7 +12285,7 @@
               </a:ln>
               <a:extLst>
                 <a:ext uri="{91240B29-F687-4f45-9708-019B960494DF}">
-                  <a14:hiddenLine xmlns="" xmlns:a14="http://schemas.microsoft.com/office/drawing/2010/main" w="9525">
+                  <a14:hiddenLine xmlns:a14="http://schemas.microsoft.com/office/drawing/2010/main" xmlns="" w="9525">
                     <a:solidFill>
                       <a:srgbClr val="000000"/>
                     </a:solidFill>
@@ -12374,7 +12375,7 @@
               </a:ln>
               <a:extLst>
                 <a:ext uri="{91240B29-F687-4f45-9708-019B960494DF}">
-                  <a14:hiddenLine xmlns="" xmlns:a14="http://schemas.microsoft.com/office/drawing/2010/main" w="9525">
+                  <a14:hiddenLine xmlns:a14="http://schemas.microsoft.com/office/drawing/2010/main" xmlns="" w="9525">
                     <a:solidFill>
                       <a:srgbClr val="000000"/>
                     </a:solidFill>
@@ -12408,7 +12409,7 @@
               </a:ln>
               <a:extLst>
                 <a:ext uri="{91240B29-F687-4f45-9708-019B960494DF}">
-                  <a14:hiddenLine xmlns="" xmlns:a14="http://schemas.microsoft.com/office/drawing/2010/main" w="9525">
+                  <a14:hiddenLine xmlns:a14="http://schemas.microsoft.com/office/drawing/2010/main" xmlns="" w="9525">
                     <a:solidFill>
                       <a:srgbClr val="000000"/>
                     </a:solidFill>
@@ -12548,7 +12549,7 @@
           <a:p>
             <a:fld id="{B3A20725-917D-4215-AA15-F6E5C8C47B2C}" type="datetimeFigureOut">
               <a:rPr lang="ru-RU" smtClean="0"/>
-              <a:t>23-09-2023</a:t>
+              <a:t>24-09-2023</a:t>
             </a:fld>
             <a:endParaRPr lang="ru-RU"/>
           </a:p>
@@ -13045,72 +13046,206 @@
           <a:p>
             <a:r>
               <a:rPr lang="ru-RU" dirty="0" smtClean="0"/>
-              <a:t>Дополнительные ПРИМЕРЫ</a:t>
+              <a:t>Плюсы и минусы юнит тестов</a:t>
             </a:r>
             <a:endParaRPr lang="ru-RU" dirty="0"/>
           </a:p>
         </p:txBody>
       </p:sp>
-      <p:sp>
-        <p:nvSpPr>
-          <p:cNvPr id="3" name="Объект 2"/>
-          <p:cNvSpPr>
-            <a:spLocks noGrp="1"/>
-          </p:cNvSpPr>
+      <p:graphicFrame>
+        <p:nvGraphicFramePr>
+          <p:cNvPr id="4" name="Объект 3"/>
+          <p:cNvGraphicFramePr>
+            <a:graphicFrameLocks noGrp="1"/>
+          </p:cNvGraphicFramePr>
           <p:nvPr>
             <p:ph idx="1"/>
+            <p:extLst>
+              <p:ext uri="{D42A27DB-BD31-4B8C-83A1-F6EECF244321}">
+                <p14:modId xmlns:p14="http://schemas.microsoft.com/office/powerpoint/2010/main" val="3892645768"/>
+              </p:ext>
+            </p:extLst>
           </p:nvPr>
-        </p:nvSpPr>
-        <p:spPr/>
-        <p:txBody>
-          <a:bodyPr/>
-          <a:lstStyle/>
-          <a:p>
-            <a:pPr marL="0" indent="0">
-              <a:buNone/>
-            </a:pPr>
-            <a:r>
-              <a:rPr lang="ru-RU" dirty="0" smtClean="0"/>
-              <a:t>Рассмотрим дополнительные примеры</a:t>
-            </a:r>
-          </a:p>
-          <a:p>
-            <a:r>
-              <a:rPr lang="ru-RU" dirty="0" smtClean="0"/>
-              <a:t>Решение проблемы дублирования кода в юнит тестах</a:t>
-            </a:r>
-            <a:endParaRPr lang="en-US" dirty="0" smtClean="0"/>
-          </a:p>
-          <a:p>
-            <a:r>
-              <a:rPr lang="ru-RU" dirty="0"/>
-              <a:t>Настройка механизма внедрения </a:t>
-            </a:r>
-            <a:r>
-              <a:rPr lang="ru-RU" dirty="0" smtClean="0"/>
-              <a:t>зависимостей</a:t>
-            </a:r>
-            <a:endParaRPr lang="en-US" dirty="0" smtClean="0"/>
-          </a:p>
-          <a:p>
-            <a:r>
-              <a:rPr lang="ru-RU" dirty="0" smtClean="0"/>
-              <a:t>Интеграционные тесты</a:t>
-            </a:r>
-            <a:endParaRPr lang="ru-RU" dirty="0"/>
-          </a:p>
-          <a:p>
-            <a:pPr marL="0" indent="0">
-              <a:buNone/>
-            </a:pPr>
-            <a:endParaRPr lang="ru-RU" dirty="0"/>
-          </a:p>
-        </p:txBody>
-      </p:sp>
+        </p:nvGraphicFramePr>
+        <p:xfrm>
+          <a:off x="1338605" y="2398078"/>
+          <a:ext cx="9436232" cy="2286000"/>
+        </p:xfrm>
+        <a:graphic>
+          <a:graphicData uri="http://schemas.openxmlformats.org/drawingml/2006/table">
+            <a:tbl>
+              <a:tblPr firstRow="1" bandRow="1">
+                <a:tableStyleId>{5940675A-B579-460E-94D1-54222C63F5DA}</a:tableStyleId>
+              </a:tblPr>
+              <a:tblGrid>
+                <a:gridCol w="4718116">
+                  <a:extLst>
+                    <a:ext uri="{9D8B030D-6E8A-4147-A177-3AD203B41FA5}">
+                      <a16:colId xmlns:a16="http://schemas.microsoft.com/office/drawing/2014/main" val="1652068160"/>
+                    </a:ext>
+                  </a:extLst>
+                </a:gridCol>
+                <a:gridCol w="4718116">
+                  <a:extLst>
+                    <a:ext uri="{9D8B030D-6E8A-4147-A177-3AD203B41FA5}">
+                      <a16:colId xmlns:a16="http://schemas.microsoft.com/office/drawing/2014/main" val="3694201509"/>
+                    </a:ext>
+                  </a:extLst>
+                </a:gridCol>
+              </a:tblGrid>
+              <a:tr h="2143403">
+                <a:tc>
+                  <a:txBody>
+                    <a:bodyPr/>
+                    <a:lstStyle/>
+                    <a:p>
+                      <a:endParaRPr lang="ru-RU" dirty="0" smtClean="0"/>
+                    </a:p>
+                    <a:p>
+                      <a:r>
+                        <a:rPr lang="en-US" dirty="0" smtClean="0"/>
+                        <a:t>+</a:t>
+                      </a:r>
+                      <a:r>
+                        <a:rPr lang="ru-RU" dirty="0" smtClean="0"/>
+                        <a:t> Не нужно «</a:t>
+                      </a:r>
+                      <a:r>
+                        <a:rPr lang="ru-RU" dirty="0" err="1" smtClean="0"/>
+                        <a:t>протыкивать</a:t>
+                      </a:r>
+                      <a:r>
+                        <a:rPr lang="ru-RU" dirty="0" smtClean="0"/>
+                        <a:t>» интерфейс</a:t>
+                      </a:r>
+                    </a:p>
+                    <a:p>
+                      <a:endParaRPr lang="en-US" dirty="0" smtClean="0"/>
+                    </a:p>
+                    <a:p>
+                      <a:r>
+                        <a:rPr lang="en-US" dirty="0" smtClean="0"/>
+                        <a:t>+</a:t>
+                      </a:r>
+                      <a:r>
+                        <a:rPr lang="ru-RU" dirty="0" smtClean="0"/>
+                        <a:t> Повышает надежность системы</a:t>
+                      </a:r>
+                    </a:p>
+                    <a:p>
+                      <a:endParaRPr lang="en-US" dirty="0" smtClean="0"/>
+                    </a:p>
+                    <a:p>
+                      <a:r>
+                        <a:rPr lang="en-US" dirty="0" smtClean="0"/>
+                        <a:t>+</a:t>
+                      </a:r>
+                      <a:r>
+                        <a:rPr lang="ru-RU" dirty="0" smtClean="0"/>
+                        <a:t> Повышение качества кода</a:t>
+                      </a:r>
+                    </a:p>
+                    <a:p>
+                      <a:endParaRPr lang="ru-RU" dirty="0"/>
+                    </a:p>
+                  </a:txBody>
+                  <a:tcPr/>
+                </a:tc>
+                <a:tc>
+                  <a:txBody>
+                    <a:bodyPr/>
+                    <a:lstStyle/>
+                    <a:p>
+                      <a:endParaRPr lang="ru-RU" baseline="0" dirty="0" smtClean="0"/>
+                    </a:p>
+                    <a:p>
+                      <a:pPr marL="0" indent="0">
+                        <a:buFontTx/>
+                        <a:buNone/>
+                      </a:pPr>
+                      <a:r>
+                        <a:rPr lang="ru-RU" baseline="0" dirty="0" smtClean="0"/>
+                        <a:t>- </a:t>
+                      </a:r>
+                      <a:r>
+                        <a:rPr lang="ru-RU" baseline="0" dirty="0" smtClean="0"/>
+                        <a:t>Нужно подготовить код</a:t>
+                      </a:r>
+                    </a:p>
+                    <a:p>
+                      <a:pPr marL="285750" indent="-285750">
+                        <a:buFontTx/>
+                        <a:buChar char="-"/>
+                      </a:pPr>
+                      <a:endParaRPr lang="ru-RU" baseline="0" dirty="0" smtClean="0"/>
+                    </a:p>
+                    <a:p>
+                      <a:pPr marL="0" indent="0">
+                        <a:buFontTx/>
+                        <a:buNone/>
+                      </a:pPr>
+                      <a:r>
+                        <a:rPr lang="ru-RU" baseline="0" dirty="0" smtClean="0"/>
+                        <a:t>- Дополнительные </a:t>
+                      </a:r>
+                      <a:r>
+                        <a:rPr lang="ru-RU" baseline="0" dirty="0" smtClean="0"/>
+                        <a:t>абстракции в </a:t>
+                      </a:r>
+                      <a:r>
+                        <a:rPr lang="ru-RU" baseline="0" dirty="0" smtClean="0"/>
+                        <a:t>коде</a:t>
+                      </a:r>
+                    </a:p>
+                    <a:p>
+                      <a:pPr marL="285750" indent="-285750">
+                        <a:buFontTx/>
+                        <a:buChar char="-"/>
+                      </a:pPr>
+                      <a:endParaRPr lang="ru-RU" baseline="0" dirty="0" smtClean="0"/>
+                    </a:p>
+                    <a:p>
+                      <a:pPr marL="0" indent="0">
+                        <a:buFontTx/>
+                        <a:buNone/>
+                      </a:pPr>
+                      <a:r>
+                        <a:rPr lang="ru-RU" baseline="0" dirty="0" smtClean="0"/>
+                        <a:t>- Дополнительный код</a:t>
+                      </a:r>
+                      <a:endParaRPr lang="ru-RU" baseline="0" dirty="0" smtClean="0"/>
+                    </a:p>
+                    <a:p>
+                      <a:pPr marL="285750" indent="-285750">
+                        <a:buFontTx/>
+                        <a:buChar char="-"/>
+                      </a:pPr>
+                      <a:endParaRPr lang="ru-RU" baseline="0" dirty="0" smtClean="0"/>
+                    </a:p>
+                    <a:p>
+                      <a:pPr marL="285750" indent="-285750">
+                        <a:buFontTx/>
+                        <a:buChar char="-"/>
+                      </a:pPr>
+                      <a:endParaRPr lang="ru-RU" dirty="0"/>
+                    </a:p>
+                  </a:txBody>
+                  <a:tcPr/>
+                </a:tc>
+                <a:extLst>
+                  <a:ext uri="{0D108BD9-81ED-4DB2-BD59-A6C34878D82A}">
+                    <a16:rowId xmlns:a16="http://schemas.microsoft.com/office/drawing/2014/main" val="2954611385"/>
+                  </a:ext>
+                </a:extLst>
+              </a:tr>
+            </a:tbl>
+          </a:graphicData>
+        </a:graphic>
+      </p:graphicFrame>
     </p:spTree>
     <p:extLst>
       <p:ext uri="{BB962C8B-B14F-4D97-AF65-F5344CB8AC3E}">
-        <p14:creationId xmlns:p14="http://schemas.microsoft.com/office/powerpoint/2010/main" val="2821792313"/>
+        <p14:creationId xmlns:p14="http://schemas.microsoft.com/office/powerpoint/2010/main" val="1119871582"/>
       </p:ext>
     </p:extLst>
   </p:cSld>
@@ -13161,6 +13296,122 @@
           <a:p>
             <a:r>
               <a:rPr lang="ru-RU" dirty="0" smtClean="0"/>
+              <a:t>Дополнительные ПРИМЕРЫ</a:t>
+            </a:r>
+            <a:endParaRPr lang="ru-RU" dirty="0"/>
+          </a:p>
+        </p:txBody>
+      </p:sp>
+      <p:sp>
+        <p:nvSpPr>
+          <p:cNvPr id="3" name="Объект 2"/>
+          <p:cNvSpPr>
+            <a:spLocks noGrp="1"/>
+          </p:cNvSpPr>
+          <p:nvPr>
+            <p:ph idx="1"/>
+          </p:nvPr>
+        </p:nvSpPr>
+        <p:spPr/>
+        <p:txBody>
+          <a:bodyPr/>
+          <a:lstStyle/>
+          <a:p>
+            <a:pPr marL="0" indent="0">
+              <a:buNone/>
+            </a:pPr>
+            <a:r>
+              <a:rPr lang="ru-RU" dirty="0" smtClean="0"/>
+              <a:t>Рассмотрим дополнительные примеры</a:t>
+            </a:r>
+          </a:p>
+          <a:p>
+            <a:r>
+              <a:rPr lang="ru-RU" dirty="0" smtClean="0"/>
+              <a:t>Решение проблемы дублирования кода в юнит тестах</a:t>
+            </a:r>
+            <a:endParaRPr lang="en-US" dirty="0" smtClean="0"/>
+          </a:p>
+          <a:p>
+            <a:r>
+              <a:rPr lang="ru-RU" dirty="0"/>
+              <a:t>Настройка механизма внедрения </a:t>
+            </a:r>
+            <a:r>
+              <a:rPr lang="ru-RU" dirty="0" smtClean="0"/>
+              <a:t>зависимостей</a:t>
+            </a:r>
+            <a:endParaRPr lang="en-US" dirty="0" smtClean="0"/>
+          </a:p>
+          <a:p>
+            <a:r>
+              <a:rPr lang="ru-RU" dirty="0" smtClean="0"/>
+              <a:t>Интеграционные тесты</a:t>
+            </a:r>
+            <a:endParaRPr lang="ru-RU" dirty="0"/>
+          </a:p>
+          <a:p>
+            <a:pPr marL="0" indent="0">
+              <a:buNone/>
+            </a:pPr>
+            <a:endParaRPr lang="ru-RU" dirty="0"/>
+          </a:p>
+        </p:txBody>
+      </p:sp>
+    </p:spTree>
+    <p:extLst>
+      <p:ext uri="{BB962C8B-B14F-4D97-AF65-F5344CB8AC3E}">
+        <p14:creationId xmlns:p14="http://schemas.microsoft.com/office/powerpoint/2010/main" val="2821792313"/>
+      </p:ext>
+    </p:extLst>
+  </p:cSld>
+  <p:clrMapOvr>
+    <a:masterClrMapping/>
+  </p:clrMapOvr>
+  <p:timing>
+    <p:tnLst>
+      <p:par>
+        <p:cTn id="1" dur="indefinite" restart="never" nodeType="tmRoot"/>
+      </p:par>
+    </p:tnLst>
+  </p:timing>
+</p:sld>
+</file>
+
+<file path=ppt/slides/slide12.xml><?xml version="1.0" encoding="utf-8"?>
+<p:sld xmlns:a="http://schemas.openxmlformats.org/drawingml/2006/main" xmlns:r="http://schemas.openxmlformats.org/officeDocument/2006/relationships" xmlns:p="http://schemas.openxmlformats.org/presentationml/2006/main">
+  <p:cSld>
+    <p:spTree>
+      <p:nvGrpSpPr>
+        <p:cNvPr id="1" name=""/>
+        <p:cNvGrpSpPr/>
+        <p:nvPr/>
+      </p:nvGrpSpPr>
+      <p:grpSpPr>
+        <a:xfrm>
+          <a:off x="0" y="0"/>
+          <a:ext cx="0" cy="0"/>
+          <a:chOff x="0" y="0"/>
+          <a:chExt cx="0" cy="0"/>
+        </a:xfrm>
+      </p:grpSpPr>
+      <p:sp>
+        <p:nvSpPr>
+          <p:cNvPr id="2" name="Заголовок 1"/>
+          <p:cNvSpPr>
+            <a:spLocks noGrp="1"/>
+          </p:cNvSpPr>
+          <p:nvPr>
+            <p:ph type="title"/>
+          </p:nvPr>
+        </p:nvSpPr>
+        <p:spPr/>
+        <p:txBody>
+          <a:bodyPr/>
+          <a:lstStyle/>
+          <a:p>
+            <a:r>
+              <a:rPr lang="ru-RU" dirty="0" smtClean="0"/>
               <a:t>ИТОГ</a:t>
             </a:r>
             <a:endParaRPr lang="ru-RU" dirty="0"/>
@@ -13241,7 +13492,7 @@
 </p:sld>
 </file>
 
-<file path=ppt/slides/slide12.xml><?xml version="1.0" encoding="utf-8"?>
+<file path=ppt/slides/slide13.xml><?xml version="1.0" encoding="utf-8"?>
 <p:sld xmlns:a="http://schemas.openxmlformats.org/drawingml/2006/main" xmlns:r="http://schemas.openxmlformats.org/officeDocument/2006/relationships" xmlns:p="http://schemas.openxmlformats.org/presentationml/2006/main">
   <p:cSld>
     <p:spTree>
@@ -14787,6 +15038,117 @@
       </p:grpSpPr>
       <p:sp>
         <p:nvSpPr>
+          <p:cNvPr id="2" name="Заголовок 1"/>
+          <p:cNvSpPr>
+            <a:spLocks noGrp="1"/>
+          </p:cNvSpPr>
+          <p:nvPr>
+            <p:ph type="title"/>
+          </p:nvPr>
+        </p:nvSpPr>
+        <p:spPr>
+          <a:xfrm>
+            <a:off x="1141413" y="618518"/>
+            <a:ext cx="10246166" cy="1478570"/>
+          </a:xfrm>
+        </p:spPr>
+        <p:txBody>
+          <a:bodyPr/>
+          <a:lstStyle/>
+          <a:p>
+            <a:r>
+              <a:rPr lang="ru-RU" dirty="0" smtClean="0"/>
+              <a:t>Как распилить программу на классы?</a:t>
+            </a:r>
+            <a:endParaRPr lang="ru-RU" dirty="0"/>
+          </a:p>
+        </p:txBody>
+      </p:sp>
+      <p:sp>
+        <p:nvSpPr>
+          <p:cNvPr id="4" name="Объект 3"/>
+          <p:cNvSpPr>
+            <a:spLocks noGrp="1"/>
+          </p:cNvSpPr>
+          <p:nvPr>
+            <p:ph idx="1"/>
+          </p:nvPr>
+        </p:nvSpPr>
+        <p:spPr/>
+        <p:txBody>
+          <a:bodyPr/>
+          <a:lstStyle/>
+          <a:p>
+            <a:r>
+              <a:rPr lang="ru-RU" dirty="0" smtClean="0"/>
+              <a:t>Контексты </a:t>
+            </a:r>
+            <a:r>
+              <a:rPr lang="en-US" dirty="0" smtClean="0"/>
+              <a:t>DDD</a:t>
+            </a:r>
+          </a:p>
+          <a:p>
+            <a:r>
+              <a:rPr lang="ru-RU" dirty="0" smtClean="0"/>
+              <a:t>«Категории» классов</a:t>
+            </a:r>
+          </a:p>
+          <a:p>
+            <a:r>
+              <a:rPr lang="ru-RU" dirty="0" smtClean="0"/>
+              <a:t>Архитектурные слои</a:t>
+            </a:r>
+          </a:p>
+          <a:p>
+            <a:r>
+              <a:rPr lang="ru-RU" dirty="0" smtClean="0"/>
+              <a:t>Паттерны</a:t>
+            </a:r>
+          </a:p>
+          <a:p>
+            <a:r>
+              <a:rPr lang="ru-RU" dirty="0" smtClean="0"/>
+              <a:t>Доменные модели</a:t>
+            </a:r>
+          </a:p>
+          <a:p>
+            <a:endParaRPr lang="ru-RU" dirty="0"/>
+          </a:p>
+        </p:txBody>
+      </p:sp>
+    </p:spTree>
+    <p:extLst>
+      <p:ext uri="{BB962C8B-B14F-4D97-AF65-F5344CB8AC3E}">
+        <p14:creationId xmlns:p14="http://schemas.microsoft.com/office/powerpoint/2010/main" val="1124547465"/>
+      </p:ext>
+    </p:extLst>
+  </p:cSld>
+  <p:clrMapOvr>
+    <a:masterClrMapping/>
+  </p:clrMapOvr>
+</p:sld>
+</file>
+
+<file path=ppt/slides/slide8.xml><?xml version="1.0" encoding="utf-8"?>
+<p:sld xmlns:a="http://schemas.openxmlformats.org/drawingml/2006/main" xmlns:r="http://schemas.openxmlformats.org/officeDocument/2006/relationships" xmlns:p="http://schemas.openxmlformats.org/presentationml/2006/main">
+  <p:cSld>
+    <p:spTree>
+      <p:nvGrpSpPr>
+        <p:cNvPr id="1" name=""/>
+        <p:cNvGrpSpPr/>
+        <p:nvPr/>
+      </p:nvGrpSpPr>
+      <p:grpSpPr>
+        <a:xfrm>
+          <a:off x="0" y="0"/>
+          <a:ext cx="0" cy="0"/>
+          <a:chOff x="0" y="0"/>
+          <a:chExt cx="0" cy="0"/>
+        </a:xfrm>
+      </p:grpSpPr>
+      <p:sp>
+        <p:nvSpPr>
           <p:cNvPr id="5" name="Прямоугольник 4"/>
           <p:cNvSpPr/>
           <p:nvPr/>
@@ -16204,110 +16566,6 @@
 </p:sld>
 </file>
 
-<file path=ppt/slides/slide8.xml><?xml version="1.0" encoding="utf-8"?>
-<p:sld xmlns:a="http://schemas.openxmlformats.org/drawingml/2006/main" xmlns:r="http://schemas.openxmlformats.org/officeDocument/2006/relationships" xmlns:p="http://schemas.openxmlformats.org/presentationml/2006/main">
-  <p:cSld>
-    <p:spTree>
-      <p:nvGrpSpPr>
-        <p:cNvPr id="1" name=""/>
-        <p:cNvGrpSpPr/>
-        <p:nvPr/>
-      </p:nvGrpSpPr>
-      <p:grpSpPr>
-        <a:xfrm>
-          <a:off x="0" y="0"/>
-          <a:ext cx="0" cy="0"/>
-          <a:chOff x="0" y="0"/>
-          <a:chExt cx="0" cy="0"/>
-        </a:xfrm>
-      </p:grpSpPr>
-      <p:sp>
-        <p:nvSpPr>
-          <p:cNvPr id="2" name="Заголовок 1"/>
-          <p:cNvSpPr>
-            <a:spLocks noGrp="1"/>
-          </p:cNvSpPr>
-          <p:nvPr>
-            <p:ph type="title"/>
-          </p:nvPr>
-        </p:nvSpPr>
-        <p:spPr/>
-        <p:txBody>
-          <a:bodyPr/>
-          <a:lstStyle/>
-          <a:p>
-            <a:r>
-              <a:rPr lang="ru-RU" dirty="0" smtClean="0"/>
-              <a:t>Преимущества </a:t>
-            </a:r>
-            <a:r>
-              <a:rPr lang="en-US" dirty="0" smtClean="0"/>
-              <a:t>mock </a:t>
-            </a:r>
-            <a:r>
-              <a:rPr lang="ru-RU" dirty="0" smtClean="0"/>
-              <a:t>объектов</a:t>
-            </a:r>
-            <a:endParaRPr lang="ru-RU" dirty="0"/>
-          </a:p>
-        </p:txBody>
-      </p:sp>
-      <p:sp>
-        <p:nvSpPr>
-          <p:cNvPr id="3" name="Объект 2"/>
-          <p:cNvSpPr>
-            <a:spLocks noGrp="1"/>
-          </p:cNvSpPr>
-          <p:nvPr>
-            <p:ph idx="1"/>
-          </p:nvPr>
-        </p:nvSpPr>
-        <p:spPr/>
-        <p:txBody>
-          <a:bodyPr/>
-          <a:lstStyle/>
-          <a:p>
-            <a:r>
-              <a:rPr lang="ru-RU" dirty="0" smtClean="0"/>
-              <a:t>Могут запоминать, какие методы вызывались, и с какими параметрами</a:t>
-            </a:r>
-          </a:p>
-          <a:p>
-            <a:r>
-              <a:rPr lang="ru-RU" dirty="0" smtClean="0"/>
-              <a:t>Можно навесить «обработчик событий» на вызов метода, и сохранить его параметр в локальную переменную</a:t>
-            </a:r>
-            <a:endParaRPr lang="en-US" dirty="0" smtClean="0"/>
-          </a:p>
-          <a:p>
-            <a:r>
-              <a:rPr lang="ru-RU" dirty="0" smtClean="0"/>
-              <a:t>Можно указать, какие значения нужно возвращать при вызове методов</a:t>
-            </a:r>
-            <a:endParaRPr lang="ru-RU" dirty="0"/>
-          </a:p>
-        </p:txBody>
-      </p:sp>
-    </p:spTree>
-    <p:extLst>
-      <p:ext uri="{BB962C8B-B14F-4D97-AF65-F5344CB8AC3E}">
-        <p14:creationId xmlns:p14="http://schemas.microsoft.com/office/powerpoint/2010/main" val="1559943341"/>
-      </p:ext>
-    </p:extLst>
-  </p:cSld>
-  <p:clrMapOvr>
-    <a:masterClrMapping/>
-  </p:clrMapOvr>
-  <p:timing>
-    <p:tnLst>
-      <p:par>
-        <p:cTn id="1" dur="indefinite" restart="never" nodeType="tmRoot"/>
-      </p:par>
-    </p:tnLst>
-  </p:timing>
-</p:sld>
-</file>
-
 <file path=ppt/slides/slide9.xml><?xml version="1.0" encoding="utf-8"?>
 <p:sld xmlns:a="http://schemas.openxmlformats.org/drawingml/2006/main" xmlns:r="http://schemas.openxmlformats.org/officeDocument/2006/relationships" xmlns:p="http://schemas.openxmlformats.org/presentationml/2006/main">
   <p:cSld>
@@ -16342,189 +16600,60 @@
           <a:p>
             <a:r>
               <a:rPr lang="ru-RU" dirty="0" smtClean="0"/>
-              <a:t>Плюсы и минусы юнит тестов</a:t>
+              <a:t>Преимущества </a:t>
+            </a:r>
+            <a:r>
+              <a:rPr lang="en-US" dirty="0" smtClean="0"/>
+              <a:t>mock </a:t>
+            </a:r>
+            <a:r>
+              <a:rPr lang="ru-RU" dirty="0" smtClean="0"/>
+              <a:t>объектов</a:t>
             </a:r>
             <a:endParaRPr lang="ru-RU" dirty="0"/>
           </a:p>
         </p:txBody>
       </p:sp>
-      <p:graphicFrame>
-        <p:nvGraphicFramePr>
-          <p:cNvPr id="4" name="Объект 3"/>
-          <p:cNvGraphicFramePr>
-            <a:graphicFrameLocks noGrp="1"/>
-          </p:cNvGraphicFramePr>
+      <p:sp>
+        <p:nvSpPr>
+          <p:cNvPr id="3" name="Объект 2"/>
+          <p:cNvSpPr>
+            <a:spLocks noGrp="1"/>
+          </p:cNvSpPr>
           <p:nvPr>
             <p:ph idx="1"/>
-            <p:extLst>
-              <p:ext uri="{D42A27DB-BD31-4B8C-83A1-F6EECF244321}">
-                <p14:modId xmlns:p14="http://schemas.microsoft.com/office/powerpoint/2010/main" val="3807141487"/>
-              </p:ext>
-            </p:extLst>
           </p:nvPr>
-        </p:nvGraphicFramePr>
-        <p:xfrm>
-          <a:off x="1338605" y="2398078"/>
-          <a:ext cx="9436232" cy="2286000"/>
-        </p:xfrm>
-        <a:graphic>
-          <a:graphicData uri="http://schemas.openxmlformats.org/drawingml/2006/table">
-            <a:tbl>
-              <a:tblPr firstRow="1" bandRow="1">
-                <a:tableStyleId>{5940675A-B579-460E-94D1-54222C63F5DA}</a:tableStyleId>
-              </a:tblPr>
-              <a:tblGrid>
-                <a:gridCol w="4718116">
-                  <a:extLst>
-                    <a:ext uri="{9D8B030D-6E8A-4147-A177-3AD203B41FA5}">
-                      <a16:colId xmlns:a16="http://schemas.microsoft.com/office/drawing/2014/main" val="1652068160"/>
-                    </a:ext>
-                  </a:extLst>
-                </a:gridCol>
-                <a:gridCol w="4718116">
-                  <a:extLst>
-                    <a:ext uri="{9D8B030D-6E8A-4147-A177-3AD203B41FA5}">
-                      <a16:colId xmlns:a16="http://schemas.microsoft.com/office/drawing/2014/main" val="3694201509"/>
-                    </a:ext>
-                  </a:extLst>
-                </a:gridCol>
-              </a:tblGrid>
-              <a:tr h="2143403">
-                <a:tc>
-                  <a:txBody>
-                    <a:bodyPr/>
-                    <a:lstStyle/>
-                    <a:p>
-                      <a:endParaRPr lang="ru-RU" dirty="0" smtClean="0"/>
-                    </a:p>
-                    <a:p>
-                      <a:r>
-                        <a:rPr lang="en-US" dirty="0" smtClean="0"/>
-                        <a:t>+</a:t>
-                      </a:r>
-                      <a:r>
-                        <a:rPr lang="ru-RU" dirty="0" smtClean="0"/>
-                        <a:t> Не нужно «</a:t>
-                      </a:r>
-                      <a:r>
-                        <a:rPr lang="ru-RU" dirty="0" err="1" smtClean="0"/>
-                        <a:t>протыкивать</a:t>
-                      </a:r>
-                      <a:r>
-                        <a:rPr lang="ru-RU" dirty="0" smtClean="0"/>
-                        <a:t>» интерфейс</a:t>
-                      </a:r>
-                    </a:p>
-                    <a:p>
-                      <a:endParaRPr lang="en-US" dirty="0" smtClean="0"/>
-                    </a:p>
-                    <a:p>
-                      <a:r>
-                        <a:rPr lang="en-US" dirty="0" smtClean="0"/>
-                        <a:t>+</a:t>
-                      </a:r>
-                      <a:r>
-                        <a:rPr lang="ru-RU" dirty="0" smtClean="0"/>
-                        <a:t> Повышает надежность системы</a:t>
-                      </a:r>
-                    </a:p>
-                    <a:p>
-                      <a:endParaRPr lang="en-US" dirty="0" smtClean="0"/>
-                    </a:p>
-                    <a:p>
-                      <a:r>
-                        <a:rPr lang="en-US" dirty="0" smtClean="0"/>
-                        <a:t>+</a:t>
-                      </a:r>
-                      <a:r>
-                        <a:rPr lang="ru-RU" dirty="0" smtClean="0"/>
-                        <a:t> Повышение качества кода</a:t>
-                      </a:r>
-                    </a:p>
-                    <a:p>
-                      <a:endParaRPr lang="ru-RU" dirty="0"/>
-                    </a:p>
-                  </a:txBody>
-                  <a:tcPr/>
-                </a:tc>
-                <a:tc>
-                  <a:txBody>
-                    <a:bodyPr/>
-                    <a:lstStyle/>
-                    <a:p>
-                      <a:endParaRPr lang="ru-RU" baseline="0" dirty="0" smtClean="0"/>
-                    </a:p>
-                    <a:p>
-                      <a:r>
-                        <a:rPr lang="ru-RU" baseline="0" dirty="0" smtClean="0"/>
-                        <a:t>- Высокий порог входа (долго учить)</a:t>
-                      </a:r>
-                    </a:p>
-                    <a:p>
-                      <a:pPr marL="0" indent="0">
-                        <a:buFontTx/>
-                        <a:buNone/>
-                      </a:pPr>
-                      <a:endParaRPr lang="ru-RU" baseline="0" dirty="0" smtClean="0"/>
-                    </a:p>
-                    <a:p>
-                      <a:pPr marL="0" indent="0">
-                        <a:buFontTx/>
-                        <a:buNone/>
-                      </a:pPr>
-                      <a:r>
-                        <a:rPr lang="ru-RU" baseline="0" dirty="0" smtClean="0"/>
-                        <a:t>- Нужно подготовить код</a:t>
-                      </a:r>
-                    </a:p>
-                    <a:p>
-                      <a:pPr marL="285750" indent="-285750">
-                        <a:buFontTx/>
-                        <a:buChar char="-"/>
-                      </a:pPr>
-                      <a:endParaRPr lang="ru-RU" baseline="0" dirty="0" smtClean="0"/>
-                    </a:p>
-                    <a:p>
-                      <a:pPr marL="0" indent="0">
-                        <a:buFontTx/>
-                        <a:buNone/>
-                      </a:pPr>
-                      <a:r>
-                        <a:rPr lang="ru-RU" baseline="0" dirty="0" smtClean="0"/>
-                        <a:t>- Дополнительные абстракции в коде</a:t>
-                      </a:r>
-                    </a:p>
-                    <a:p>
-                      <a:pPr marL="285750" indent="-285750">
-                        <a:buFontTx/>
-                        <a:buChar char="-"/>
-                      </a:pPr>
-                      <a:endParaRPr lang="ru-RU" baseline="0" dirty="0" smtClean="0"/>
-                    </a:p>
-                    <a:p>
-                      <a:pPr marL="285750" indent="-285750">
-                        <a:buFontTx/>
-                        <a:buChar char="-"/>
-                      </a:pPr>
-                      <a:endParaRPr lang="ru-RU" dirty="0"/>
-                    </a:p>
-                  </a:txBody>
-                  <a:tcPr/>
-                </a:tc>
-                <a:extLst>
-                  <a:ext uri="{0D108BD9-81ED-4DB2-BD59-A6C34878D82A}">
-                    <a16:rowId xmlns:a16="http://schemas.microsoft.com/office/drawing/2014/main" val="2954611385"/>
-                  </a:ext>
-                </a:extLst>
-              </a:tr>
-            </a:tbl>
-          </a:graphicData>
-        </a:graphic>
-      </p:graphicFrame>
+        </p:nvSpPr>
+        <p:spPr/>
+        <p:txBody>
+          <a:bodyPr/>
+          <a:lstStyle/>
+          <a:p>
+            <a:r>
+              <a:rPr lang="ru-RU" dirty="0" smtClean="0"/>
+              <a:t>Могут запоминать, какие методы вызывались, и с какими параметрами</a:t>
+            </a:r>
+          </a:p>
+          <a:p>
+            <a:r>
+              <a:rPr lang="ru-RU" dirty="0" smtClean="0"/>
+              <a:t>Можно навесить «обработчик событий» на вызов метода, и сохранить его параметр в локальную переменную</a:t>
+            </a:r>
+            <a:endParaRPr lang="en-US" dirty="0" smtClean="0"/>
+          </a:p>
+          <a:p>
+            <a:r>
+              <a:rPr lang="ru-RU" dirty="0" smtClean="0"/>
+              <a:t>Можно указать, какие значения нужно возвращать при вызове методов</a:t>
+            </a:r>
+            <a:endParaRPr lang="ru-RU" dirty="0"/>
+          </a:p>
+        </p:txBody>
+      </p:sp>
     </p:spTree>
     <p:extLst>
       <p:ext uri="{BB962C8B-B14F-4D97-AF65-F5344CB8AC3E}">
-        <p14:creationId xmlns:p14="http://schemas.microsoft.com/office/powerpoint/2010/main" val="1119871582"/>
+        <p14:creationId xmlns:p14="http://schemas.microsoft.com/office/powerpoint/2010/main" val="1559943341"/>
       </p:ext>
     </p:extLst>
   </p:cSld>
